--- a/AI_Cheat_Sheet.pptx
+++ b/AI_Cheat_Sheet.pptx
@@ -9,7 +9,8 @@
     <p:sldId id="257" r:id="rId3"/>
     <p:sldId id="258" r:id="rId4"/>
     <p:sldId id="259" r:id="rId5"/>
-    <p:sldId id="260" r:id="rId6"/>
+    <p:sldId id="261" r:id="rId6"/>
+    <p:sldId id="260" r:id="rId7"/>
   </p:sldIdLst>
   <p:sldSz cx="12192000" cy="6858000"/>
   <p:notesSz cx="6858000" cy="9144000"/>
@@ -390,7 +391,7 @@
           <a:p>
             <a:fld id="{78ABE3C1-DBE1-495D-B57B-2849774B866A}" type="datetimeFigureOut">
               <a:rPr lang="en-US" dirty="0"/>
-              <a:t>4/2/2021</a:t>
+              <a:t>4/4/2021</a:t>
             </a:fld>
             <a:endParaRPr lang="en-US" dirty="0"/>
           </a:p>
@@ -799,7 +800,7 @@
           <a:p>
             <a:fld id="{446C117F-5CCF-4837-BE5F-2B92066CAFAF}" type="datetimeFigureOut">
               <a:rPr lang="en-US" dirty="0"/>
-              <a:t>4/2/2021</a:t>
+              <a:t>4/4/2021</a:t>
             </a:fld>
             <a:endParaRPr lang="en-US" dirty="0"/>
           </a:p>
@@ -1130,7 +1131,7 @@
           <a:p>
             <a:fld id="{84EB90BD-B6CE-46B7-997F-7313B992CCDC}" type="datetimeFigureOut">
               <a:rPr lang="en-US" dirty="0"/>
-              <a:t>4/2/2021</a:t>
+              <a:t>4/4/2021</a:t>
             </a:fld>
             <a:endParaRPr lang="en-US" dirty="0"/>
           </a:p>
@@ -1530,7 +1531,7 @@
           <a:p>
             <a:fld id="{CDB9D11F-B188-461D-B23F-39381795C052}" type="datetimeFigureOut">
               <a:rPr lang="en-US" dirty="0"/>
-              <a:t>4/2/2021</a:t>
+              <a:t>4/4/2021</a:t>
             </a:fld>
             <a:endParaRPr lang="en-US" dirty="0"/>
           </a:p>
@@ -2093,7 +2094,7 @@
           <a:p>
             <a:fld id="{52E6D8D9-55A2-4063-B0F3-121F44549695}" type="datetimeFigureOut">
               <a:rPr lang="en-US" dirty="0"/>
-              <a:t>4/2/2021</a:t>
+              <a:t>4/4/2021</a:t>
             </a:fld>
             <a:endParaRPr lang="en-US" dirty="0"/>
           </a:p>
@@ -2769,7 +2770,7 @@
           <a:p>
             <a:fld id="{D4B24536-994D-4021-A283-9F449C0DB509}" type="datetimeFigureOut">
               <a:rPr lang="en-US" dirty="0"/>
-              <a:t>4/2/2021</a:t>
+              <a:t>4/4/2021</a:t>
             </a:fld>
             <a:endParaRPr lang="en-US" dirty="0"/>
           </a:p>
@@ -3677,7 +3678,7 @@
           <a:p>
             <a:fld id="{3CBBBB78-C96F-47B7-AB17-D852CA960AC9}" type="datetimeFigureOut">
               <a:rPr lang="en-US" dirty="0"/>
-              <a:t>4/2/2021</a:t>
+              <a:t>4/4/2021</a:t>
             </a:fld>
             <a:endParaRPr lang="en-US" dirty="0"/>
           </a:p>
@@ -3985,7 +3986,7 @@
           <a:p>
             <a:fld id="{1FA3F48C-C7C6-4055-9F49-3777875E72AE}" type="datetimeFigureOut">
               <a:rPr lang="en-US" dirty="0"/>
-              <a:t>4/2/2021</a:t>
+              <a:t>4/4/2021</a:t>
             </a:fld>
             <a:endParaRPr lang="en-US" dirty="0"/>
           </a:p>
@@ -4244,7 +4245,7 @@
           <a:p>
             <a:fld id="{6178E61D-D431-422C-9764-11DAFE33AB63}" type="datetimeFigureOut">
               <a:rPr lang="en-US" dirty="0"/>
-              <a:t>4/2/2021</a:t>
+              <a:t>4/4/2021</a:t>
             </a:fld>
             <a:endParaRPr lang="en-US" dirty="0"/>
           </a:p>
@@ -4563,7 +4564,7 @@
           <a:p>
             <a:fld id="{12DE42F4-6EEF-4EF7-8ED4-2208F0F89A08}" type="datetimeFigureOut">
               <a:rPr lang="en-US" dirty="0"/>
-              <a:t>4/2/2021</a:t>
+              <a:t>4/4/2021</a:t>
             </a:fld>
             <a:endParaRPr lang="en-US" dirty="0"/>
           </a:p>
@@ -4947,7 +4948,7 @@
           <a:p>
             <a:fld id="{30578ACC-22D6-47C1-A373-4FD133E34F3C}" type="datetimeFigureOut">
               <a:rPr lang="en-US" dirty="0"/>
-              <a:t>4/2/2021</a:t>
+              <a:t>4/4/2021</a:t>
             </a:fld>
             <a:endParaRPr lang="en-US" dirty="0"/>
           </a:p>
@@ -5318,7 +5319,7 @@
           <a:p>
             <a:fld id="{4E5A6C69-6797-4E8A-BF37-F2C3751466E9}" type="datetimeFigureOut">
               <a:rPr lang="en-US" dirty="0"/>
-              <a:t>4/2/2021</a:t>
+              <a:t>4/4/2021</a:t>
             </a:fld>
             <a:endParaRPr lang="en-US" dirty="0"/>
           </a:p>
@@ -5819,7 +5820,7 @@
           <a:p>
             <a:fld id="{D82014A1-A632-4878-A0D3-F52BA7563730}" type="datetimeFigureOut">
               <a:rPr lang="en-US" dirty="0"/>
-              <a:t>4/2/2021</a:t>
+              <a:t>4/4/2021</a:t>
             </a:fld>
             <a:endParaRPr lang="en-US" dirty="0"/>
           </a:p>
@@ -6071,7 +6072,7 @@
           <a:p>
             <a:fld id="{CE99F462-093F-4566-844B-4C71F2739DA5}" type="datetimeFigureOut">
               <a:rPr lang="en-US" dirty="0"/>
-              <a:t>4/2/2021</a:t>
+              <a:t>4/4/2021</a:t>
             </a:fld>
             <a:endParaRPr lang="en-US" dirty="0"/>
           </a:p>
@@ -6229,7 +6230,7 @@
           <a:p>
             <a:fld id="{3D24A7AC-904D-4781-85BA-7D10C17ED021}" type="datetimeFigureOut">
               <a:rPr lang="en-US" dirty="0"/>
-              <a:t>4/2/2021</a:t>
+              <a:t>4/4/2021</a:t>
             </a:fld>
             <a:endParaRPr lang="en-US" dirty="0"/>
           </a:p>
@@ -6614,7 +6615,7 @@
           <a:p>
             <a:fld id="{E331444B-B92B-4E27-8C94-BB93EAF5CB18}" type="datetimeFigureOut">
               <a:rPr lang="en-US" dirty="0"/>
-              <a:t>4/2/2021</a:t>
+              <a:t>4/4/2021</a:t>
             </a:fld>
             <a:endParaRPr lang="en-US" dirty="0"/>
           </a:p>
@@ -7018,7 +7019,7 @@
           <a:p>
             <a:fld id="{363EFA5E-FA76-400D-B3DC-F0BA90E6D107}" type="datetimeFigureOut">
               <a:rPr lang="en-US" dirty="0"/>
-              <a:t>4/2/2021</a:t>
+              <a:t>4/4/2021</a:t>
             </a:fld>
             <a:endParaRPr lang="en-US" dirty="0"/>
           </a:p>
@@ -7257,7 +7258,7 @@
           <a:p>
             <a:fld id="{9D6E9DEC-419B-4CC5-A080-3B06BD5A8291}" type="datetimeFigureOut">
               <a:rPr lang="en-US" dirty="0"/>
-              <a:t>4/2/2021</a:t>
+              <a:t>4/4/2021</a:t>
             </a:fld>
             <a:endParaRPr lang="en-US" dirty="0"/>
           </a:p>
@@ -8112,11 +8113,7 @@
             </a:pPr>
             <a:r>
               <a:rPr lang="en-US" sz="1800" dirty="0" smtClean="0"/>
-              <a:t>	     (</a:t>
-            </a:r>
-            <a:r>
-              <a:rPr lang="en-US" sz="1800" dirty="0" smtClean="0"/>
-              <a:t>Less often used)</a:t>
+              <a:t>	     (Less often used)</a:t>
             </a:r>
             <a:endParaRPr lang="en-US" sz="1800" dirty="0"/>
           </a:p>
@@ -8625,6 +8622,136 @@
         </p:nvSpPr>
         <p:spPr/>
         <p:txBody>
+          <a:bodyPr/>
+          <a:lstStyle/>
+          <a:p>
+            <a:pPr algn="ctr"/>
+            <a:r>
+              <a:rPr lang="en-US" dirty="0" smtClean="0">
+                <a:solidFill>
+                  <a:srgbClr val="92D050"/>
+                </a:solidFill>
+              </a:rPr>
+              <a:t>Future Work</a:t>
+            </a:r>
+            <a:endParaRPr lang="en-US" dirty="0">
+              <a:solidFill>
+                <a:srgbClr val="92D050"/>
+              </a:solidFill>
+            </a:endParaRPr>
+          </a:p>
+        </p:txBody>
+      </p:sp>
+      <p:sp>
+        <p:nvSpPr>
+          <p:cNvPr id="3" name="Content Placeholder 2"/>
+          <p:cNvSpPr>
+            <a:spLocks noGrp="1"/>
+          </p:cNvSpPr>
+          <p:nvPr>
+            <p:ph idx="1"/>
+          </p:nvPr>
+        </p:nvSpPr>
+        <p:spPr/>
+        <p:txBody>
+          <a:bodyPr/>
+          <a:lstStyle/>
+          <a:p>
+            <a:endParaRPr lang="en-US" dirty="0"/>
+          </a:p>
+          <a:p>
+            <a:r>
+              <a:rPr lang="en-US" dirty="0"/>
+              <a:t>Breadth First Search</a:t>
+            </a:r>
+          </a:p>
+          <a:p>
+            <a:r>
+              <a:rPr lang="en-US" dirty="0" err="1"/>
+              <a:t>Dijkstra’s</a:t>
+            </a:r>
+            <a:r>
+              <a:rPr lang="en-US" dirty="0"/>
+              <a:t> </a:t>
+            </a:r>
+            <a:r>
+              <a:rPr lang="en-US"/>
+              <a:t>Algorithm </a:t>
+            </a:r>
+            <a:endParaRPr lang="en-US" smtClean="0"/>
+          </a:p>
+          <a:p>
+            <a:r>
+              <a:rPr lang="en-US" smtClean="0"/>
+              <a:t>A</a:t>
+            </a:r>
+            <a:r>
+              <a:rPr lang="en-US" dirty="0"/>
+              <a:t>*</a:t>
+            </a:r>
+          </a:p>
+          <a:p>
+            <a:r>
+              <a:rPr lang="en-US" dirty="0"/>
+              <a:t>Bellman-Ford</a:t>
+            </a:r>
+          </a:p>
+          <a:p>
+            <a:r>
+              <a:rPr lang="en-US" dirty="0"/>
+              <a:t>Bayesian Inference</a:t>
+            </a:r>
+          </a:p>
+          <a:p>
+            <a:pPr marL="0" indent="0">
+              <a:buNone/>
+            </a:pPr>
+            <a:endParaRPr lang="en-US" dirty="0"/>
+          </a:p>
+        </p:txBody>
+      </p:sp>
+    </p:spTree>
+    <p:extLst>
+      <p:ext uri="{BB962C8B-B14F-4D97-AF65-F5344CB8AC3E}">
+        <p14:creationId xmlns:p14="http://schemas.microsoft.com/office/powerpoint/2010/main" val="3314423995"/>
+      </p:ext>
+    </p:extLst>
+  </p:cSld>
+  <p:clrMapOvr>
+    <a:masterClrMapping/>
+  </p:clrMapOvr>
+</p:sld>
+</file>
+
+<file path=ppt/slides/slide6.xml><?xml version="1.0" encoding="utf-8"?>
+<p:sld xmlns:a="http://schemas.openxmlformats.org/drawingml/2006/main" xmlns:r="http://schemas.openxmlformats.org/officeDocument/2006/relationships" xmlns:p="http://schemas.openxmlformats.org/presentationml/2006/main">
+  <p:cSld>
+    <p:spTree>
+      <p:nvGrpSpPr>
+        <p:cNvPr id="1" name=""/>
+        <p:cNvGrpSpPr/>
+        <p:nvPr/>
+      </p:nvGrpSpPr>
+      <p:grpSpPr>
+        <a:xfrm>
+          <a:off x="0" y="0"/>
+          <a:ext cx="0" cy="0"/>
+          <a:chOff x="0" y="0"/>
+          <a:chExt cx="0" cy="0"/>
+        </a:xfrm>
+      </p:grpSpPr>
+      <p:sp>
+        <p:nvSpPr>
+          <p:cNvPr id="2" name="Title 1"/>
+          <p:cNvSpPr>
+            <a:spLocks noGrp="1"/>
+          </p:cNvSpPr>
+          <p:nvPr>
+            <p:ph type="title"/>
+          </p:nvPr>
+        </p:nvSpPr>
+        <p:spPr/>
+        <p:txBody>
           <a:bodyPr>
             <a:normAutofit/>
           </a:bodyPr>
@@ -8700,7 +8827,7 @@
             </a:pPr>
             <a:fld id="{6199AAC8-460C-4911-9FFB-701238C59D0B}" type="datetime4">
               <a:rPr lang="en-US" sz="4400" i="1"/>
-              <a:t>April 2, 2021</a:t>
+              <a:t>April 4, 2021</a:t>
             </a:fld>
             <a:endParaRPr lang="en-US" sz="4400" i="1" dirty="0"/>
           </a:p>

--- a/AI_Cheat_Sheet.pptx
+++ b/AI_Cheat_Sheet.pptx
@@ -9,8 +9,9 @@
     <p:sldId id="257" r:id="rId3"/>
     <p:sldId id="258" r:id="rId4"/>
     <p:sldId id="259" r:id="rId5"/>
-    <p:sldId id="261" r:id="rId6"/>
-    <p:sldId id="260" r:id="rId7"/>
+    <p:sldId id="262" r:id="rId6"/>
+    <p:sldId id="261" r:id="rId7"/>
+    <p:sldId id="260" r:id="rId8"/>
   </p:sldIdLst>
   <p:sldSz cx="12192000" cy="6858000"/>
   <p:notesSz cx="6858000" cy="9144000"/>
@@ -7792,7 +7793,9 @@
         </p:nvSpPr>
         <p:spPr/>
         <p:txBody>
-          <a:bodyPr/>
+          <a:bodyPr>
+            <a:normAutofit fontScale="90000"/>
+          </a:bodyPr>
           <a:lstStyle/>
           <a:p>
             <a:pPr algn="ctr"/>
@@ -7836,18 +7839,43 @@
               </a:rPr>
             </a:br>
             <a:r>
-              <a:rPr lang="en-US" sz="2800" b="1" dirty="0" smtClean="0">
+              <a:rPr lang="en-US" sz="2800" dirty="0" smtClean="0">
                 <a:solidFill>
-                  <a:srgbClr val="92D050"/>
+                  <a:srgbClr val="FFC000"/>
                 </a:solidFill>
                 <a:latin typeface="Times New Roman" panose="02020603050405020304" pitchFamily="18" charset="0"/>
                 <a:cs typeface="Times New Roman" panose="02020603050405020304" pitchFamily="18" charset="0"/>
               </a:rPr>
-              <a:t>(gold standard)</a:t>
-            </a:r>
+              <a:t>(CS 229, Andrew </a:t>
+            </a:r>
+            <a:r>
+              <a:rPr lang="en-US" sz="2800" dirty="0">
+                <a:solidFill>
+                  <a:srgbClr val="FFC000"/>
+                </a:solidFill>
+                <a:latin typeface="Times New Roman" panose="02020603050405020304" pitchFamily="18" charset="0"/>
+                <a:cs typeface="Times New Roman" panose="02020603050405020304" pitchFamily="18" charset="0"/>
+              </a:rPr>
+              <a:t>Ng, Stanford)</a:t>
+            </a:r>
+            <a:r>
+              <a:rPr lang="en-US" sz="2800" dirty="0">
+                <a:solidFill>
+                  <a:srgbClr val="FFC000"/>
+                </a:solidFill>
+              </a:rPr>
+              <a:t/>
+            </a:r>
+            <a:br>
+              <a:rPr lang="en-US" sz="2800" dirty="0">
+                <a:solidFill>
+                  <a:srgbClr val="FFC000"/>
+                </a:solidFill>
+              </a:rPr>
+            </a:br>
             <a:endParaRPr lang="en-US" sz="2800" b="1" dirty="0">
               <a:solidFill>
-                <a:srgbClr val="92D050"/>
+                <a:srgbClr val="FFC000"/>
               </a:solidFill>
               <a:latin typeface="Times New Roman" panose="02020603050405020304" pitchFamily="18" charset="0"/>
               <a:cs typeface="Times New Roman" panose="02020603050405020304" pitchFamily="18" charset="0"/>
@@ -7867,18 +7895,40 @@
         </p:nvSpPr>
         <p:spPr>
           <a:xfrm>
-            <a:off x="2585546" y="2336873"/>
-            <a:ext cx="8040414" cy="3599316"/>
-          </a:xfrm>
-        </p:spPr>
-        <p:txBody>
-          <a:bodyPr/>
+            <a:off x="2585546" y="1965434"/>
+            <a:ext cx="8040414" cy="4892565"/>
+          </a:xfrm>
+        </p:spPr>
+        <p:txBody>
+          <a:bodyPr>
+            <a:normAutofit/>
+          </a:bodyPr>
           <a:lstStyle/>
           <a:p>
             <a:pPr marL="0" indent="0">
               <a:buNone/>
             </a:pPr>
-            <a:endParaRPr lang="en-US" sz="4400" u="sng" dirty="0" smtClean="0"/>
+            <a:endParaRPr lang="en-US" sz="3600" u="sng" dirty="0" smtClean="0"/>
+          </a:p>
+          <a:p>
+            <a:pPr marL="0" indent="0">
+              <a:buNone/>
+            </a:pPr>
+            <a:r>
+              <a:rPr lang="en-US" sz="3600" dirty="0" smtClean="0">
+                <a:cs typeface="Times New Roman" panose="02020603050405020304" pitchFamily="18" charset="0"/>
+              </a:rPr>
+              <a:t>	    Gold Standard</a:t>
+            </a:r>
+            <a:endParaRPr lang="en-US" sz="3600" dirty="0">
+              <a:cs typeface="Times New Roman" panose="02020603050405020304" pitchFamily="18" charset="0"/>
+            </a:endParaRPr>
+          </a:p>
+          <a:p>
+            <a:pPr marL="0" indent="0">
+              <a:buNone/>
+            </a:pPr>
+            <a:endParaRPr lang="en-US" sz="3600" u="sng" dirty="0" smtClean="0"/>
           </a:p>
           <a:p>
             <a:pPr marL="0" indent="0">
@@ -7954,12 +8004,27 @@
             </a:pPr>
             <a:r>
               <a:rPr lang="en-US" sz="3600" dirty="0"/>
-              <a:t>α – Learning Rate (α = 0.01</a:t>
+              <a:t>α – Learning Rate </a:t>
+            </a:r>
+            <a:r>
+              <a:rPr lang="en-US" sz="3600" dirty="0" smtClean="0"/>
+              <a:t>(0.01</a:t>
             </a:r>
             <a:r>
               <a:rPr lang="en-US" sz="3600" dirty="0" smtClean="0"/>
               <a:t>)</a:t>
             </a:r>
+          </a:p>
+          <a:p>
+            <a:pPr marL="0" indent="0">
+              <a:buNone/>
+            </a:pPr>
+            <a:endParaRPr lang="en-US" sz="3600" dirty="0" smtClean="0"/>
+          </a:p>
+          <a:p>
+            <a:pPr marL="0" indent="0">
+              <a:buNone/>
+            </a:pPr>
             <a:endParaRPr lang="en-US" sz="3600" dirty="0"/>
           </a:p>
         </p:txBody>
@@ -8334,7 +8399,7 @@
             <a:r>
               <a:rPr lang="en-US" sz="2000" b="1" dirty="0" smtClean="0">
                 <a:solidFill>
-                  <a:srgbClr val="92D050"/>
+                  <a:srgbClr val="FFC000"/>
                 </a:solidFill>
                 <a:latin typeface="Times New Roman" panose="02020603050405020304" pitchFamily="18" charset="0"/>
                 <a:cs typeface="Times New Roman" panose="02020603050405020304" pitchFamily="18" charset="0"/>
@@ -8377,16 +8442,36 @@
             <a:r>
               <a:rPr lang="en-US" sz="2000" b="1" dirty="0" smtClean="0">
                 <a:solidFill>
+                  <a:srgbClr val="FFC000"/>
+                </a:solidFill>
+                <a:latin typeface="Times New Roman" panose="02020603050405020304" pitchFamily="18" charset="0"/>
+                <a:cs typeface="Times New Roman" panose="02020603050405020304" pitchFamily="18" charset="0"/>
+              </a:rPr>
+              <a:t>)</a:t>
+            </a:r>
+            <a:r>
+              <a:rPr lang="en-US" sz="2000" b="1" dirty="0" smtClean="0">
+                <a:solidFill>
                   <a:srgbClr val="92D050"/>
                 </a:solidFill>
                 <a:latin typeface="Times New Roman" panose="02020603050405020304" pitchFamily="18" charset="0"/>
                 <a:cs typeface="Times New Roman" panose="02020603050405020304" pitchFamily="18" charset="0"/>
               </a:rPr>
-              <a:t>) MIT 6.046J</a:t>
+              <a:t> </a:t>
+            </a:r>
+            <a:r>
+              <a:rPr lang="en-US" sz="2000" b="1" dirty="0" smtClean="0">
+                <a:solidFill>
+                  <a:srgbClr val="FFC000"/>
+                </a:solidFill>
+                <a:latin typeface="Times New Roman" panose="02020603050405020304" pitchFamily="18" charset="0"/>
+                <a:cs typeface="Times New Roman" panose="02020603050405020304" pitchFamily="18" charset="0"/>
+              </a:rPr>
+              <a:t>MIT 6.046J</a:t>
             </a:r>
             <a:endParaRPr lang="en-US" b="1" dirty="0">
               <a:solidFill>
-                <a:srgbClr val="92D050"/>
+                <a:srgbClr val="FFC000"/>
               </a:solidFill>
               <a:latin typeface="Times New Roman" panose="02020603050405020304" pitchFamily="18" charset="0"/>
               <a:cs typeface="Times New Roman" panose="02020603050405020304" pitchFamily="18" charset="0"/>
@@ -8415,17 +8500,22 @@
               <a:buNone/>
             </a:pPr>
             <a:r>
-              <a:rPr lang="en-US" dirty="0" smtClean="0"/>
+              <a:rPr lang="en-US" dirty="0" smtClean="0">
+                <a:latin typeface="Lucida Sans Typewriter" panose="020B0509030504030204" pitchFamily="49" charset="0"/>
+              </a:rPr>
               <a:t>Q </a:t>
             </a:r>
             <a:r>
               <a:rPr lang="en-US" dirty="0">
+                <a:latin typeface="Lucida Sans Typewriter" panose="020B0509030504030204" pitchFamily="49" charset="0"/>
                 <a:sym typeface="Wingdings" panose="05000000000000000000" pitchFamily="2" charset="2"/>
               </a:rPr>
               <a:t></a:t>
             </a:r>
             <a:r>
-              <a:rPr lang="en-US" dirty="0"/>
+              <a:rPr lang="en-US" dirty="0">
+                <a:latin typeface="Lucida Sans Typewriter" panose="020B0509030504030204" pitchFamily="49" charset="0"/>
+              </a:rPr>
               <a:t> V</a:t>
             </a:r>
           </a:p>
@@ -8434,17 +8524,22 @@
               <a:buNone/>
             </a:pPr>
             <a:r>
-              <a:rPr lang="en-US" dirty="0"/>
+              <a:rPr lang="en-US" dirty="0">
+                <a:latin typeface="Lucida Sans Typewriter" panose="020B0509030504030204" pitchFamily="49" charset="0"/>
+              </a:rPr>
               <a:t>key [ v ] </a:t>
             </a:r>
             <a:r>
               <a:rPr lang="en-US" dirty="0">
+                <a:latin typeface="Lucida Sans Typewriter" panose="020B0509030504030204" pitchFamily="49" charset="0"/>
                 <a:sym typeface="Wingdings" panose="05000000000000000000" pitchFamily="2" charset="2"/>
               </a:rPr>
               <a:t></a:t>
             </a:r>
             <a:r>
-              <a:rPr lang="en-US" dirty="0"/>
+              <a:rPr lang="en-US" dirty="0">
+                <a:latin typeface="Lucida Sans Typewriter" panose="020B0509030504030204" pitchFamily="49" charset="0"/>
+              </a:rPr>
               <a:t> ∞, ꓯ v ϵ V</a:t>
             </a:r>
           </a:p>
@@ -8453,7 +8548,9 @@
               <a:buNone/>
             </a:pPr>
             <a:r>
-              <a:rPr lang="en-US" dirty="0"/>
+              <a:rPr lang="en-US" dirty="0">
+                <a:latin typeface="Lucida Sans Typewriter" panose="020B0509030504030204" pitchFamily="49" charset="0"/>
+              </a:rPr>
               <a:t>key [ s ] = 0 for arbitrary s ϵ v</a:t>
             </a:r>
           </a:p>
@@ -8462,34 +8559,54 @@
               <a:buNone/>
             </a:pPr>
             <a:r>
-              <a:rPr lang="en-US" dirty="0"/>
-              <a:t>While Q ≠ φ</a:t>
-            </a:r>
+              <a:rPr lang="en-US" dirty="0">
+                <a:latin typeface="Lucida Sans Typewriter" panose="020B0509030504030204" pitchFamily="49" charset="0"/>
+              </a:rPr>
+              <a:t>While Q </a:t>
+            </a:r>
+            <a:r>
+              <a:rPr lang="en-US" dirty="0" smtClean="0">
+                <a:latin typeface="Lucida Sans Typewriter" panose="020B0509030504030204" pitchFamily="49" charset="0"/>
+              </a:rPr>
+              <a:t>≠ Ø</a:t>
+            </a:r>
+            <a:endParaRPr lang="en-US" dirty="0">
+              <a:latin typeface="Lucida Sans Typewriter" panose="020B0509030504030204" pitchFamily="49" charset="0"/>
+            </a:endParaRPr>
           </a:p>
           <a:p>
             <a:pPr marL="0" indent="0">
               <a:buNone/>
             </a:pPr>
             <a:r>
-              <a:rPr lang="en-US" dirty="0"/>
+              <a:rPr lang="en-US" dirty="0">
+                <a:latin typeface="Lucida Sans Typewriter" panose="020B0509030504030204" pitchFamily="49" charset="0"/>
+              </a:rPr>
               <a:t>	Do u </a:t>
             </a:r>
             <a:r>
               <a:rPr lang="en-US" dirty="0">
+                <a:latin typeface="Lucida Sans Typewriter" panose="020B0509030504030204" pitchFamily="49" charset="0"/>
                 <a:sym typeface="Wingdings" panose="05000000000000000000" pitchFamily="2" charset="2"/>
               </a:rPr>
               <a:t></a:t>
             </a:r>
             <a:r>
-              <a:rPr lang="en-US" dirty="0"/>
+              <a:rPr lang="en-US" dirty="0">
+                <a:latin typeface="Lucida Sans Typewriter" panose="020B0509030504030204" pitchFamily="49" charset="0"/>
+              </a:rPr>
               <a:t> </a:t>
             </a:r>
             <a:r>
-              <a:rPr lang="en-US" dirty="0" err="1"/>
+              <a:rPr lang="en-US" dirty="0" err="1">
+                <a:latin typeface="Lucida Sans Typewriter" panose="020B0509030504030204" pitchFamily="49" charset="0"/>
+              </a:rPr>
               <a:t>Extract_min</a:t>
             </a:r>
             <a:r>
-              <a:rPr lang="en-US" dirty="0"/>
+              <a:rPr lang="en-US" dirty="0">
+                <a:latin typeface="Lucida Sans Typewriter" panose="020B0509030504030204" pitchFamily="49" charset="0"/>
+              </a:rPr>
               <a:t> ( Q )</a:t>
             </a:r>
           </a:p>
@@ -8498,15 +8615,21 @@
               <a:buNone/>
             </a:pPr>
             <a:r>
-              <a:rPr lang="en-US" dirty="0"/>
+              <a:rPr lang="en-US" dirty="0">
+                <a:latin typeface="Lucida Sans Typewriter" panose="020B0509030504030204" pitchFamily="49" charset="0"/>
+              </a:rPr>
               <a:t>		For each v ϵ </a:t>
             </a:r>
             <a:r>
-              <a:rPr lang="en-US" dirty="0" err="1"/>
+              <a:rPr lang="en-US" dirty="0" err="1">
+                <a:latin typeface="Lucida Sans Typewriter" panose="020B0509030504030204" pitchFamily="49" charset="0"/>
+              </a:rPr>
               <a:t>Adj</a:t>
             </a:r>
             <a:r>
-              <a:rPr lang="en-US" dirty="0"/>
+              <a:rPr lang="en-US" dirty="0">
+                <a:latin typeface="Lucida Sans Typewriter" panose="020B0509030504030204" pitchFamily="49" charset="0"/>
+              </a:rPr>
               <a:t> [ u ]</a:t>
             </a:r>
           </a:p>
@@ -8515,7 +8638,9 @@
               <a:buNone/>
             </a:pPr>
             <a:r>
-              <a:rPr lang="en-US" dirty="0"/>
+              <a:rPr lang="en-US" dirty="0">
+                <a:latin typeface="Lucida Sans Typewriter" panose="020B0509030504030204" pitchFamily="49" charset="0"/>
+              </a:rPr>
               <a:t>			Do if v ϵ Q and u ( v ) &lt; key [ v ]</a:t>
             </a:r>
           </a:p>
@@ -8524,17 +8649,22 @@
               <a:buNone/>
             </a:pPr>
             <a:r>
-              <a:rPr lang="en-US" dirty="0"/>
+              <a:rPr lang="en-US" dirty="0">
+                <a:latin typeface="Lucida Sans Typewriter" panose="020B0509030504030204" pitchFamily="49" charset="0"/>
+              </a:rPr>
               <a:t>				Then key [ v ] </a:t>
             </a:r>
             <a:r>
               <a:rPr lang="en-US" dirty="0">
+                <a:latin typeface="Lucida Sans Typewriter" panose="020B0509030504030204" pitchFamily="49" charset="0"/>
                 <a:sym typeface="Wingdings" panose="05000000000000000000" pitchFamily="2" charset="2"/>
               </a:rPr>
               <a:t></a:t>
             </a:r>
             <a:r>
-              <a:rPr lang="en-US" dirty="0"/>
+              <a:rPr lang="en-US" dirty="0">
+                <a:latin typeface="Lucida Sans Typewriter" panose="020B0509030504030204" pitchFamily="49" charset="0"/>
+              </a:rPr>
               <a:t> w ( u, v )</a:t>
             </a:r>
           </a:p>
@@ -8543,17 +8673,22 @@
               <a:buNone/>
             </a:pPr>
             <a:r>
-              <a:rPr lang="en-US" dirty="0"/>
+              <a:rPr lang="en-US" dirty="0">
+                <a:latin typeface="Lucida Sans Typewriter" panose="020B0509030504030204" pitchFamily="49" charset="0"/>
+              </a:rPr>
               <a:t>					π [ v ] </a:t>
             </a:r>
             <a:r>
               <a:rPr lang="en-US" dirty="0">
+                <a:latin typeface="Lucida Sans Typewriter" panose="020B0509030504030204" pitchFamily="49" charset="0"/>
                 <a:sym typeface="Wingdings" panose="05000000000000000000" pitchFamily="2" charset="2"/>
               </a:rPr>
               <a:t></a:t>
             </a:r>
             <a:r>
-              <a:rPr lang="en-US" dirty="0"/>
+              <a:rPr lang="en-US" dirty="0">
+                <a:latin typeface="Lucida Sans Typewriter" panose="020B0509030504030204" pitchFamily="49" charset="0"/>
+              </a:rPr>
               <a:t> u</a:t>
             </a:r>
           </a:p>
@@ -8562,19 +8697,27 @@
               <a:buNone/>
             </a:pPr>
             <a:r>
-              <a:rPr lang="en-US" dirty="0"/>
+              <a:rPr lang="en-US" dirty="0">
+                <a:latin typeface="Lucida Sans Typewriter" panose="020B0509030504030204" pitchFamily="49" charset="0"/>
+              </a:rPr>
               <a:t> </a:t>
             </a:r>
             <a:r>
-              <a:rPr lang="en-US" dirty="0" smtClean="0"/>
+              <a:rPr lang="en-US" dirty="0" smtClean="0">
+                <a:latin typeface="Lucida Sans Typewriter" panose="020B0509030504030204" pitchFamily="49" charset="0"/>
+              </a:rPr>
               <a:t>MST </a:t>
             </a:r>
             <a:r>
-              <a:rPr lang="en-US" dirty="0"/>
+              <a:rPr lang="en-US" dirty="0">
+                <a:latin typeface="Lucida Sans Typewriter" panose="020B0509030504030204" pitchFamily="49" charset="0"/>
+              </a:rPr>
               <a:t>= { ( v, π  [ v ] ) </a:t>
             </a:r>
             <a:r>
-              <a:rPr lang="en-US" dirty="0" smtClean="0"/>
+              <a:rPr lang="en-US" dirty="0" smtClean="0">
+                <a:latin typeface="Lucida Sans Typewriter" panose="020B0509030504030204" pitchFamily="49" charset="0"/>
+              </a:rPr>
               <a:t>}</a:t>
             </a:r>
           </a:p>
@@ -8622,22 +8765,87 @@
         </p:nvSpPr>
         <p:spPr/>
         <p:txBody>
-          <a:bodyPr/>
+          <a:bodyPr>
+            <a:normAutofit fontScale="90000"/>
+          </a:bodyPr>
           <a:lstStyle/>
           <a:p>
             <a:pPr algn="ctr"/>
             <a:r>
-              <a:rPr lang="en-US" dirty="0" smtClean="0">
+              <a:rPr lang="en-US" b="1" dirty="0" err="1">
                 <a:solidFill>
                   <a:srgbClr val="92D050"/>
                 </a:solidFill>
+                <a:latin typeface="Times New Roman" panose="02020603050405020304" pitchFamily="18" charset="0"/>
+                <a:cs typeface="Times New Roman" panose="02020603050405020304" pitchFamily="18" charset="0"/>
               </a:rPr>
-              <a:t>Future Work</a:t>
-            </a:r>
-            <a:endParaRPr lang="en-US" dirty="0">
+              <a:t>Dijkstra’s</a:t>
+            </a:r>
+            <a:r>
+              <a:rPr lang="en-US" b="1" dirty="0">
+                <a:solidFill>
+                  <a:srgbClr val="92D050"/>
+                </a:solidFill>
+                <a:latin typeface="Times New Roman" panose="02020603050405020304" pitchFamily="18" charset="0"/>
+                <a:cs typeface="Times New Roman" panose="02020603050405020304" pitchFamily="18" charset="0"/>
+              </a:rPr>
+              <a:t> </a:t>
+            </a:r>
+            <a:r>
+              <a:rPr lang="en-US" b="1" smtClean="0">
+                <a:solidFill>
+                  <a:srgbClr val="92D050"/>
+                </a:solidFill>
+                <a:latin typeface="Times New Roman" panose="02020603050405020304" pitchFamily="18" charset="0"/>
+                <a:cs typeface="Times New Roman" panose="02020603050405020304" pitchFamily="18" charset="0"/>
+              </a:rPr>
+              <a:t>Algorithm [5]</a:t>
+            </a:r>
+            <a:r>
+              <a:rPr lang="en-US" b="1" dirty="0">
+                <a:solidFill>
+                  <a:srgbClr val="92D050"/>
+                </a:solidFill>
+                <a:latin typeface="Times New Roman" panose="02020603050405020304" pitchFamily="18" charset="0"/>
+                <a:cs typeface="Times New Roman" panose="02020603050405020304" pitchFamily="18" charset="0"/>
+              </a:rPr>
+              <a:t/>
+            </a:r>
+            <a:br>
+              <a:rPr lang="en-US" b="1" dirty="0">
+                <a:solidFill>
+                  <a:srgbClr val="92D050"/>
+                </a:solidFill>
+                <a:latin typeface="Times New Roman" panose="02020603050405020304" pitchFamily="18" charset="0"/>
+                <a:cs typeface="Times New Roman" panose="02020603050405020304" pitchFamily="18" charset="0"/>
+              </a:rPr>
+            </a:br>
+            <a:r>
+              <a:rPr lang="en-US" sz="2700" b="1" dirty="0">
+                <a:solidFill>
+                  <a:srgbClr val="92D050"/>
+                </a:solidFill>
+                <a:latin typeface="Times New Roman" panose="02020603050405020304" pitchFamily="18" charset="0"/>
+                <a:cs typeface="Times New Roman" panose="02020603050405020304" pitchFamily="18" charset="0"/>
+              </a:rPr>
+              <a:t>(https://www.youtube.com/watch?v=xhG2DyCX3uA) </a:t>
+            </a:r>
+            <a:r>
+              <a:rPr lang="en-US" sz="2700" b="1" dirty="0" smtClean="0">
+                <a:solidFill>
+                  <a:srgbClr val="92D050"/>
+                </a:solidFill>
+                <a:latin typeface="Times New Roman" panose="02020603050405020304" pitchFamily="18" charset="0"/>
+                <a:cs typeface="Times New Roman" panose="02020603050405020304" pitchFamily="18" charset="0"/>
+              </a:rPr>
+              <a:t>(MIT 6.046J 2005)</a:t>
+            </a:r>
+            <a:endParaRPr lang="en-US" sz="2700" b="1" dirty="0">
               <a:solidFill>
                 <a:srgbClr val="92D050"/>
               </a:solidFill>
+              <a:latin typeface="Times New Roman" panose="02020603050405020304" pitchFamily="18" charset="0"/>
+              <a:cs typeface="Times New Roman" panose="02020603050405020304" pitchFamily="18" charset="0"/>
             </a:endParaRPr>
           </a:p>
         </p:txBody>
@@ -8652,37 +8860,352 @@
             <p:ph idx="1"/>
           </p:nvPr>
         </p:nvSpPr>
+        <p:spPr>
+          <a:xfrm>
+            <a:off x="680321" y="2336872"/>
+            <a:ext cx="9903596" cy="4521127"/>
+          </a:xfrm>
+        </p:spPr>
+        <p:txBody>
+          <a:bodyPr>
+            <a:normAutofit/>
+          </a:bodyPr>
+          <a:lstStyle/>
+          <a:p>
+            <a:pPr marL="0" indent="0">
+              <a:buNone/>
+            </a:pPr>
+            <a:r>
+              <a:rPr lang="en-US" sz="1800" dirty="0" smtClean="0"/>
+              <a:t>For each v </a:t>
+            </a:r>
+            <a:r>
+              <a:rPr lang="en-US" sz="1800" dirty="0">
+                <a:latin typeface="Lucida Sans Typewriter" panose="020B0509030504030204" pitchFamily="49" charset="0"/>
+              </a:rPr>
+              <a:t>ϵ </a:t>
+            </a:r>
+            <a:r>
+              <a:rPr lang="en-US" sz="1800" dirty="0" smtClean="0"/>
+              <a:t>V – {s}</a:t>
+            </a:r>
+          </a:p>
+          <a:p>
+            <a:pPr marL="0" indent="0">
+              <a:buNone/>
+            </a:pPr>
+            <a:r>
+              <a:rPr lang="en-US" sz="1800" dirty="0"/>
+              <a:t>	</a:t>
+            </a:r>
+            <a:r>
+              <a:rPr lang="en-US" sz="1800" dirty="0" smtClean="0"/>
+              <a:t>do d[v] </a:t>
+            </a:r>
+            <a:r>
+              <a:rPr lang="en-US" sz="1800" dirty="0">
+                <a:sym typeface="Wingdings" panose="05000000000000000000" pitchFamily="2" charset="2"/>
+              </a:rPr>
+              <a:t> </a:t>
+            </a:r>
+            <a:r>
+              <a:rPr lang="en-US" sz="1800" dirty="0" smtClean="0">
+                <a:latin typeface="Lucida Sans Typewriter" panose="020B0509030504030204" pitchFamily="49" charset="0"/>
+              </a:rPr>
+              <a:t>∞</a:t>
+            </a:r>
+            <a:endParaRPr lang="en-US" sz="1800" dirty="0" smtClean="0"/>
+          </a:p>
+          <a:p>
+            <a:pPr marL="0" indent="0">
+              <a:buNone/>
+            </a:pPr>
+            <a:r>
+              <a:rPr lang="en-US" sz="1800" dirty="0" smtClean="0"/>
+              <a:t>D[s] </a:t>
+            </a:r>
+            <a:r>
+              <a:rPr lang="en-US" sz="1800" dirty="0">
+                <a:sym typeface="Wingdings" panose="05000000000000000000" pitchFamily="2" charset="2"/>
+              </a:rPr>
+              <a:t> </a:t>
+            </a:r>
+            <a:r>
+              <a:rPr lang="en-US" sz="1800" dirty="0" smtClean="0">
+                <a:latin typeface="Lucida Sans Typewriter" panose="020B0509030504030204" pitchFamily="49" charset="0"/>
+              </a:rPr>
+              <a:t>0</a:t>
+            </a:r>
+            <a:endParaRPr lang="en-US" sz="1800" dirty="0" smtClean="0"/>
+          </a:p>
+          <a:p>
+            <a:pPr marL="0" indent="0">
+              <a:buNone/>
+            </a:pPr>
+            <a:r>
+              <a:rPr lang="en-US" sz="1800" dirty="0" smtClean="0"/>
+              <a:t>Q </a:t>
+            </a:r>
+            <a:r>
+              <a:rPr lang="en-US" sz="1800" dirty="0">
+                <a:sym typeface="Wingdings" panose="05000000000000000000" pitchFamily="2" charset="2"/>
+              </a:rPr>
+              <a:t> </a:t>
+            </a:r>
+            <a:r>
+              <a:rPr lang="en-US" sz="1800" dirty="0" smtClean="0"/>
+              <a:t>v</a:t>
+            </a:r>
+          </a:p>
+          <a:p>
+            <a:pPr marL="0" indent="0">
+              <a:buNone/>
+            </a:pPr>
+            <a:r>
+              <a:rPr lang="en-US" sz="1800" dirty="0" smtClean="0"/>
+              <a:t>S </a:t>
+            </a:r>
+            <a:r>
+              <a:rPr lang="en-US" sz="1800" dirty="0">
+                <a:sym typeface="Wingdings" panose="05000000000000000000" pitchFamily="2" charset="2"/>
+              </a:rPr>
+              <a:t> </a:t>
+            </a:r>
+            <a:r>
+              <a:rPr lang="en-US" sz="1800" dirty="0" smtClean="0">
+                <a:latin typeface="Lucida Sans Typewriter" panose="020B0509030504030204" pitchFamily="49" charset="0"/>
+              </a:rPr>
+              <a:t>Ø</a:t>
+            </a:r>
+          </a:p>
+          <a:p>
+            <a:pPr marL="0" indent="0">
+              <a:buNone/>
+            </a:pPr>
+            <a:endParaRPr lang="en-US" sz="1800" dirty="0" smtClean="0">
+              <a:latin typeface="Lucida Sans Typewriter" panose="020B0509030504030204" pitchFamily="49" charset="0"/>
+            </a:endParaRPr>
+          </a:p>
+          <a:p>
+            <a:pPr marL="0" indent="0">
+              <a:buNone/>
+            </a:pPr>
+            <a:r>
+              <a:rPr lang="en-US" sz="1800" dirty="0" smtClean="0"/>
+              <a:t>While Q  </a:t>
+            </a:r>
+            <a:r>
+              <a:rPr lang="en-US" sz="1800" dirty="0" smtClean="0">
+                <a:latin typeface="Lucida Sans Typewriter" panose="020B0509030504030204" pitchFamily="49" charset="0"/>
+              </a:rPr>
+              <a:t>≠ Ø, </a:t>
+            </a:r>
+            <a:r>
+              <a:rPr lang="en-US" sz="1800" dirty="0" smtClean="0"/>
+              <a:t>S </a:t>
+            </a:r>
+            <a:r>
+              <a:rPr lang="en-US" sz="1800" dirty="0" smtClean="0">
+                <a:sym typeface="Wingdings" panose="05000000000000000000" pitchFamily="2" charset="2"/>
+              </a:rPr>
+              <a:t> S { u }</a:t>
+            </a:r>
+          </a:p>
+          <a:p>
+            <a:pPr marL="0" indent="0">
+              <a:buNone/>
+            </a:pPr>
+            <a:r>
+              <a:rPr lang="en-US" sz="1800" dirty="0">
+                <a:sym typeface="Wingdings" panose="05000000000000000000" pitchFamily="2" charset="2"/>
+              </a:rPr>
+              <a:t>	</a:t>
+            </a:r>
+            <a:r>
+              <a:rPr lang="en-US" sz="1800" dirty="0" smtClean="0">
+                <a:sym typeface="Wingdings" panose="05000000000000000000" pitchFamily="2" charset="2"/>
+              </a:rPr>
+              <a:t>do u  </a:t>
+            </a:r>
+            <a:r>
+              <a:rPr lang="en-US" sz="1800" dirty="0" err="1" smtClean="0">
+                <a:sym typeface="Wingdings" panose="05000000000000000000" pitchFamily="2" charset="2"/>
+              </a:rPr>
+              <a:t>Extract_Min</a:t>
+            </a:r>
+            <a:r>
+              <a:rPr lang="en-US" sz="1800" dirty="0" smtClean="0">
+                <a:sym typeface="Wingdings" panose="05000000000000000000" pitchFamily="2" charset="2"/>
+              </a:rPr>
+              <a:t> ( Q )</a:t>
+            </a:r>
+          </a:p>
+          <a:p>
+            <a:pPr marL="0" indent="0">
+              <a:buNone/>
+            </a:pPr>
+            <a:r>
+              <a:rPr lang="en-US" sz="1800" dirty="0" smtClean="0">
+                <a:sym typeface="Wingdings" panose="05000000000000000000" pitchFamily="2" charset="2"/>
+              </a:rPr>
+              <a:t>		For each v </a:t>
+            </a:r>
+            <a:r>
+              <a:rPr lang="en-US" sz="1800" dirty="0">
+                <a:latin typeface="Lucida Sans Typewriter" panose="020B0509030504030204" pitchFamily="49" charset="0"/>
+              </a:rPr>
+              <a:t>ϵ </a:t>
+            </a:r>
+            <a:r>
+              <a:rPr lang="en-US" sz="1800" dirty="0" err="1" smtClean="0">
+                <a:sym typeface="Wingdings" panose="05000000000000000000" pitchFamily="2" charset="2"/>
+              </a:rPr>
+              <a:t>Adj</a:t>
+            </a:r>
+            <a:r>
+              <a:rPr lang="en-US" sz="1800" dirty="0" smtClean="0">
+                <a:sym typeface="Wingdings" panose="05000000000000000000" pitchFamily="2" charset="2"/>
+              </a:rPr>
+              <a:t> [ u ]</a:t>
+            </a:r>
+          </a:p>
+          <a:p>
+            <a:pPr marL="457200" lvl="1" indent="0">
+              <a:spcBef>
+                <a:spcPts val="1000"/>
+              </a:spcBef>
+              <a:buNone/>
+            </a:pPr>
+            <a:r>
+              <a:rPr lang="en-US" sz="1800" dirty="0" smtClean="0">
+                <a:sym typeface="Wingdings" panose="05000000000000000000" pitchFamily="2" charset="2"/>
+              </a:rPr>
+              <a:t>			Do if d [ v ] &gt; d [ u ] + w ( u, v )</a:t>
+            </a:r>
+          </a:p>
+          <a:p>
+            <a:pPr marL="914400" lvl="2" indent="0">
+              <a:spcBef>
+                <a:spcPts val="1000"/>
+              </a:spcBef>
+              <a:buNone/>
+            </a:pPr>
+            <a:r>
+              <a:rPr lang="en-US" dirty="0" smtClean="0">
+                <a:sym typeface="Wingdings" panose="05000000000000000000" pitchFamily="2" charset="2"/>
+              </a:rPr>
+              <a:t>			Then d [ v ]  d [ u ] + w ( u, v )</a:t>
+            </a:r>
+            <a:endParaRPr lang="en-US" dirty="0"/>
+          </a:p>
+        </p:txBody>
+      </p:sp>
+    </p:spTree>
+    <p:extLst>
+      <p:ext uri="{BB962C8B-B14F-4D97-AF65-F5344CB8AC3E}">
+        <p14:creationId xmlns:p14="http://schemas.microsoft.com/office/powerpoint/2010/main" val="475387968"/>
+      </p:ext>
+    </p:extLst>
+  </p:cSld>
+  <p:clrMapOvr>
+    <a:masterClrMapping/>
+  </p:clrMapOvr>
+</p:sld>
+</file>
+
+<file path=ppt/slides/slide6.xml><?xml version="1.0" encoding="utf-8"?>
+<p:sld xmlns:a="http://schemas.openxmlformats.org/drawingml/2006/main" xmlns:r="http://schemas.openxmlformats.org/officeDocument/2006/relationships" xmlns:p="http://schemas.openxmlformats.org/presentationml/2006/main">
+  <p:cSld>
+    <p:spTree>
+      <p:nvGrpSpPr>
+        <p:cNvPr id="1" name=""/>
+        <p:cNvGrpSpPr/>
+        <p:nvPr/>
+      </p:nvGrpSpPr>
+      <p:grpSpPr>
+        <a:xfrm>
+          <a:off x="0" y="0"/>
+          <a:ext cx="0" cy="0"/>
+          <a:chOff x="0" y="0"/>
+          <a:chExt cx="0" cy="0"/>
+        </a:xfrm>
+      </p:grpSpPr>
+      <p:sp>
+        <p:nvSpPr>
+          <p:cNvPr id="2" name="Title 1"/>
+          <p:cNvSpPr>
+            <a:spLocks noGrp="1"/>
+          </p:cNvSpPr>
+          <p:nvPr>
+            <p:ph type="title"/>
+          </p:nvPr>
+        </p:nvSpPr>
         <p:spPr/>
+        <p:txBody>
+          <a:bodyPr>
+            <a:normAutofit/>
+          </a:bodyPr>
+          <a:lstStyle/>
+          <a:p>
+            <a:pPr algn="ctr"/>
+            <a:r>
+              <a:rPr lang="en-US" sz="7200" b="1" dirty="0" smtClean="0">
+                <a:solidFill>
+                  <a:srgbClr val="92D050"/>
+                </a:solidFill>
+                <a:latin typeface="Times New Roman" panose="02020603050405020304" pitchFamily="18" charset="0"/>
+                <a:cs typeface="Times New Roman" panose="02020603050405020304" pitchFamily="18" charset="0"/>
+              </a:rPr>
+              <a:t>Future Work</a:t>
+            </a:r>
+            <a:endParaRPr lang="en-US" sz="7200" b="1" dirty="0">
+              <a:solidFill>
+                <a:srgbClr val="92D050"/>
+              </a:solidFill>
+              <a:latin typeface="Times New Roman" panose="02020603050405020304" pitchFamily="18" charset="0"/>
+              <a:cs typeface="Times New Roman" panose="02020603050405020304" pitchFamily="18" charset="0"/>
+            </a:endParaRPr>
+          </a:p>
+        </p:txBody>
+      </p:sp>
+      <p:sp>
+        <p:nvSpPr>
+          <p:cNvPr id="3" name="Content Placeholder 2"/>
+          <p:cNvSpPr>
+            <a:spLocks noGrp="1"/>
+          </p:cNvSpPr>
+          <p:nvPr>
+            <p:ph idx="1"/>
+          </p:nvPr>
+        </p:nvSpPr>
+        <p:spPr>
+          <a:xfrm>
+            <a:off x="2827283" y="2336873"/>
+            <a:ext cx="7466899" cy="3599316"/>
+          </a:xfrm>
+        </p:spPr>
         <p:txBody>
           <a:bodyPr/>
           <a:lstStyle/>
           <a:p>
+            <a:pPr marL="0" indent="0">
+              <a:buNone/>
+            </a:pPr>
             <a:endParaRPr lang="en-US" dirty="0"/>
           </a:p>
           <a:p>
             <a:r>
+              <a:rPr lang="en-US" dirty="0" smtClean="0"/>
+              <a:t>Breadth </a:t>
+            </a:r>
+            <a:r>
               <a:rPr lang="en-US" dirty="0"/>
-              <a:t>Breadth First Search</a:t>
-            </a:r>
-          </a:p>
-          <a:p>
-            <a:r>
-              <a:rPr lang="en-US" dirty="0" err="1"/>
-              <a:t>Dijkstra’s</a:t>
-            </a:r>
-            <a:r>
-              <a:rPr lang="en-US" dirty="0"/>
-              <a:t> </a:t>
-            </a:r>
-            <a:r>
-              <a:rPr lang="en-US"/>
-              <a:t>Algorithm </a:t>
-            </a:r>
-            <a:endParaRPr lang="en-US" smtClean="0"/>
-          </a:p>
-          <a:p>
-            <a:r>
-              <a:rPr lang="en-US" smtClean="0"/>
+              <a:t>First Search</a:t>
+            </a:r>
+          </a:p>
+          <a:p>
+            <a:r>
+              <a:rPr lang="en-US" dirty="0" smtClean="0"/>
               <a:t>A</a:t>
             </a:r>
             <a:r>
@@ -8699,13 +9222,12 @@
           <a:p>
             <a:r>
               <a:rPr lang="en-US" dirty="0"/>
-              <a:t>Bayesian Inference</a:t>
-            </a:r>
-          </a:p>
-          <a:p>
-            <a:pPr marL="0" indent="0">
-              <a:buNone/>
-            </a:pPr>
+              <a:t>Bayesian </a:t>
+            </a:r>
+            <a:r>
+              <a:rPr lang="en-US" dirty="0" smtClean="0"/>
+              <a:t>Inference</a:t>
+            </a:r>
             <a:endParaRPr lang="en-US" dirty="0"/>
           </a:p>
         </p:txBody>
@@ -8723,7 +9245,7 @@
 </p:sld>
 </file>
 
-<file path=ppt/slides/slide6.xml><?xml version="1.0" encoding="utf-8"?>
+<file path=ppt/slides/slide7.xml><?xml version="1.0" encoding="utf-8"?>
 <p:sld xmlns:a="http://schemas.openxmlformats.org/drawingml/2006/main" xmlns:r="http://schemas.openxmlformats.org/officeDocument/2006/relationships" xmlns:p="http://schemas.openxmlformats.org/presentationml/2006/main">
   <p:cSld>
     <p:spTree>

--- a/AI_Cheat_Sheet.pptx
+++ b/AI_Cheat_Sheet.pptx
@@ -6,12 +6,15 @@
   </p:sldMasterIdLst>
   <p:sldIdLst>
     <p:sldId id="256" r:id="rId2"/>
-    <p:sldId id="257" r:id="rId3"/>
-    <p:sldId id="258" r:id="rId4"/>
-    <p:sldId id="259" r:id="rId5"/>
-    <p:sldId id="262" r:id="rId6"/>
-    <p:sldId id="261" r:id="rId7"/>
-    <p:sldId id="260" r:id="rId8"/>
+    <p:sldId id="265" r:id="rId3"/>
+    <p:sldId id="257" r:id="rId4"/>
+    <p:sldId id="258" r:id="rId5"/>
+    <p:sldId id="259" r:id="rId6"/>
+    <p:sldId id="262" r:id="rId7"/>
+    <p:sldId id="263" r:id="rId8"/>
+    <p:sldId id="261" r:id="rId9"/>
+    <p:sldId id="264" r:id="rId10"/>
+    <p:sldId id="260" r:id="rId11"/>
   </p:sldIdLst>
   <p:sldSz cx="12192000" cy="6858000"/>
   <p:notesSz cx="6858000" cy="9144000"/>
@@ -7764,6 +7767,129 @@
 </p:sld>
 </file>
 
+<file path=ppt/slides/slide10.xml><?xml version="1.0" encoding="utf-8"?>
+<p:sld xmlns:a="http://schemas.openxmlformats.org/drawingml/2006/main" xmlns:r="http://schemas.openxmlformats.org/officeDocument/2006/relationships" xmlns:p="http://schemas.openxmlformats.org/presentationml/2006/main">
+  <p:cSld>
+    <p:spTree>
+      <p:nvGrpSpPr>
+        <p:cNvPr id="1" name=""/>
+        <p:cNvGrpSpPr/>
+        <p:nvPr/>
+      </p:nvGrpSpPr>
+      <p:grpSpPr>
+        <a:xfrm>
+          <a:off x="0" y="0"/>
+          <a:ext cx="0" cy="0"/>
+          <a:chOff x="0" y="0"/>
+          <a:chExt cx="0" cy="0"/>
+        </a:xfrm>
+      </p:grpSpPr>
+      <p:sp>
+        <p:nvSpPr>
+          <p:cNvPr id="2" name="Title 1"/>
+          <p:cNvSpPr>
+            <a:spLocks noGrp="1"/>
+          </p:cNvSpPr>
+          <p:nvPr>
+            <p:ph type="title"/>
+          </p:nvPr>
+        </p:nvSpPr>
+        <p:spPr/>
+        <p:txBody>
+          <a:bodyPr>
+            <a:normAutofit/>
+          </a:bodyPr>
+          <a:lstStyle/>
+          <a:p>
+            <a:pPr algn="ctr"/>
+            <a:r>
+              <a:rPr lang="en-US" sz="7200" b="1" dirty="0" smtClean="0">
+                <a:solidFill>
+                  <a:srgbClr val="92D050"/>
+                </a:solidFill>
+                <a:latin typeface="Times New Roman" panose="02020603050405020304" pitchFamily="18" charset="0"/>
+                <a:cs typeface="Times New Roman" panose="02020603050405020304" pitchFamily="18" charset="0"/>
+              </a:rPr>
+              <a:t>Presented by</a:t>
+            </a:r>
+            <a:endParaRPr lang="en-US" sz="7200" b="1" dirty="0">
+              <a:solidFill>
+                <a:srgbClr val="92D050"/>
+              </a:solidFill>
+              <a:latin typeface="Times New Roman" panose="02020603050405020304" pitchFamily="18" charset="0"/>
+              <a:cs typeface="Times New Roman" panose="02020603050405020304" pitchFamily="18" charset="0"/>
+            </a:endParaRPr>
+          </a:p>
+        </p:txBody>
+      </p:sp>
+      <p:sp>
+        <p:nvSpPr>
+          <p:cNvPr id="3" name="Content Placeholder 2"/>
+          <p:cNvSpPr>
+            <a:spLocks noGrp="1"/>
+          </p:cNvSpPr>
+          <p:nvPr>
+            <p:ph idx="1"/>
+          </p:nvPr>
+        </p:nvSpPr>
+        <p:spPr/>
+        <p:txBody>
+          <a:bodyPr>
+            <a:normAutofit/>
+          </a:bodyPr>
+          <a:lstStyle/>
+          <a:p>
+            <a:pPr marL="0" indent="0" algn="ctr">
+              <a:buNone/>
+            </a:pPr>
+            <a:r>
+              <a:rPr lang="en-US" sz="4400" i="1" dirty="0" smtClean="0"/>
+              <a:t>John Schutkeker</a:t>
+            </a:r>
+          </a:p>
+          <a:p>
+            <a:pPr marL="0" indent="0" algn="ctr">
+              <a:buNone/>
+            </a:pPr>
+            <a:r>
+              <a:rPr lang="en-US" sz="4400" i="1" dirty="0" smtClean="0"/>
+              <a:t>NLM Physics Corp.</a:t>
+            </a:r>
+          </a:p>
+          <a:p>
+            <a:pPr marL="0" indent="0" algn="ctr">
+              <a:buNone/>
+            </a:pPr>
+            <a:r>
+              <a:rPr lang="en-US" sz="4400" i="1" dirty="0" smtClean="0"/>
+              <a:t>Royal Oak, MI, 48073</a:t>
+            </a:r>
+          </a:p>
+          <a:p>
+            <a:pPr marL="0" indent="0" algn="ctr">
+              <a:buNone/>
+            </a:pPr>
+            <a:fld id="{6199AAC8-460C-4911-9FFB-701238C59D0B}" type="datetime4">
+              <a:rPr lang="en-US" sz="4400" i="1"/>
+              <a:t>April 4, 2021</a:t>
+            </a:fld>
+            <a:endParaRPr lang="en-US" sz="4400" i="1" dirty="0"/>
+          </a:p>
+        </p:txBody>
+      </p:sp>
+    </p:spTree>
+    <p:extLst>
+      <p:ext uri="{BB962C8B-B14F-4D97-AF65-F5344CB8AC3E}">
+        <p14:creationId xmlns:p14="http://schemas.microsoft.com/office/powerpoint/2010/main" val="1989626538"/>
+      </p:ext>
+    </p:extLst>
+  </p:cSld>
+  <p:clrMapOvr>
+    <a:masterClrMapping/>
+  </p:clrMapOvr>
+</p:sld>
+</file>
+
 <file path=ppt/slides/slide2.xml><?xml version="1.0" encoding="utf-8"?>
 <p:sld xmlns:a="http://schemas.openxmlformats.org/drawingml/2006/main" xmlns:r="http://schemas.openxmlformats.org/officeDocument/2006/relationships" xmlns:p="http://schemas.openxmlformats.org/presentationml/2006/main">
   <p:cSld>
@@ -7793,6 +7919,384 @@
         </p:nvSpPr>
         <p:spPr/>
         <p:txBody>
+          <a:bodyPr/>
+          <a:lstStyle/>
+          <a:p>
+            <a:pPr algn="ctr"/>
+            <a:r>
+              <a:rPr lang="en-US" sz="4800" b="1" dirty="0" smtClean="0">
+                <a:solidFill>
+                  <a:srgbClr val="92D050"/>
+                </a:solidFill>
+                <a:latin typeface="Times New Roman" panose="02020603050405020304" pitchFamily="18" charset="0"/>
+                <a:cs typeface="Times New Roman" panose="02020603050405020304" pitchFamily="18" charset="0"/>
+              </a:rPr>
+              <a:t>Table of Contents</a:t>
+            </a:r>
+            <a:endParaRPr lang="en-US" sz="4800" b="1" dirty="0">
+              <a:solidFill>
+                <a:srgbClr val="92D050"/>
+              </a:solidFill>
+              <a:latin typeface="Times New Roman" panose="02020603050405020304" pitchFamily="18" charset="0"/>
+              <a:cs typeface="Times New Roman" panose="02020603050405020304" pitchFamily="18" charset="0"/>
+            </a:endParaRPr>
+          </a:p>
+        </p:txBody>
+      </p:sp>
+      <p:sp>
+        <p:nvSpPr>
+          <p:cNvPr id="3" name="Content Placeholder 2"/>
+          <p:cNvSpPr>
+            <a:spLocks noGrp="1"/>
+          </p:cNvSpPr>
+          <p:nvPr>
+            <p:ph idx="1"/>
+          </p:nvPr>
+        </p:nvSpPr>
+        <p:spPr>
+          <a:xfrm>
+            <a:off x="680322" y="2336873"/>
+            <a:ext cx="3607900" cy="3599316"/>
+          </a:xfrm>
+        </p:spPr>
+        <p:txBody>
+          <a:bodyPr>
+            <a:normAutofit lnSpcReduction="10000"/>
+          </a:bodyPr>
+          <a:lstStyle/>
+          <a:p>
+            <a:r>
+              <a:rPr lang="en-US" dirty="0" smtClean="0"/>
+              <a:t>Gradient Descent</a:t>
+            </a:r>
+          </a:p>
+          <a:p>
+            <a:r>
+              <a:rPr lang="en-US" dirty="0" smtClean="0"/>
+              <a:t>Momentum</a:t>
+            </a:r>
+          </a:p>
+          <a:p>
+            <a:r>
+              <a:rPr lang="en-US" dirty="0" smtClean="0"/>
+              <a:t>Prim’s Algorithm</a:t>
+            </a:r>
+          </a:p>
+          <a:p>
+            <a:r>
+              <a:rPr lang="en-US" dirty="0" err="1" smtClean="0"/>
+              <a:t>Dijkstra’s</a:t>
+            </a:r>
+            <a:r>
+              <a:rPr lang="en-US" dirty="0" smtClean="0"/>
+              <a:t> Algorithm</a:t>
+            </a:r>
+          </a:p>
+          <a:p>
+            <a:r>
+              <a:rPr lang="en-US" dirty="0" smtClean="0"/>
+              <a:t>Bellman-Ford</a:t>
+            </a:r>
+          </a:p>
+          <a:p>
+            <a:r>
+              <a:rPr lang="en-US" dirty="0" smtClean="0"/>
+              <a:t>A*</a:t>
+            </a:r>
+          </a:p>
+          <a:p>
+            <a:r>
+              <a:rPr lang="en-US" dirty="0" smtClean="0"/>
+              <a:t>Bayesian Inference</a:t>
+            </a:r>
+          </a:p>
+          <a:p>
+            <a:r>
+              <a:rPr lang="en-US" dirty="0" smtClean="0"/>
+              <a:t>R*</a:t>
+            </a:r>
+            <a:endParaRPr lang="en-US" dirty="0"/>
+          </a:p>
+        </p:txBody>
+      </p:sp>
+      <p:sp>
+        <p:nvSpPr>
+          <p:cNvPr id="4" name="Content Placeholder 2"/>
+          <p:cNvSpPr txBox="1">
+            <a:spLocks/>
+          </p:cNvSpPr>
+          <p:nvPr/>
+        </p:nvSpPr>
+        <p:spPr>
+          <a:xfrm>
+            <a:off x="5804101" y="2268563"/>
+            <a:ext cx="3928478" cy="3599316"/>
+          </a:xfrm>
+          <a:prstGeom prst="rect">
+            <a:avLst/>
+          </a:prstGeom>
+        </p:spPr>
+        <p:txBody>
+          <a:bodyPr vert="horz" lIns="91440" tIns="45720" rIns="91440" bIns="45720" rtlCol="0">
+            <a:normAutofit lnSpcReduction="10000"/>
+          </a:bodyPr>
+          <a:lstStyle>
+            <a:lvl1pPr marL="228600" indent="-228600" algn="l" defTabSz="914400" rtl="0" eaLnBrk="1" latinLnBrk="0" hangingPunct="1">
+              <a:lnSpc>
+                <a:spcPct val="90000"/>
+              </a:lnSpc>
+              <a:spcBef>
+                <a:spcPts val="1000"/>
+              </a:spcBef>
+              <a:buFont typeface="Arial" panose="020B0604020202020204" pitchFamily="34" charset="0"/>
+              <a:buChar char="•"/>
+              <a:defRPr sz="2400" kern="1200">
+                <a:solidFill>
+                  <a:schemeClr val="tx1"/>
+                </a:solidFill>
+                <a:latin typeface="+mn-lt"/>
+                <a:ea typeface="+mn-ea"/>
+                <a:cs typeface="+mn-cs"/>
+              </a:defRPr>
+            </a:lvl1pPr>
+            <a:lvl2pPr marL="685800" indent="-228600" algn="l" defTabSz="914400" rtl="0" eaLnBrk="1" latinLnBrk="0" hangingPunct="1">
+              <a:lnSpc>
+                <a:spcPct val="90000"/>
+              </a:lnSpc>
+              <a:spcBef>
+                <a:spcPts val="500"/>
+              </a:spcBef>
+              <a:buFont typeface="Arial" panose="020B0604020202020204" pitchFamily="34" charset="0"/>
+              <a:buChar char="•"/>
+              <a:defRPr sz="2000" kern="1200">
+                <a:solidFill>
+                  <a:schemeClr val="tx1"/>
+                </a:solidFill>
+                <a:latin typeface="+mn-lt"/>
+                <a:ea typeface="+mn-ea"/>
+                <a:cs typeface="+mn-cs"/>
+              </a:defRPr>
+            </a:lvl2pPr>
+            <a:lvl3pPr marL="1143000" indent="-228600" algn="l" defTabSz="914400" rtl="0" eaLnBrk="1" latinLnBrk="0" hangingPunct="1">
+              <a:lnSpc>
+                <a:spcPct val="90000"/>
+              </a:lnSpc>
+              <a:spcBef>
+                <a:spcPts val="500"/>
+              </a:spcBef>
+              <a:buFont typeface="Arial" panose="020B0604020202020204" pitchFamily="34" charset="0"/>
+              <a:buChar char="•"/>
+              <a:defRPr sz="1800" kern="1200">
+                <a:solidFill>
+                  <a:schemeClr val="tx1"/>
+                </a:solidFill>
+                <a:latin typeface="+mn-lt"/>
+                <a:ea typeface="+mn-ea"/>
+                <a:cs typeface="+mn-cs"/>
+              </a:defRPr>
+            </a:lvl3pPr>
+            <a:lvl4pPr marL="1600200" indent="-228600" algn="l" defTabSz="914400" rtl="0" eaLnBrk="1" latinLnBrk="0" hangingPunct="1">
+              <a:lnSpc>
+                <a:spcPct val="90000"/>
+              </a:lnSpc>
+              <a:spcBef>
+                <a:spcPts val="500"/>
+              </a:spcBef>
+              <a:buFont typeface="Arial" panose="020B0604020202020204" pitchFamily="34" charset="0"/>
+              <a:buChar char="•"/>
+              <a:defRPr sz="1600" kern="1200">
+                <a:solidFill>
+                  <a:schemeClr val="tx1"/>
+                </a:solidFill>
+                <a:latin typeface="+mn-lt"/>
+                <a:ea typeface="+mn-ea"/>
+                <a:cs typeface="+mn-cs"/>
+              </a:defRPr>
+            </a:lvl4pPr>
+            <a:lvl5pPr marL="2057400" indent="-228600" algn="l" defTabSz="914400" rtl="0" eaLnBrk="1" latinLnBrk="0" hangingPunct="1">
+              <a:lnSpc>
+                <a:spcPct val="90000"/>
+              </a:lnSpc>
+              <a:spcBef>
+                <a:spcPts val="500"/>
+              </a:spcBef>
+              <a:buFont typeface="Arial" panose="020B0604020202020204" pitchFamily="34" charset="0"/>
+              <a:buChar char="•"/>
+              <a:defRPr sz="1600" kern="1200">
+                <a:solidFill>
+                  <a:schemeClr val="tx1"/>
+                </a:solidFill>
+                <a:latin typeface="+mn-lt"/>
+                <a:ea typeface="+mn-ea"/>
+                <a:cs typeface="+mn-cs"/>
+              </a:defRPr>
+            </a:lvl5pPr>
+            <a:lvl6pPr marL="2514600" indent="-228600" algn="l" defTabSz="914400" rtl="0" eaLnBrk="1" latinLnBrk="0" hangingPunct="1">
+              <a:lnSpc>
+                <a:spcPct val="90000"/>
+              </a:lnSpc>
+              <a:spcBef>
+                <a:spcPts val="500"/>
+              </a:spcBef>
+              <a:buFont typeface="Arial" panose="020B0604020202020204" pitchFamily="34" charset="0"/>
+              <a:buChar char="•"/>
+              <a:defRPr sz="1400" kern="1200">
+                <a:solidFill>
+                  <a:schemeClr val="tx1"/>
+                </a:solidFill>
+                <a:latin typeface="+mn-lt"/>
+                <a:ea typeface="+mn-ea"/>
+                <a:cs typeface="+mn-cs"/>
+              </a:defRPr>
+            </a:lvl6pPr>
+            <a:lvl7pPr marL="2971800" indent="-228600" algn="l" defTabSz="914400" rtl="0" eaLnBrk="1" latinLnBrk="0" hangingPunct="1">
+              <a:lnSpc>
+                <a:spcPct val="90000"/>
+              </a:lnSpc>
+              <a:spcBef>
+                <a:spcPts val="500"/>
+              </a:spcBef>
+              <a:buFont typeface="Arial" panose="020B0604020202020204" pitchFamily="34" charset="0"/>
+              <a:buChar char="•"/>
+              <a:defRPr sz="1400" kern="1200">
+                <a:solidFill>
+                  <a:schemeClr val="tx1"/>
+                </a:solidFill>
+                <a:latin typeface="+mn-lt"/>
+                <a:ea typeface="+mn-ea"/>
+                <a:cs typeface="+mn-cs"/>
+              </a:defRPr>
+            </a:lvl7pPr>
+            <a:lvl8pPr marL="3429000" indent="-228600" algn="l" defTabSz="914400" rtl="0" eaLnBrk="1" latinLnBrk="0" hangingPunct="1">
+              <a:lnSpc>
+                <a:spcPct val="90000"/>
+              </a:lnSpc>
+              <a:spcBef>
+                <a:spcPts val="500"/>
+              </a:spcBef>
+              <a:buFont typeface="Arial" panose="020B0604020202020204" pitchFamily="34" charset="0"/>
+              <a:buChar char="•"/>
+              <a:defRPr sz="1400" kern="1200">
+                <a:solidFill>
+                  <a:schemeClr val="tx1"/>
+                </a:solidFill>
+                <a:latin typeface="+mn-lt"/>
+                <a:ea typeface="+mn-ea"/>
+                <a:cs typeface="+mn-cs"/>
+              </a:defRPr>
+            </a:lvl8pPr>
+            <a:lvl9pPr marL="3886200" indent="-228600" algn="l" defTabSz="914400" rtl="0" eaLnBrk="1" latinLnBrk="0" hangingPunct="1">
+              <a:lnSpc>
+                <a:spcPct val="90000"/>
+              </a:lnSpc>
+              <a:spcBef>
+                <a:spcPts val="500"/>
+              </a:spcBef>
+              <a:buFont typeface="Arial" panose="020B0604020202020204" pitchFamily="34" charset="0"/>
+              <a:buChar char="•"/>
+              <a:defRPr sz="1400" kern="1200">
+                <a:solidFill>
+                  <a:schemeClr val="tx1"/>
+                </a:solidFill>
+                <a:latin typeface="+mn-lt"/>
+                <a:ea typeface="+mn-ea"/>
+                <a:cs typeface="+mn-cs"/>
+              </a:defRPr>
+            </a:lvl9pPr>
+          </a:lstStyle>
+          <a:p>
+            <a:r>
+              <a:rPr lang="en-US" dirty="0" smtClean="0"/>
+              <a:t>Kalman Filter</a:t>
+            </a:r>
+          </a:p>
+          <a:p>
+            <a:r>
+              <a:rPr lang="en-US" dirty="0" smtClean="0"/>
+              <a:t>Variational Method</a:t>
+            </a:r>
+          </a:p>
+          <a:p>
+            <a:r>
+              <a:rPr lang="en-US" dirty="0"/>
+              <a:t>Simplex Algorithm</a:t>
+            </a:r>
+          </a:p>
+          <a:p>
+            <a:r>
+              <a:rPr lang="en-US" dirty="0"/>
+              <a:t>Map-Reduce</a:t>
+            </a:r>
+          </a:p>
+          <a:p>
+            <a:r>
+              <a:rPr lang="en-US" dirty="0"/>
+              <a:t>Hadoop</a:t>
+            </a:r>
+          </a:p>
+          <a:p>
+            <a:r>
+              <a:rPr lang="en-US" dirty="0" smtClean="0"/>
+              <a:t>Dynamic Programming</a:t>
+            </a:r>
+          </a:p>
+          <a:p>
+            <a:r>
+              <a:rPr lang="en-US" dirty="0" smtClean="0"/>
+              <a:t>Nonlinear Programming</a:t>
+            </a:r>
+          </a:p>
+          <a:p>
+            <a:r>
+              <a:rPr lang="en-US" smtClean="0"/>
+              <a:t>AVL Tree</a:t>
+            </a:r>
+            <a:endParaRPr lang="en-US" dirty="0" smtClean="0"/>
+          </a:p>
+        </p:txBody>
+      </p:sp>
+    </p:spTree>
+    <p:extLst>
+      <p:ext uri="{BB962C8B-B14F-4D97-AF65-F5344CB8AC3E}">
+        <p14:creationId xmlns:p14="http://schemas.microsoft.com/office/powerpoint/2010/main" val="85721825"/>
+      </p:ext>
+    </p:extLst>
+  </p:cSld>
+  <p:clrMapOvr>
+    <a:masterClrMapping/>
+  </p:clrMapOvr>
+</p:sld>
+</file>
+
+<file path=ppt/slides/slide3.xml><?xml version="1.0" encoding="utf-8"?>
+<p:sld xmlns:a="http://schemas.openxmlformats.org/drawingml/2006/main" xmlns:r="http://schemas.openxmlformats.org/officeDocument/2006/relationships" xmlns:p="http://schemas.openxmlformats.org/presentationml/2006/main">
+  <p:cSld>
+    <p:spTree>
+      <p:nvGrpSpPr>
+        <p:cNvPr id="1" name=""/>
+        <p:cNvGrpSpPr/>
+        <p:nvPr/>
+      </p:nvGrpSpPr>
+      <p:grpSpPr>
+        <a:xfrm>
+          <a:off x="0" y="0"/>
+          <a:ext cx="0" cy="0"/>
+          <a:chOff x="0" y="0"/>
+          <a:chExt cx="0" cy="0"/>
+        </a:xfrm>
+      </p:grpSpPr>
+      <p:sp>
+        <p:nvSpPr>
+          <p:cNvPr id="2" name="Title 1"/>
+          <p:cNvSpPr>
+            <a:spLocks noGrp="1"/>
+          </p:cNvSpPr>
+          <p:nvPr>
+            <p:ph type="title"/>
+          </p:nvPr>
+        </p:nvSpPr>
+        <p:spPr/>
+        <p:txBody>
           <a:bodyPr>
             <a:normAutofit fontScale="90000"/>
           </a:bodyPr>
@@ -8042,7 +8546,7 @@
 </p:sld>
 </file>
 
-<file path=ppt/slides/slide3.xml><?xml version="1.0" encoding="utf-8"?>
+<file path=ppt/slides/slide4.xml><?xml version="1.0" encoding="utf-8"?>
 <p:sld xmlns:a="http://schemas.openxmlformats.org/drawingml/2006/main" xmlns:r="http://schemas.openxmlformats.org/officeDocument/2006/relationships" xmlns:p="http://schemas.openxmlformats.org/presentationml/2006/main">
   <p:cSld>
     <p:spTree>
@@ -8342,400 +8846,6 @@
 </p:sld>
 </file>
 
-<file path=ppt/slides/slide4.xml><?xml version="1.0" encoding="utf-8"?>
-<p:sld xmlns:a="http://schemas.openxmlformats.org/drawingml/2006/main" xmlns:r="http://schemas.openxmlformats.org/officeDocument/2006/relationships" xmlns:p="http://schemas.openxmlformats.org/presentationml/2006/main">
-  <p:cSld>
-    <p:spTree>
-      <p:nvGrpSpPr>
-        <p:cNvPr id="1" name=""/>
-        <p:cNvGrpSpPr/>
-        <p:nvPr/>
-      </p:nvGrpSpPr>
-      <p:grpSpPr>
-        <a:xfrm>
-          <a:off x="0" y="0"/>
-          <a:ext cx="0" cy="0"/>
-          <a:chOff x="0" y="0"/>
-          <a:chExt cx="0" cy="0"/>
-        </a:xfrm>
-      </p:grpSpPr>
-      <p:sp>
-        <p:nvSpPr>
-          <p:cNvPr id="2" name="Title 1"/>
-          <p:cNvSpPr>
-            <a:spLocks noGrp="1"/>
-          </p:cNvSpPr>
-          <p:nvPr>
-            <p:ph type="title"/>
-          </p:nvPr>
-        </p:nvSpPr>
-        <p:spPr/>
-        <p:txBody>
-          <a:bodyPr>
-            <a:normAutofit/>
-          </a:bodyPr>
-          <a:lstStyle/>
-          <a:p>
-            <a:pPr algn="ctr"/>
-            <a:r>
-              <a:rPr lang="en-US" b="1" dirty="0">
-                <a:solidFill>
-                  <a:srgbClr val="92D050"/>
-                </a:solidFill>
-                <a:latin typeface="Times New Roman" panose="02020603050405020304" pitchFamily="18" charset="0"/>
-                <a:cs typeface="Times New Roman" panose="02020603050405020304" pitchFamily="18" charset="0"/>
-              </a:rPr>
-              <a:t>Greedy Algorithm (Prim’s Algorithm)</a:t>
-            </a:r>
-            <a:br>
-              <a:rPr lang="en-US" b="1" dirty="0">
-                <a:solidFill>
-                  <a:srgbClr val="92D050"/>
-                </a:solidFill>
-                <a:latin typeface="Times New Roman" panose="02020603050405020304" pitchFamily="18" charset="0"/>
-                <a:cs typeface="Times New Roman" panose="02020603050405020304" pitchFamily="18" charset="0"/>
-              </a:rPr>
-            </a:br>
-            <a:r>
-              <a:rPr lang="en-US" sz="2000" b="1" dirty="0" smtClean="0">
-                <a:solidFill>
-                  <a:srgbClr val="FFC000"/>
-                </a:solidFill>
-                <a:latin typeface="Times New Roman" panose="02020603050405020304" pitchFamily="18" charset="0"/>
-                <a:cs typeface="Times New Roman" panose="02020603050405020304" pitchFamily="18" charset="0"/>
-              </a:rPr>
-              <a:t>(</a:t>
-            </a:r>
-            <a:r>
-              <a:rPr lang="en-US" sz="2000" b="1" dirty="0" smtClean="0">
-                <a:solidFill>
-                  <a:srgbClr val="92D050"/>
-                </a:solidFill>
-                <a:latin typeface="Times New Roman" panose="02020603050405020304" pitchFamily="18" charset="0"/>
-                <a:cs typeface="Times New Roman" panose="02020603050405020304" pitchFamily="18" charset="0"/>
-                <a:hlinkClick r:id="rId2"/>
-              </a:rPr>
-              <a:t>https</a:t>
-            </a:r>
-            <a:r>
-              <a:rPr lang="en-US" sz="2000" b="1" dirty="0">
-                <a:solidFill>
-                  <a:srgbClr val="92D050"/>
-                </a:solidFill>
-                <a:latin typeface="Times New Roman" panose="02020603050405020304" pitchFamily="18" charset="0"/>
-                <a:cs typeface="Times New Roman" panose="02020603050405020304" pitchFamily="18" charset="0"/>
-                <a:hlinkClick r:id="rId2"/>
-              </a:rPr>
-              <a:t>://</a:t>
-            </a:r>
-            <a:r>
-              <a:rPr lang="en-US" sz="2000" b="1" dirty="0" smtClean="0">
-                <a:solidFill>
-                  <a:srgbClr val="92D050"/>
-                </a:solidFill>
-                <a:latin typeface="Times New Roman" panose="02020603050405020304" pitchFamily="18" charset="0"/>
-                <a:cs typeface="Times New Roman" panose="02020603050405020304" pitchFamily="18" charset="0"/>
-                <a:hlinkClick r:id="rId2"/>
-              </a:rPr>
-              <a:t>www.youtube.com/watch?v=FPEMBWg_WlY</a:t>
-            </a:r>
-            <a:r>
-              <a:rPr lang="en-US" sz="2000" b="1" dirty="0" smtClean="0">
-                <a:solidFill>
-                  <a:srgbClr val="FFC000"/>
-                </a:solidFill>
-                <a:latin typeface="Times New Roman" panose="02020603050405020304" pitchFamily="18" charset="0"/>
-                <a:cs typeface="Times New Roman" panose="02020603050405020304" pitchFamily="18" charset="0"/>
-              </a:rPr>
-              <a:t>)</a:t>
-            </a:r>
-            <a:r>
-              <a:rPr lang="en-US" sz="2000" b="1" dirty="0" smtClean="0">
-                <a:solidFill>
-                  <a:srgbClr val="92D050"/>
-                </a:solidFill>
-                <a:latin typeface="Times New Roman" panose="02020603050405020304" pitchFamily="18" charset="0"/>
-                <a:cs typeface="Times New Roman" panose="02020603050405020304" pitchFamily="18" charset="0"/>
-              </a:rPr>
-              <a:t> </a:t>
-            </a:r>
-            <a:r>
-              <a:rPr lang="en-US" sz="2000" b="1" dirty="0" smtClean="0">
-                <a:solidFill>
-                  <a:srgbClr val="FFC000"/>
-                </a:solidFill>
-                <a:latin typeface="Times New Roman" panose="02020603050405020304" pitchFamily="18" charset="0"/>
-                <a:cs typeface="Times New Roman" panose="02020603050405020304" pitchFamily="18" charset="0"/>
-              </a:rPr>
-              <a:t>MIT 6.046J</a:t>
-            </a:r>
-            <a:endParaRPr lang="en-US" b="1" dirty="0">
-              <a:solidFill>
-                <a:srgbClr val="FFC000"/>
-              </a:solidFill>
-              <a:latin typeface="Times New Roman" panose="02020603050405020304" pitchFamily="18" charset="0"/>
-              <a:cs typeface="Times New Roman" panose="02020603050405020304" pitchFamily="18" charset="0"/>
-            </a:endParaRPr>
-          </a:p>
-        </p:txBody>
-      </p:sp>
-      <p:sp>
-        <p:nvSpPr>
-          <p:cNvPr id="3" name="Content Placeholder 2"/>
-          <p:cNvSpPr>
-            <a:spLocks noGrp="1"/>
-          </p:cNvSpPr>
-          <p:nvPr>
-            <p:ph idx="1"/>
-          </p:nvPr>
-        </p:nvSpPr>
-        <p:spPr/>
-        <p:txBody>
-          <a:bodyPr>
-            <a:normAutofit fontScale="85000" lnSpcReduction="20000"/>
-          </a:bodyPr>
-          <a:lstStyle/>
-          <a:p>
-            <a:pPr marL="0" indent="0">
-              <a:buNone/>
-            </a:pPr>
-            <a:r>
-              <a:rPr lang="en-US" dirty="0" smtClean="0">
-                <a:latin typeface="Lucida Sans Typewriter" panose="020B0509030504030204" pitchFamily="49" charset="0"/>
-              </a:rPr>
-              <a:t>Q </a:t>
-            </a:r>
-            <a:r>
-              <a:rPr lang="en-US" dirty="0">
-                <a:latin typeface="Lucida Sans Typewriter" panose="020B0509030504030204" pitchFamily="49" charset="0"/>
-                <a:sym typeface="Wingdings" panose="05000000000000000000" pitchFamily="2" charset="2"/>
-              </a:rPr>
-              <a:t></a:t>
-            </a:r>
-            <a:r>
-              <a:rPr lang="en-US" dirty="0">
-                <a:latin typeface="Lucida Sans Typewriter" panose="020B0509030504030204" pitchFamily="49" charset="0"/>
-              </a:rPr>
-              <a:t> V</a:t>
-            </a:r>
-          </a:p>
-          <a:p>
-            <a:pPr marL="0" indent="0">
-              <a:buNone/>
-            </a:pPr>
-            <a:r>
-              <a:rPr lang="en-US" dirty="0">
-                <a:latin typeface="Lucida Sans Typewriter" panose="020B0509030504030204" pitchFamily="49" charset="0"/>
-              </a:rPr>
-              <a:t>key [ v ] </a:t>
-            </a:r>
-            <a:r>
-              <a:rPr lang="en-US" dirty="0">
-                <a:latin typeface="Lucida Sans Typewriter" panose="020B0509030504030204" pitchFamily="49" charset="0"/>
-                <a:sym typeface="Wingdings" panose="05000000000000000000" pitchFamily="2" charset="2"/>
-              </a:rPr>
-              <a:t></a:t>
-            </a:r>
-            <a:r>
-              <a:rPr lang="en-US" dirty="0">
-                <a:latin typeface="Lucida Sans Typewriter" panose="020B0509030504030204" pitchFamily="49" charset="0"/>
-              </a:rPr>
-              <a:t> ∞, ꓯ v ϵ V</a:t>
-            </a:r>
-          </a:p>
-          <a:p>
-            <a:pPr marL="0" indent="0">
-              <a:buNone/>
-            </a:pPr>
-            <a:r>
-              <a:rPr lang="en-US" dirty="0">
-                <a:latin typeface="Lucida Sans Typewriter" panose="020B0509030504030204" pitchFamily="49" charset="0"/>
-              </a:rPr>
-              <a:t>key [ s ] = 0 for arbitrary s ϵ v</a:t>
-            </a:r>
-          </a:p>
-          <a:p>
-            <a:pPr marL="0" indent="0">
-              <a:buNone/>
-            </a:pPr>
-            <a:r>
-              <a:rPr lang="en-US" dirty="0">
-                <a:latin typeface="Lucida Sans Typewriter" panose="020B0509030504030204" pitchFamily="49" charset="0"/>
-              </a:rPr>
-              <a:t>While Q </a:t>
-            </a:r>
-            <a:r>
-              <a:rPr lang="en-US" dirty="0" smtClean="0">
-                <a:latin typeface="Lucida Sans Typewriter" panose="020B0509030504030204" pitchFamily="49" charset="0"/>
-              </a:rPr>
-              <a:t>≠ Ø</a:t>
-            </a:r>
-            <a:endParaRPr lang="en-US" dirty="0">
-              <a:latin typeface="Lucida Sans Typewriter" panose="020B0509030504030204" pitchFamily="49" charset="0"/>
-            </a:endParaRPr>
-          </a:p>
-          <a:p>
-            <a:pPr marL="0" indent="0">
-              <a:buNone/>
-            </a:pPr>
-            <a:r>
-              <a:rPr lang="en-US" dirty="0">
-                <a:latin typeface="Lucida Sans Typewriter" panose="020B0509030504030204" pitchFamily="49" charset="0"/>
-              </a:rPr>
-              <a:t>	Do u </a:t>
-            </a:r>
-            <a:r>
-              <a:rPr lang="en-US" dirty="0">
-                <a:latin typeface="Lucida Sans Typewriter" panose="020B0509030504030204" pitchFamily="49" charset="0"/>
-                <a:sym typeface="Wingdings" panose="05000000000000000000" pitchFamily="2" charset="2"/>
-              </a:rPr>
-              <a:t></a:t>
-            </a:r>
-            <a:r>
-              <a:rPr lang="en-US" dirty="0">
-                <a:latin typeface="Lucida Sans Typewriter" panose="020B0509030504030204" pitchFamily="49" charset="0"/>
-              </a:rPr>
-              <a:t> </a:t>
-            </a:r>
-            <a:r>
-              <a:rPr lang="en-US" dirty="0" err="1">
-                <a:latin typeface="Lucida Sans Typewriter" panose="020B0509030504030204" pitchFamily="49" charset="0"/>
-              </a:rPr>
-              <a:t>Extract_min</a:t>
-            </a:r>
-            <a:r>
-              <a:rPr lang="en-US" dirty="0">
-                <a:latin typeface="Lucida Sans Typewriter" panose="020B0509030504030204" pitchFamily="49" charset="0"/>
-              </a:rPr>
-              <a:t> ( Q )</a:t>
-            </a:r>
-          </a:p>
-          <a:p>
-            <a:pPr marL="0" indent="0">
-              <a:buNone/>
-            </a:pPr>
-            <a:r>
-              <a:rPr lang="en-US" dirty="0">
-                <a:latin typeface="Lucida Sans Typewriter" panose="020B0509030504030204" pitchFamily="49" charset="0"/>
-              </a:rPr>
-              <a:t>		For each v ϵ </a:t>
-            </a:r>
-            <a:r>
-              <a:rPr lang="en-US" dirty="0" err="1">
-                <a:latin typeface="Lucida Sans Typewriter" panose="020B0509030504030204" pitchFamily="49" charset="0"/>
-              </a:rPr>
-              <a:t>Adj</a:t>
-            </a:r>
-            <a:r>
-              <a:rPr lang="en-US" dirty="0">
-                <a:latin typeface="Lucida Sans Typewriter" panose="020B0509030504030204" pitchFamily="49" charset="0"/>
-              </a:rPr>
-              <a:t> [ u ]</a:t>
-            </a:r>
-          </a:p>
-          <a:p>
-            <a:pPr marL="0" indent="0">
-              <a:buNone/>
-            </a:pPr>
-            <a:r>
-              <a:rPr lang="en-US" dirty="0">
-                <a:latin typeface="Lucida Sans Typewriter" panose="020B0509030504030204" pitchFamily="49" charset="0"/>
-              </a:rPr>
-              <a:t>			Do if v ϵ Q and u ( v ) &lt; key [ v ]</a:t>
-            </a:r>
-          </a:p>
-          <a:p>
-            <a:pPr marL="0" indent="0">
-              <a:buNone/>
-            </a:pPr>
-            <a:r>
-              <a:rPr lang="en-US" dirty="0">
-                <a:latin typeface="Lucida Sans Typewriter" panose="020B0509030504030204" pitchFamily="49" charset="0"/>
-              </a:rPr>
-              <a:t>				Then key [ v ] </a:t>
-            </a:r>
-            <a:r>
-              <a:rPr lang="en-US" dirty="0">
-                <a:latin typeface="Lucida Sans Typewriter" panose="020B0509030504030204" pitchFamily="49" charset="0"/>
-                <a:sym typeface="Wingdings" panose="05000000000000000000" pitchFamily="2" charset="2"/>
-              </a:rPr>
-              <a:t></a:t>
-            </a:r>
-            <a:r>
-              <a:rPr lang="en-US" dirty="0">
-                <a:latin typeface="Lucida Sans Typewriter" panose="020B0509030504030204" pitchFamily="49" charset="0"/>
-              </a:rPr>
-              <a:t> w ( u, v )</a:t>
-            </a:r>
-          </a:p>
-          <a:p>
-            <a:pPr marL="0" indent="0">
-              <a:buNone/>
-            </a:pPr>
-            <a:r>
-              <a:rPr lang="en-US" dirty="0">
-                <a:latin typeface="Lucida Sans Typewriter" panose="020B0509030504030204" pitchFamily="49" charset="0"/>
-              </a:rPr>
-              <a:t>					π [ v ] </a:t>
-            </a:r>
-            <a:r>
-              <a:rPr lang="en-US" dirty="0">
-                <a:latin typeface="Lucida Sans Typewriter" panose="020B0509030504030204" pitchFamily="49" charset="0"/>
-                <a:sym typeface="Wingdings" panose="05000000000000000000" pitchFamily="2" charset="2"/>
-              </a:rPr>
-              <a:t></a:t>
-            </a:r>
-            <a:r>
-              <a:rPr lang="en-US" dirty="0">
-                <a:latin typeface="Lucida Sans Typewriter" panose="020B0509030504030204" pitchFamily="49" charset="0"/>
-              </a:rPr>
-              <a:t> u</a:t>
-            </a:r>
-          </a:p>
-          <a:p>
-            <a:pPr marL="0" indent="0">
-              <a:buNone/>
-            </a:pPr>
-            <a:r>
-              <a:rPr lang="en-US" dirty="0">
-                <a:latin typeface="Lucida Sans Typewriter" panose="020B0509030504030204" pitchFamily="49" charset="0"/>
-              </a:rPr>
-              <a:t> </a:t>
-            </a:r>
-            <a:r>
-              <a:rPr lang="en-US" dirty="0" smtClean="0">
-                <a:latin typeface="Lucida Sans Typewriter" panose="020B0509030504030204" pitchFamily="49" charset="0"/>
-              </a:rPr>
-              <a:t>MST </a:t>
-            </a:r>
-            <a:r>
-              <a:rPr lang="en-US" dirty="0">
-                <a:latin typeface="Lucida Sans Typewriter" panose="020B0509030504030204" pitchFamily="49" charset="0"/>
-              </a:rPr>
-              <a:t>= { ( v, π  [ v ] ) </a:t>
-            </a:r>
-            <a:r>
-              <a:rPr lang="en-US" dirty="0" smtClean="0">
-                <a:latin typeface="Lucida Sans Typewriter" panose="020B0509030504030204" pitchFamily="49" charset="0"/>
-              </a:rPr>
-              <a:t>}</a:t>
-            </a:r>
-          </a:p>
-        </p:txBody>
-      </p:sp>
-    </p:spTree>
-    <p:extLst>
-      <p:ext uri="{BB962C8B-B14F-4D97-AF65-F5344CB8AC3E}">
-        <p14:creationId xmlns:p14="http://schemas.microsoft.com/office/powerpoint/2010/main" val="2641885831"/>
-      </p:ext>
-    </p:extLst>
-  </p:cSld>
-  <p:clrMapOvr>
-    <a:masterClrMapping/>
-  </p:clrMapOvr>
-</p:sld>
-</file>
-
 <file path=ppt/slides/slide5.xml><?xml version="1.0" encoding="utf-8"?>
 <p:sld xmlns:a="http://schemas.openxmlformats.org/drawingml/2006/main" xmlns:r="http://schemas.openxmlformats.org/officeDocument/2006/relationships" xmlns:p="http://schemas.openxmlformats.org/presentationml/2006/main">
   <p:cSld>
@@ -8766,21 +8876,11 @@
         <p:spPr/>
         <p:txBody>
           <a:bodyPr>
-            <a:normAutofit fontScale="90000"/>
+            <a:normAutofit/>
           </a:bodyPr>
           <a:lstStyle/>
           <a:p>
             <a:pPr algn="ctr"/>
-            <a:r>
-              <a:rPr lang="en-US" b="1" dirty="0" err="1">
-                <a:solidFill>
-                  <a:srgbClr val="92D050"/>
-                </a:solidFill>
-                <a:latin typeface="Times New Roman" panose="02020603050405020304" pitchFamily="18" charset="0"/>
-                <a:cs typeface="Times New Roman" panose="02020603050405020304" pitchFamily="18" charset="0"/>
-              </a:rPr>
-              <a:t>Dijkstra’s</a:t>
-            </a:r>
             <a:r>
               <a:rPr lang="en-US" b="1" dirty="0">
                 <a:solidFill>
@@ -8789,27 +8889,7 @@
                 <a:latin typeface="Times New Roman" panose="02020603050405020304" pitchFamily="18" charset="0"/>
                 <a:cs typeface="Times New Roman" panose="02020603050405020304" pitchFamily="18" charset="0"/>
               </a:rPr>
-              <a:t> </a:t>
-            </a:r>
-            <a:r>
-              <a:rPr lang="en-US" b="1" smtClean="0">
-                <a:solidFill>
-                  <a:srgbClr val="92D050"/>
-                </a:solidFill>
-                <a:latin typeface="Times New Roman" panose="02020603050405020304" pitchFamily="18" charset="0"/>
-                <a:cs typeface="Times New Roman" panose="02020603050405020304" pitchFamily="18" charset="0"/>
-              </a:rPr>
-              <a:t>Algorithm [5]</a:t>
-            </a:r>
-            <a:r>
-              <a:rPr lang="en-US" b="1" dirty="0">
-                <a:solidFill>
-                  <a:srgbClr val="92D050"/>
-                </a:solidFill>
-                <a:latin typeface="Times New Roman" panose="02020603050405020304" pitchFamily="18" charset="0"/>
-                <a:cs typeface="Times New Roman" panose="02020603050405020304" pitchFamily="18" charset="0"/>
-              </a:rPr>
-              <a:t/>
+              <a:t>Greedy Algorithm (Prim’s Algorithm)</a:t>
             </a:r>
             <a:br>
               <a:rPr lang="en-US" b="1" dirty="0">
@@ -8821,28 +8901,81 @@
               </a:rPr>
             </a:br>
             <a:r>
-              <a:rPr lang="en-US" sz="2700" b="1" dirty="0">
+              <a:rPr lang="en-US" sz="2000" b="1" dirty="0" smtClean="0">
+                <a:solidFill>
+                  <a:srgbClr val="FFC000"/>
+                </a:solidFill>
+                <a:latin typeface="Times New Roman" panose="02020603050405020304" pitchFamily="18" charset="0"/>
+                <a:cs typeface="Times New Roman" panose="02020603050405020304" pitchFamily="18" charset="0"/>
+              </a:rPr>
+              <a:t>(</a:t>
+            </a:r>
+            <a:r>
+              <a:rPr lang="en-US" sz="2000" b="1" dirty="0" smtClean="0">
+                <a:solidFill>
+                  <a:srgbClr val="92D050"/>
+                </a:solidFill>
+                <a:latin typeface="Times New Roman" panose="02020603050405020304" pitchFamily="18" charset="0"/>
+                <a:cs typeface="Times New Roman" panose="02020603050405020304" pitchFamily="18" charset="0"/>
+                <a:hlinkClick r:id="rId2"/>
+              </a:rPr>
+              <a:t>https</a:t>
+            </a:r>
+            <a:r>
+              <a:rPr lang="en-US" sz="2000" b="1" dirty="0">
+                <a:solidFill>
+                  <a:srgbClr val="92D050"/>
+                </a:solidFill>
+                <a:latin typeface="Times New Roman" panose="02020603050405020304" pitchFamily="18" charset="0"/>
+                <a:cs typeface="Times New Roman" panose="02020603050405020304" pitchFamily="18" charset="0"/>
+                <a:hlinkClick r:id="rId2"/>
+              </a:rPr>
+              <a:t>://</a:t>
+            </a:r>
+            <a:r>
+              <a:rPr lang="en-US" sz="2000" b="1" dirty="0" smtClean="0">
+                <a:solidFill>
+                  <a:srgbClr val="92D050"/>
+                </a:solidFill>
+                <a:latin typeface="Times New Roman" panose="02020603050405020304" pitchFamily="18" charset="0"/>
+                <a:cs typeface="Times New Roman" panose="02020603050405020304" pitchFamily="18" charset="0"/>
+                <a:hlinkClick r:id="rId2"/>
+              </a:rPr>
+              <a:t>www.youtube.com/watch?v=FPEMBWg_WlY</a:t>
+            </a:r>
+            <a:r>
+              <a:rPr lang="en-US" sz="2000" b="1" dirty="0" smtClean="0">
+                <a:solidFill>
+                  <a:srgbClr val="FFC000"/>
+                </a:solidFill>
+                <a:latin typeface="Times New Roman" panose="02020603050405020304" pitchFamily="18" charset="0"/>
+                <a:cs typeface="Times New Roman" panose="02020603050405020304" pitchFamily="18" charset="0"/>
+              </a:rPr>
+              <a:t>)</a:t>
+            </a:r>
+            <a:r>
+              <a:rPr lang="en-US" sz="2000" b="1" dirty="0" smtClean="0">
                 <a:solidFill>
                   <a:srgbClr val="92D050"/>
                 </a:solidFill>
                 <a:latin typeface="Times New Roman" panose="02020603050405020304" pitchFamily="18" charset="0"/>
                 <a:cs typeface="Times New Roman" panose="02020603050405020304" pitchFamily="18" charset="0"/>
               </a:rPr>
-              <a:t>(https://www.youtube.com/watch?v=xhG2DyCX3uA) </a:t>
-            </a:r>
-            <a:r>
-              <a:rPr lang="en-US" sz="2700" b="1" dirty="0" smtClean="0">
+              <a:t> </a:t>
+            </a:r>
+            <a:r>
+              <a:rPr lang="en-US" sz="2000" b="1" dirty="0" smtClean="0">
                 <a:solidFill>
-                  <a:srgbClr val="92D050"/>
+                  <a:srgbClr val="FFC000"/>
                 </a:solidFill>
                 <a:latin typeface="Times New Roman" panose="02020603050405020304" pitchFamily="18" charset="0"/>
                 <a:cs typeface="Times New Roman" panose="02020603050405020304" pitchFamily="18" charset="0"/>
               </a:rPr>
-              <a:t>(MIT 6.046J 2005)</a:t>
-            </a:r>
-            <a:endParaRPr lang="en-US" sz="2700" b="1" dirty="0">
+              <a:t>MIT 6.046J</a:t>
+            </a:r>
+            <a:endParaRPr lang="en-US" b="1" dirty="0">
               <a:solidFill>
-                <a:srgbClr val="92D050"/>
+                <a:srgbClr val="FFC000"/>
               </a:solidFill>
               <a:latin typeface="Times New Roman" panose="02020603050405020304" pitchFamily="18" charset="0"/>
               <a:cs typeface="Times New Roman" panose="02020603050405020304" pitchFamily="18" charset="0"/>
@@ -8860,15 +8993,10 @@
             <p:ph idx="1"/>
           </p:nvPr>
         </p:nvSpPr>
-        <p:spPr>
-          <a:xfrm>
-            <a:off x="680321" y="2336872"/>
-            <a:ext cx="9903596" cy="4521127"/>
-          </a:xfrm>
-        </p:spPr>
+        <p:spPr/>
         <p:txBody>
           <a:bodyPr>
-            <a:normAutofit/>
+            <a:normAutofit fontScale="85000" lnSpcReduction="20000"/>
           </a:bodyPr>
           <a:lstStyle/>
           <a:p>
@@ -8876,85 +9004,114 @@
               <a:buNone/>
             </a:pPr>
             <a:r>
-              <a:rPr lang="en-US" sz="1800" dirty="0" smtClean="0"/>
-              <a:t>For each v </a:t>
-            </a:r>
-            <a:r>
-              <a:rPr lang="en-US" sz="1800" dirty="0">
+              <a:rPr lang="en-US" dirty="0" smtClean="0">
                 <a:latin typeface="Lucida Sans Typewriter" panose="020B0509030504030204" pitchFamily="49" charset="0"/>
               </a:rPr>
-              <a:t>ϵ </a:t>
-            </a:r>
-            <a:r>
-              <a:rPr lang="en-US" sz="1800" dirty="0" smtClean="0"/>
-              <a:t>V – {s}</a:t>
-            </a:r>
-          </a:p>
-          <a:p>
-            <a:pPr marL="0" indent="0">
-              <a:buNone/>
-            </a:pPr>
-            <a:r>
-              <a:rPr lang="en-US" sz="1800" dirty="0"/>
-              <a:t>	</a:t>
-            </a:r>
-            <a:r>
-              <a:rPr lang="en-US" sz="1800" dirty="0" smtClean="0"/>
-              <a:t>do d[v] </a:t>
-            </a:r>
-            <a:r>
-              <a:rPr lang="en-US" sz="1800" dirty="0">
+              <a:t>Q </a:t>
+            </a:r>
+            <a:r>
+              <a:rPr lang="en-US" dirty="0">
+                <a:latin typeface="Lucida Sans Typewriter" panose="020B0509030504030204" pitchFamily="49" charset="0"/>
                 <a:sym typeface="Wingdings" panose="05000000000000000000" pitchFamily="2" charset="2"/>
               </a:rPr>
-              <a:t> </a:t>
-            </a:r>
-            <a:r>
-              <a:rPr lang="en-US" sz="1800" dirty="0" smtClean="0">
+              <a:t></a:t>
+            </a:r>
+            <a:r>
+              <a:rPr lang="en-US" dirty="0">
                 <a:latin typeface="Lucida Sans Typewriter" panose="020B0509030504030204" pitchFamily="49" charset="0"/>
               </a:rPr>
-              <a:t>∞</a:t>
-            </a:r>
-            <a:endParaRPr lang="en-US" sz="1800" dirty="0" smtClean="0"/>
+              <a:t> V</a:t>
+            </a:r>
           </a:p>
           <a:p>
             <a:pPr marL="0" indent="0">
               <a:buNone/>
             </a:pPr>
             <a:r>
-              <a:rPr lang="en-US" sz="1800" dirty="0" smtClean="0"/>
-              <a:t>D[s] </a:t>
-            </a:r>
-            <a:r>
-              <a:rPr lang="en-US" sz="1800" dirty="0">
+              <a:rPr lang="en-US" dirty="0">
+                <a:latin typeface="Lucida Sans Typewriter" panose="020B0509030504030204" pitchFamily="49" charset="0"/>
+              </a:rPr>
+              <a:t>key [ v ] </a:t>
+            </a:r>
+            <a:r>
+              <a:rPr lang="en-US" dirty="0">
+                <a:latin typeface="Lucida Sans Typewriter" panose="020B0509030504030204" pitchFamily="49" charset="0"/>
                 <a:sym typeface="Wingdings" panose="05000000000000000000" pitchFamily="2" charset="2"/>
               </a:rPr>
-              <a:t> </a:t>
-            </a:r>
-            <a:r>
-              <a:rPr lang="en-US" sz="1800" dirty="0" smtClean="0">
+              <a:t></a:t>
+            </a:r>
+            <a:r>
+              <a:rPr lang="en-US" dirty="0">
                 <a:latin typeface="Lucida Sans Typewriter" panose="020B0509030504030204" pitchFamily="49" charset="0"/>
               </a:rPr>
-              <a:t>0</a:t>
-            </a:r>
-            <a:endParaRPr lang="en-US" sz="1800" dirty="0" smtClean="0"/>
+              <a:t> ∞, ꓯ v ϵ V</a:t>
+            </a:r>
           </a:p>
           <a:p>
             <a:pPr marL="0" indent="0">
               <a:buNone/>
             </a:pPr>
             <a:r>
-              <a:rPr lang="en-US" sz="1800" dirty="0" smtClean="0"/>
-              <a:t>Q </a:t>
-            </a:r>
-            <a:r>
-              <a:rPr lang="en-US" sz="1800" dirty="0">
+              <a:rPr lang="en-US" dirty="0">
+                <a:latin typeface="Lucida Sans Typewriter" panose="020B0509030504030204" pitchFamily="49" charset="0"/>
+              </a:rPr>
+              <a:t>key [ s ] = 0 for arbitrary s ϵ v</a:t>
+            </a:r>
+          </a:p>
+          <a:p>
+            <a:pPr marL="0" indent="0">
+              <a:buNone/>
+            </a:pPr>
+            <a:r>
+              <a:rPr lang="en-US" dirty="0">
+                <a:latin typeface="Lucida Sans Typewriter" panose="020B0509030504030204" pitchFamily="49" charset="0"/>
+              </a:rPr>
+              <a:t>While Q </a:t>
+            </a:r>
+            <a:r>
+              <a:rPr lang="en-US" dirty="0" smtClean="0">
+                <a:latin typeface="Lucida Sans Typewriter" panose="020B0509030504030204" pitchFamily="49" charset="0"/>
+              </a:rPr>
+              <a:t>≠ Ø</a:t>
+            </a:r>
+            <a:endParaRPr lang="en-US" dirty="0">
+              <a:latin typeface="Lucida Sans Typewriter" panose="020B0509030504030204" pitchFamily="49" charset="0"/>
+            </a:endParaRPr>
+          </a:p>
+          <a:p>
+            <a:pPr marL="0" indent="0">
+              <a:buNone/>
+            </a:pPr>
+            <a:r>
+              <a:rPr lang="en-US" dirty="0">
+                <a:latin typeface="Lucida Sans Typewriter" panose="020B0509030504030204" pitchFamily="49" charset="0"/>
+              </a:rPr>
+              <a:t>	Do u </a:t>
+            </a:r>
+            <a:r>
+              <a:rPr lang="en-US" dirty="0">
+                <a:latin typeface="Lucida Sans Typewriter" panose="020B0509030504030204" pitchFamily="49" charset="0"/>
                 <a:sym typeface="Wingdings" panose="05000000000000000000" pitchFamily="2" charset="2"/>
               </a:rPr>
-              <a:t> </a:t>
-            </a:r>
-            <a:r>
-              <a:rPr lang="en-US" sz="1800" dirty="0" smtClean="0"/>
-              <a:t>v</a:t>
+              <a:t></a:t>
+            </a:r>
+            <a:r>
+              <a:rPr lang="en-US" dirty="0">
+                <a:latin typeface="Lucida Sans Typewriter" panose="020B0509030504030204" pitchFamily="49" charset="0"/>
+              </a:rPr>
+              <a:t> </a:t>
+            </a:r>
+            <a:r>
+              <a:rPr lang="en-US" dirty="0" err="1">
+                <a:latin typeface="Lucida Sans Typewriter" panose="020B0509030504030204" pitchFamily="49" charset="0"/>
+              </a:rPr>
+              <a:t>Extract_min</a:t>
+            </a:r>
+            <a:r>
+              <a:rPr lang="en-US" dirty="0">
+                <a:latin typeface="Lucida Sans Typewriter" panose="020B0509030504030204" pitchFamily="49" charset="0"/>
+              </a:rPr>
+              <a:t> ( Q )</a:t>
             </a:r>
           </a:p>
           <a:p>
@@ -8962,148 +9119,118 @@
               <a:buNone/>
             </a:pPr>
             <a:r>
-              <a:rPr lang="en-US" sz="1800" dirty="0" smtClean="0"/>
-              <a:t>S </a:t>
-            </a:r>
-            <a:r>
-              <a:rPr lang="en-US" sz="1800" dirty="0">
+              <a:rPr lang="en-US" dirty="0">
+                <a:latin typeface="Lucida Sans Typewriter" panose="020B0509030504030204" pitchFamily="49" charset="0"/>
+              </a:rPr>
+              <a:t>		For each v ϵ </a:t>
+            </a:r>
+            <a:r>
+              <a:rPr lang="en-US" dirty="0" err="1">
+                <a:latin typeface="Lucida Sans Typewriter" panose="020B0509030504030204" pitchFamily="49" charset="0"/>
+              </a:rPr>
+              <a:t>Adj</a:t>
+            </a:r>
+            <a:r>
+              <a:rPr lang="en-US" dirty="0">
+                <a:latin typeface="Lucida Sans Typewriter" panose="020B0509030504030204" pitchFamily="49" charset="0"/>
+              </a:rPr>
+              <a:t> [ u ]</a:t>
+            </a:r>
+          </a:p>
+          <a:p>
+            <a:pPr marL="0" indent="0">
+              <a:buNone/>
+            </a:pPr>
+            <a:r>
+              <a:rPr lang="en-US" dirty="0">
+                <a:latin typeface="Lucida Sans Typewriter" panose="020B0509030504030204" pitchFamily="49" charset="0"/>
+              </a:rPr>
+              <a:t>			Do if v ϵ Q and u ( v ) &lt; key [ v ]</a:t>
+            </a:r>
+          </a:p>
+          <a:p>
+            <a:pPr marL="0" indent="0">
+              <a:buNone/>
+            </a:pPr>
+            <a:r>
+              <a:rPr lang="en-US" dirty="0">
+                <a:latin typeface="Lucida Sans Typewriter" panose="020B0509030504030204" pitchFamily="49" charset="0"/>
+              </a:rPr>
+              <a:t>				Then key [ v ] </a:t>
+            </a:r>
+            <a:r>
+              <a:rPr lang="en-US" dirty="0">
+                <a:latin typeface="Lucida Sans Typewriter" panose="020B0509030504030204" pitchFamily="49" charset="0"/>
                 <a:sym typeface="Wingdings" panose="05000000000000000000" pitchFamily="2" charset="2"/>
               </a:rPr>
-              <a:t> </a:t>
-            </a:r>
-            <a:r>
-              <a:rPr lang="en-US" sz="1800" dirty="0" smtClean="0">
+              <a:t></a:t>
+            </a:r>
+            <a:r>
+              <a:rPr lang="en-US" dirty="0">
                 <a:latin typeface="Lucida Sans Typewriter" panose="020B0509030504030204" pitchFamily="49" charset="0"/>
               </a:rPr>
-              <a:t>Ø</a:t>
+              <a:t> w ( u, v )</a:t>
             </a:r>
           </a:p>
           <a:p>
             <a:pPr marL="0" indent="0">
               <a:buNone/>
             </a:pPr>
-            <a:endParaRPr lang="en-US" sz="1800" dirty="0" smtClean="0">
-              <a:latin typeface="Lucida Sans Typewriter" panose="020B0509030504030204" pitchFamily="49" charset="0"/>
-            </a:endParaRPr>
-          </a:p>
-          <a:p>
-            <a:pPr marL="0" indent="0">
-              <a:buNone/>
-            </a:pPr>
-            <a:r>
-              <a:rPr lang="en-US" sz="1800" dirty="0" smtClean="0"/>
-              <a:t>While Q  </a:t>
-            </a:r>
-            <a:r>
-              <a:rPr lang="en-US" sz="1800" dirty="0" smtClean="0">
+            <a:r>
+              <a:rPr lang="en-US" dirty="0">
                 <a:latin typeface="Lucida Sans Typewriter" panose="020B0509030504030204" pitchFamily="49" charset="0"/>
               </a:rPr>
-              <a:t>≠ Ø, </a:t>
-            </a:r>
-            <a:r>
-              <a:rPr lang="en-US" sz="1800" dirty="0" smtClean="0"/>
-              <a:t>S </a:t>
-            </a:r>
-            <a:r>
-              <a:rPr lang="en-US" sz="1800" dirty="0" smtClean="0">
+              <a:t>					π [ v ] </a:t>
+            </a:r>
+            <a:r>
+              <a:rPr lang="en-US" dirty="0">
+                <a:latin typeface="Lucida Sans Typewriter" panose="020B0509030504030204" pitchFamily="49" charset="0"/>
                 <a:sym typeface="Wingdings" panose="05000000000000000000" pitchFamily="2" charset="2"/>
               </a:rPr>
-              <a:t> S { u }</a:t>
-            </a:r>
-          </a:p>
-          <a:p>
-            <a:pPr marL="0" indent="0">
-              <a:buNone/>
-            </a:pPr>
-            <a:r>
-              <a:rPr lang="en-US" sz="1800" dirty="0">
-                <a:sym typeface="Wingdings" panose="05000000000000000000" pitchFamily="2" charset="2"/>
-              </a:rPr>
-              <a:t>	</a:t>
-            </a:r>
-            <a:r>
-              <a:rPr lang="en-US" sz="1800" dirty="0" smtClean="0">
-                <a:sym typeface="Wingdings" panose="05000000000000000000" pitchFamily="2" charset="2"/>
-              </a:rPr>
-              <a:t>do u  </a:t>
-            </a:r>
-            <a:r>
-              <a:rPr lang="en-US" sz="1800" dirty="0" err="1" smtClean="0">
-                <a:sym typeface="Wingdings" panose="05000000000000000000" pitchFamily="2" charset="2"/>
-              </a:rPr>
-              <a:t>Extract_Min</a:t>
-            </a:r>
-            <a:r>
-              <a:rPr lang="en-US" sz="1800" dirty="0" smtClean="0">
-                <a:sym typeface="Wingdings" panose="05000000000000000000" pitchFamily="2" charset="2"/>
-              </a:rPr>
-              <a:t> ( Q )</a:t>
-            </a:r>
-          </a:p>
-          <a:p>
-            <a:pPr marL="0" indent="0">
-              <a:buNone/>
-            </a:pPr>
-            <a:r>
-              <a:rPr lang="en-US" sz="1800" dirty="0" smtClean="0">
-                <a:sym typeface="Wingdings" panose="05000000000000000000" pitchFamily="2" charset="2"/>
-              </a:rPr>
-              <a:t>		For each v </a:t>
-            </a:r>
-            <a:r>
-              <a:rPr lang="en-US" sz="1800" dirty="0">
+              <a:t></a:t>
+            </a:r>
+            <a:r>
+              <a:rPr lang="en-US" dirty="0">
                 <a:latin typeface="Lucida Sans Typewriter" panose="020B0509030504030204" pitchFamily="49" charset="0"/>
               </a:rPr>
-              <a:t>ϵ </a:t>
-            </a:r>
-            <a:r>
-              <a:rPr lang="en-US" sz="1800" dirty="0" err="1" smtClean="0">
-                <a:sym typeface="Wingdings" panose="05000000000000000000" pitchFamily="2" charset="2"/>
+              <a:t> u</a:t>
+            </a:r>
+          </a:p>
+          <a:p>
+            <a:pPr marL="0" indent="0">
+              <a:buNone/>
+            </a:pPr>
+            <a:r>
+              <a:rPr lang="en-US" dirty="0">
+                <a:latin typeface="Lucida Sans Typewriter" panose="020B0509030504030204" pitchFamily="49" charset="0"/>
               </a:rPr>
-              <a:t>Adj</a:t>
-            </a:r>
-            <a:r>
-              <a:rPr lang="en-US" sz="1800" dirty="0" smtClean="0">
-                <a:sym typeface="Wingdings" panose="05000000000000000000" pitchFamily="2" charset="2"/>
+              <a:t> </a:t>
+            </a:r>
+            <a:r>
+              <a:rPr lang="en-US" dirty="0" smtClean="0">
+                <a:latin typeface="Lucida Sans Typewriter" panose="020B0509030504030204" pitchFamily="49" charset="0"/>
               </a:rPr>
-              <a:t> [ u ]</a:t>
-            </a:r>
-          </a:p>
-          <a:p>
-            <a:pPr marL="457200" lvl="1" indent="0">
-              <a:spcBef>
-                <a:spcPts val="1000"/>
-              </a:spcBef>
-              <a:buNone/>
-            </a:pPr>
-            <a:r>
-              <a:rPr lang="en-US" sz="1800" dirty="0" smtClean="0">
-                <a:sym typeface="Wingdings" panose="05000000000000000000" pitchFamily="2" charset="2"/>
+              <a:t>MST </a:t>
+            </a:r>
+            <a:r>
+              <a:rPr lang="en-US" dirty="0">
+                <a:latin typeface="Lucida Sans Typewriter" panose="020B0509030504030204" pitchFamily="49" charset="0"/>
               </a:rPr>
-              <a:t>			Do if d [ v ] &gt; d [ u ] + w ( u, v )</a:t>
-            </a:r>
-          </a:p>
-          <a:p>
-            <a:pPr marL="914400" lvl="2" indent="0">
-              <a:spcBef>
-                <a:spcPts val="1000"/>
-              </a:spcBef>
-              <a:buNone/>
-            </a:pPr>
+              <a:t>= { ( v, π  [ v ] ) </a:t>
+            </a:r>
             <a:r>
               <a:rPr lang="en-US" dirty="0" smtClean="0">
-                <a:sym typeface="Wingdings" panose="05000000000000000000" pitchFamily="2" charset="2"/>
+                <a:latin typeface="Lucida Sans Typewriter" panose="020B0509030504030204" pitchFamily="49" charset="0"/>
               </a:rPr>
-              <a:t>			Then d [ v ]  d [ u ] + w ( u, v )</a:t>
-            </a:r>
-            <a:endParaRPr lang="en-US" dirty="0"/>
+              <a:t>}</a:t>
+            </a:r>
           </a:p>
         </p:txBody>
       </p:sp>
     </p:spTree>
     <p:extLst>
       <p:ext uri="{BB962C8B-B14F-4D97-AF65-F5344CB8AC3E}">
-        <p14:creationId xmlns:p14="http://schemas.microsoft.com/office/powerpoint/2010/main" val="475387968"/>
+        <p14:creationId xmlns:p14="http://schemas.microsoft.com/office/powerpoint/2010/main" val="2641885831"/>
       </p:ext>
     </p:extLst>
   </p:cSld>
@@ -9143,22 +9270,81 @@
         <p:spPr/>
         <p:txBody>
           <a:bodyPr>
-            <a:normAutofit/>
+            <a:normAutofit fontScale="90000"/>
           </a:bodyPr>
           <a:lstStyle/>
           <a:p>
             <a:pPr algn="ctr"/>
             <a:r>
-              <a:rPr lang="en-US" sz="7200" b="1" dirty="0" smtClean="0">
+              <a:rPr lang="en-US" b="1" dirty="0" err="1">
                 <a:solidFill>
                   <a:srgbClr val="92D050"/>
                 </a:solidFill>
                 <a:latin typeface="Times New Roman" panose="02020603050405020304" pitchFamily="18" charset="0"/>
                 <a:cs typeface="Times New Roman" panose="02020603050405020304" pitchFamily="18" charset="0"/>
               </a:rPr>
-              <a:t>Future Work</a:t>
-            </a:r>
-            <a:endParaRPr lang="en-US" sz="7200" b="1" dirty="0">
+              <a:t>Dijkstra’s</a:t>
+            </a:r>
+            <a:r>
+              <a:rPr lang="en-US" b="1" dirty="0">
+                <a:solidFill>
+                  <a:srgbClr val="92D050"/>
+                </a:solidFill>
+                <a:latin typeface="Times New Roman" panose="02020603050405020304" pitchFamily="18" charset="0"/>
+                <a:cs typeface="Times New Roman" panose="02020603050405020304" pitchFamily="18" charset="0"/>
+              </a:rPr>
+              <a:t> </a:t>
+            </a:r>
+            <a:r>
+              <a:rPr lang="en-US" b="1" dirty="0" smtClean="0">
+                <a:solidFill>
+                  <a:srgbClr val="92D050"/>
+                </a:solidFill>
+                <a:latin typeface="Times New Roman" panose="02020603050405020304" pitchFamily="18" charset="0"/>
+                <a:cs typeface="Times New Roman" panose="02020603050405020304" pitchFamily="18" charset="0"/>
+              </a:rPr>
+              <a:t>Algorithm [5]</a:t>
+            </a:r>
+            <a:r>
+              <a:rPr lang="en-US" b="1" dirty="0">
+                <a:solidFill>
+                  <a:srgbClr val="92D050"/>
+                </a:solidFill>
+                <a:latin typeface="Times New Roman" panose="02020603050405020304" pitchFamily="18" charset="0"/>
+                <a:cs typeface="Times New Roman" panose="02020603050405020304" pitchFamily="18" charset="0"/>
+              </a:rPr>
+              <a:t/>
+            </a:r>
+            <a:br>
+              <a:rPr lang="en-US" b="1" dirty="0">
+                <a:solidFill>
+                  <a:srgbClr val="92D050"/>
+                </a:solidFill>
+                <a:latin typeface="Times New Roman" panose="02020603050405020304" pitchFamily="18" charset="0"/>
+                <a:cs typeface="Times New Roman" panose="02020603050405020304" pitchFamily="18" charset="0"/>
+              </a:rPr>
+            </a:br>
+            <a:r>
+              <a:rPr lang="en-US" sz="2700" b="1" dirty="0">
+                <a:solidFill>
+                  <a:srgbClr val="92D050"/>
+                </a:solidFill>
+                <a:latin typeface="Times New Roman" panose="02020603050405020304" pitchFamily="18" charset="0"/>
+                <a:cs typeface="Times New Roman" panose="02020603050405020304" pitchFamily="18" charset="0"/>
+              </a:rPr>
+              <a:t>(https://www.youtube.com/watch?v=xhG2DyCX3uA) </a:t>
+            </a:r>
+            <a:r>
+              <a:rPr lang="en-US" sz="2700" b="1" dirty="0" smtClean="0">
+                <a:solidFill>
+                  <a:srgbClr val="92D050"/>
+                </a:solidFill>
+                <a:latin typeface="Times New Roman" panose="02020603050405020304" pitchFamily="18" charset="0"/>
+                <a:cs typeface="Times New Roman" panose="02020603050405020304" pitchFamily="18" charset="0"/>
+              </a:rPr>
+              <a:t>(MIT 6.046J 2005)</a:t>
+            </a:r>
+            <a:endParaRPr lang="en-US" sz="2700" b="1" dirty="0">
               <a:solidFill>
                 <a:srgbClr val="92D050"/>
               </a:solidFill>
@@ -9180,53 +9366,239 @@
         </p:nvSpPr>
         <p:spPr>
           <a:xfrm>
-            <a:off x="2827283" y="2336873"/>
-            <a:ext cx="7466899" cy="3599316"/>
-          </a:xfrm>
-        </p:spPr>
-        <p:txBody>
-          <a:bodyPr/>
+            <a:off x="680321" y="2336872"/>
+            <a:ext cx="9903596" cy="4521127"/>
+          </a:xfrm>
+        </p:spPr>
+        <p:txBody>
+          <a:bodyPr>
+            <a:normAutofit/>
+          </a:bodyPr>
           <a:lstStyle/>
           <a:p>
             <a:pPr marL="0" indent="0">
               <a:buNone/>
             </a:pPr>
-            <a:endParaRPr lang="en-US" dirty="0"/>
-          </a:p>
-          <a:p>
-            <a:r>
-              <a:rPr lang="en-US" dirty="0" smtClean="0"/>
-              <a:t>Breadth </a:t>
-            </a:r>
-            <a:r>
-              <a:rPr lang="en-US" dirty="0"/>
-              <a:t>First Search</a:t>
-            </a:r>
-          </a:p>
-          <a:p>
-            <a:r>
-              <a:rPr lang="en-US" dirty="0" smtClean="0"/>
-              <a:t>A</a:t>
-            </a:r>
-            <a:r>
-              <a:rPr lang="en-US" dirty="0"/>
-              <a:t>*</a:t>
-            </a:r>
-          </a:p>
-          <a:p>
-            <a:r>
-              <a:rPr lang="en-US" dirty="0"/>
-              <a:t>Bellman-Ford</a:t>
-            </a:r>
-          </a:p>
-          <a:p>
-            <a:r>
-              <a:rPr lang="en-US" dirty="0"/>
-              <a:t>Bayesian </a:t>
-            </a:r>
-            <a:r>
-              <a:rPr lang="en-US" dirty="0" smtClean="0"/>
-              <a:t>Inference</a:t>
+            <a:r>
+              <a:rPr lang="en-US" sz="1800" dirty="0" smtClean="0"/>
+              <a:t>For each v </a:t>
+            </a:r>
+            <a:r>
+              <a:rPr lang="en-US" sz="1800" dirty="0">
+                <a:latin typeface="Lucida Sans Typewriter" panose="020B0509030504030204" pitchFamily="49" charset="0"/>
+              </a:rPr>
+              <a:t>ϵ </a:t>
+            </a:r>
+            <a:r>
+              <a:rPr lang="en-US" sz="1800" dirty="0" smtClean="0"/>
+              <a:t>V – { s }</a:t>
+            </a:r>
+          </a:p>
+          <a:p>
+            <a:pPr marL="0" indent="0">
+              <a:buNone/>
+            </a:pPr>
+            <a:r>
+              <a:rPr lang="en-US" sz="1800" dirty="0"/>
+              <a:t>	</a:t>
+            </a:r>
+            <a:r>
+              <a:rPr lang="en-US" sz="1800" dirty="0" smtClean="0"/>
+              <a:t>do d [ v ] </a:t>
+            </a:r>
+            <a:r>
+              <a:rPr lang="en-US" sz="1800" dirty="0">
+                <a:sym typeface="Wingdings" panose="05000000000000000000" pitchFamily="2" charset="2"/>
+              </a:rPr>
+              <a:t> </a:t>
+            </a:r>
+            <a:r>
+              <a:rPr lang="en-US" sz="1800" dirty="0" smtClean="0">
+                <a:latin typeface="Lucida Sans Typewriter" panose="020B0509030504030204" pitchFamily="49" charset="0"/>
+              </a:rPr>
+              <a:t>∞</a:t>
+            </a:r>
+            <a:endParaRPr lang="en-US" sz="1800" dirty="0" smtClean="0"/>
+          </a:p>
+          <a:p>
+            <a:pPr marL="0" indent="0">
+              <a:buNone/>
+            </a:pPr>
+            <a:r>
+              <a:rPr lang="en-US" sz="1800" dirty="0" smtClean="0"/>
+              <a:t>d [ s ] </a:t>
+            </a:r>
+            <a:r>
+              <a:rPr lang="en-US" sz="1800" dirty="0">
+                <a:sym typeface="Wingdings" panose="05000000000000000000" pitchFamily="2" charset="2"/>
+              </a:rPr>
+              <a:t> </a:t>
+            </a:r>
+            <a:r>
+              <a:rPr lang="en-US" sz="1800" dirty="0" smtClean="0">
+                <a:latin typeface="Lucida Sans Typewriter" panose="020B0509030504030204" pitchFamily="49" charset="0"/>
+              </a:rPr>
+              <a:t>0</a:t>
+            </a:r>
+            <a:endParaRPr lang="en-US" sz="1800" dirty="0" smtClean="0"/>
+          </a:p>
+          <a:p>
+            <a:pPr marL="0" indent="0">
+              <a:buNone/>
+            </a:pPr>
+            <a:r>
+              <a:rPr lang="en-US" sz="1800" dirty="0"/>
+              <a:t>S </a:t>
+            </a:r>
+            <a:r>
+              <a:rPr lang="en-US" sz="1800" dirty="0">
+                <a:sym typeface="Wingdings" panose="05000000000000000000" pitchFamily="2" charset="2"/>
+              </a:rPr>
+              <a:t> </a:t>
+            </a:r>
+            <a:r>
+              <a:rPr lang="en-US" sz="1800" dirty="0">
+                <a:latin typeface="Lucida Sans Typewriter" panose="020B0509030504030204" pitchFamily="49" charset="0"/>
+              </a:rPr>
+              <a:t>Ø</a:t>
+            </a:r>
+          </a:p>
+          <a:p>
+            <a:pPr marL="0" indent="0">
+              <a:buNone/>
+            </a:pPr>
+            <a:r>
+              <a:rPr lang="en-US" sz="1800" dirty="0" smtClean="0"/>
+              <a:t>Q </a:t>
+            </a:r>
+            <a:r>
+              <a:rPr lang="en-US" sz="1800" dirty="0">
+                <a:sym typeface="Wingdings" panose="05000000000000000000" pitchFamily="2" charset="2"/>
+              </a:rPr>
+              <a:t> </a:t>
+            </a:r>
+            <a:r>
+              <a:rPr lang="en-US" sz="1800" dirty="0" smtClean="0"/>
+              <a:t>v</a:t>
+            </a:r>
+          </a:p>
+          <a:p>
+            <a:pPr marL="0" indent="0">
+              <a:buNone/>
+            </a:pPr>
+            <a:endParaRPr lang="en-US" sz="1800" dirty="0" smtClean="0">
+              <a:latin typeface="Lucida Sans Typewriter" panose="020B0509030504030204" pitchFamily="49" charset="0"/>
+            </a:endParaRPr>
+          </a:p>
+          <a:p>
+            <a:pPr marL="0" indent="0">
+              <a:buNone/>
+            </a:pPr>
+            <a:r>
+              <a:rPr lang="en-US" sz="1800" dirty="0" smtClean="0"/>
+              <a:t>While Q  </a:t>
+            </a:r>
+            <a:r>
+              <a:rPr lang="en-US" sz="1800" dirty="0" smtClean="0">
+                <a:latin typeface="Lucida Sans Typewriter" panose="020B0509030504030204" pitchFamily="49" charset="0"/>
+              </a:rPr>
+              <a:t>≠ Ø, </a:t>
+            </a:r>
+            <a:r>
+              <a:rPr lang="en-US" sz="1800" dirty="0" smtClean="0"/>
+              <a:t>S </a:t>
+            </a:r>
+            <a:r>
+              <a:rPr lang="en-US" sz="1800" dirty="0" smtClean="0">
+                <a:sym typeface="Wingdings" panose="05000000000000000000" pitchFamily="2" charset="2"/>
+              </a:rPr>
+              <a:t> S U { u }</a:t>
+            </a:r>
+          </a:p>
+          <a:p>
+            <a:pPr marL="0" indent="0">
+              <a:buNone/>
+            </a:pPr>
+            <a:r>
+              <a:rPr lang="en-US" sz="1800" dirty="0">
+                <a:sym typeface="Wingdings" panose="05000000000000000000" pitchFamily="2" charset="2"/>
+              </a:rPr>
+              <a:t>	D</a:t>
+            </a:r>
+            <a:r>
+              <a:rPr lang="en-US" sz="1800" dirty="0" smtClean="0">
+                <a:sym typeface="Wingdings" panose="05000000000000000000" pitchFamily="2" charset="2"/>
+              </a:rPr>
+              <a:t>o u  </a:t>
+            </a:r>
+            <a:r>
+              <a:rPr lang="en-US" sz="1800" dirty="0" err="1" smtClean="0">
+                <a:sym typeface="Wingdings" panose="05000000000000000000" pitchFamily="2" charset="2"/>
+              </a:rPr>
+              <a:t>Extract_Min</a:t>
+            </a:r>
+            <a:r>
+              <a:rPr lang="en-US" sz="1800" dirty="0" smtClean="0">
+                <a:sym typeface="Wingdings" panose="05000000000000000000" pitchFamily="2" charset="2"/>
+              </a:rPr>
+              <a:t> ( Q )</a:t>
+            </a:r>
+          </a:p>
+          <a:p>
+            <a:pPr marL="0" indent="0">
+              <a:buNone/>
+            </a:pPr>
+            <a:r>
+              <a:rPr lang="en-US" sz="1800" dirty="0" smtClean="0">
+                <a:sym typeface="Wingdings" panose="05000000000000000000" pitchFamily="2" charset="2"/>
+              </a:rPr>
+              <a:t>		For each v </a:t>
+            </a:r>
+            <a:r>
+              <a:rPr lang="en-US" sz="1800" dirty="0">
+                <a:latin typeface="Lucida Sans Typewriter" panose="020B0509030504030204" pitchFamily="49" charset="0"/>
+              </a:rPr>
+              <a:t>ϵ </a:t>
+            </a:r>
+            <a:r>
+              <a:rPr lang="en-US" sz="1800" dirty="0" err="1" smtClean="0">
+                <a:sym typeface="Wingdings" panose="05000000000000000000" pitchFamily="2" charset="2"/>
+              </a:rPr>
+              <a:t>Adj</a:t>
+            </a:r>
+            <a:r>
+              <a:rPr lang="en-US" sz="1800" dirty="0" smtClean="0">
+                <a:sym typeface="Wingdings" panose="05000000000000000000" pitchFamily="2" charset="2"/>
+              </a:rPr>
+              <a:t> [ u ]</a:t>
+            </a:r>
+          </a:p>
+          <a:p>
+            <a:pPr marL="457200" lvl="1" indent="0">
+              <a:spcBef>
+                <a:spcPts val="1000"/>
+              </a:spcBef>
+              <a:buNone/>
+            </a:pPr>
+            <a:r>
+              <a:rPr lang="en-US" sz="1800" dirty="0" smtClean="0">
+                <a:sym typeface="Wingdings" panose="05000000000000000000" pitchFamily="2" charset="2"/>
+              </a:rPr>
+              <a:t>			Do if d [ v ] &gt; d [ u ] + w ( u, v )</a:t>
+            </a:r>
+          </a:p>
+          <a:p>
+            <a:pPr marL="914400" lvl="2" indent="0">
+              <a:spcBef>
+                <a:spcPts val="1000"/>
+              </a:spcBef>
+              <a:buNone/>
+            </a:pPr>
+            <a:r>
+              <a:rPr lang="en-US" dirty="0" smtClean="0">
+                <a:sym typeface="Wingdings" panose="05000000000000000000" pitchFamily="2" charset="2"/>
+              </a:rPr>
+              <a:t>			Then d [ v ]  d [ u ] + w ( u, v )</a:t>
             </a:r>
             <a:endParaRPr lang="en-US" dirty="0"/>
           </a:p>
@@ -9235,7 +9607,7 @@
     </p:spTree>
     <p:extLst>
       <p:ext uri="{BB962C8B-B14F-4D97-AF65-F5344CB8AC3E}">
-        <p14:creationId xmlns:p14="http://schemas.microsoft.com/office/powerpoint/2010/main" val="3314423995"/>
+        <p14:creationId xmlns:p14="http://schemas.microsoft.com/office/powerpoint/2010/main" val="475387968"/>
       </p:ext>
     </p:extLst>
   </p:cSld>
@@ -9281,6 +9653,91 @@
           <a:p>
             <a:pPr algn="ctr"/>
             <a:r>
+              <a:rPr lang="en-US" sz="6000" b="1" dirty="0" smtClean="0">
+                <a:solidFill>
+                  <a:srgbClr val="92D050"/>
+                </a:solidFill>
+                <a:latin typeface="Times New Roman" panose="02020603050405020304" pitchFamily="18" charset="0"/>
+                <a:cs typeface="Times New Roman" panose="02020603050405020304" pitchFamily="18" charset="0"/>
+              </a:rPr>
+              <a:t>Bellman-Ford</a:t>
+            </a:r>
+            <a:endParaRPr lang="en-US" sz="6000" dirty="0">
+              <a:solidFill>
+                <a:srgbClr val="92D050"/>
+              </a:solidFill>
+            </a:endParaRPr>
+          </a:p>
+        </p:txBody>
+      </p:sp>
+      <p:sp>
+        <p:nvSpPr>
+          <p:cNvPr id="3" name="Content Placeholder 2"/>
+          <p:cNvSpPr>
+            <a:spLocks noGrp="1"/>
+          </p:cNvSpPr>
+          <p:nvPr>
+            <p:ph idx="1"/>
+          </p:nvPr>
+        </p:nvSpPr>
+        <p:spPr/>
+        <p:txBody>
+          <a:bodyPr/>
+          <a:lstStyle/>
+          <a:p>
+            <a:endParaRPr lang="en-US"/>
+          </a:p>
+        </p:txBody>
+      </p:sp>
+    </p:spTree>
+    <p:extLst>
+      <p:ext uri="{BB962C8B-B14F-4D97-AF65-F5344CB8AC3E}">
+        <p14:creationId xmlns:p14="http://schemas.microsoft.com/office/powerpoint/2010/main" val="3945112510"/>
+      </p:ext>
+    </p:extLst>
+  </p:cSld>
+  <p:clrMapOvr>
+    <a:masterClrMapping/>
+  </p:clrMapOvr>
+</p:sld>
+</file>
+
+<file path=ppt/slides/slide8.xml><?xml version="1.0" encoding="utf-8"?>
+<p:sld xmlns:a="http://schemas.openxmlformats.org/drawingml/2006/main" xmlns:r="http://schemas.openxmlformats.org/officeDocument/2006/relationships" xmlns:p="http://schemas.openxmlformats.org/presentationml/2006/main">
+  <p:cSld>
+    <p:spTree>
+      <p:nvGrpSpPr>
+        <p:cNvPr id="1" name=""/>
+        <p:cNvGrpSpPr/>
+        <p:nvPr/>
+      </p:nvGrpSpPr>
+      <p:grpSpPr>
+        <a:xfrm>
+          <a:off x="0" y="0"/>
+          <a:ext cx="0" cy="0"/>
+          <a:chOff x="0" y="0"/>
+          <a:chExt cx="0" cy="0"/>
+        </a:xfrm>
+      </p:grpSpPr>
+      <p:sp>
+        <p:nvSpPr>
+          <p:cNvPr id="2" name="Title 1"/>
+          <p:cNvSpPr>
+            <a:spLocks noGrp="1"/>
+          </p:cNvSpPr>
+          <p:nvPr>
+            <p:ph type="title"/>
+          </p:nvPr>
+        </p:nvSpPr>
+        <p:spPr/>
+        <p:txBody>
+          <a:bodyPr>
+            <a:normAutofit/>
+          </a:bodyPr>
+          <a:lstStyle/>
+          <a:p>
+            <a:pPr algn="ctr"/>
+            <a:r>
               <a:rPr lang="en-US" sz="7200" b="1" dirty="0" smtClean="0">
                 <a:solidFill>
                   <a:srgbClr val="92D050"/>
@@ -9288,7 +9745,7 @@
                 <a:latin typeface="Times New Roman" panose="02020603050405020304" pitchFamily="18" charset="0"/>
                 <a:cs typeface="Times New Roman" panose="02020603050405020304" pitchFamily="18" charset="0"/>
               </a:rPr>
-              <a:t>Presented by</a:t>
+              <a:t>Future Work</a:t>
             </a:r>
             <a:endParaRPr lang="en-US" sz="7200" b="1" dirty="0">
               <a:solidFill>
@@ -9310,55 +9767,505 @@
             <p:ph idx="1"/>
           </p:nvPr>
         </p:nvSpPr>
-        <p:spPr/>
-        <p:txBody>
-          <a:bodyPr>
-            <a:normAutofit/>
-          </a:bodyPr>
+        <p:spPr>
+          <a:xfrm>
+            <a:off x="2827283" y="2336873"/>
+            <a:ext cx="7466899" cy="3599316"/>
+          </a:xfrm>
+        </p:spPr>
+        <p:txBody>
+          <a:bodyPr/>
           <a:lstStyle/>
           <a:p>
-            <a:pPr marL="0" indent="0" algn="ctr">
+            <a:pPr marL="0" indent="0">
               <a:buNone/>
             </a:pPr>
-            <a:r>
-              <a:rPr lang="en-US" sz="4400" i="1" dirty="0" smtClean="0"/>
-              <a:t>John Schutkeker</a:t>
-            </a:r>
-          </a:p>
-          <a:p>
-            <a:pPr marL="0" indent="0" algn="ctr">
-              <a:buNone/>
-            </a:pPr>
-            <a:r>
-              <a:rPr lang="en-US" sz="4400" i="1" dirty="0" smtClean="0"/>
-              <a:t>NLM Physics Corp.</a:t>
-            </a:r>
-          </a:p>
-          <a:p>
-            <a:pPr marL="0" indent="0" algn="ctr">
-              <a:buNone/>
-            </a:pPr>
-            <a:r>
-              <a:rPr lang="en-US" sz="4400" i="1" dirty="0" smtClean="0"/>
-              <a:t>Royal Oak, MI, 48073</a:t>
-            </a:r>
-          </a:p>
-          <a:p>
-            <a:pPr marL="0" indent="0" algn="ctr">
-              <a:buNone/>
-            </a:pPr>
-            <a:fld id="{6199AAC8-460C-4911-9FFB-701238C59D0B}" type="datetime4">
-              <a:rPr lang="en-US" sz="4400" i="1"/>
-              <a:t>April 4, 2021</a:t>
-            </a:fld>
-            <a:endParaRPr lang="en-US" sz="4400" i="1" dirty="0"/>
+            <a:endParaRPr lang="en-US" dirty="0"/>
+          </a:p>
+          <a:p>
+            <a:r>
+              <a:rPr lang="en-US" dirty="0" smtClean="0"/>
+              <a:t>Breadth </a:t>
+            </a:r>
+            <a:r>
+              <a:rPr lang="en-US" dirty="0"/>
+              <a:t>First Search</a:t>
+            </a:r>
+          </a:p>
+          <a:p>
+            <a:r>
+              <a:rPr lang="en-US" dirty="0" smtClean="0"/>
+              <a:t>A</a:t>
+            </a:r>
+            <a:r>
+              <a:rPr lang="en-US" dirty="0"/>
+              <a:t>*</a:t>
+            </a:r>
+          </a:p>
+          <a:p>
+            <a:r>
+              <a:rPr lang="en-US" dirty="0" smtClean="0"/>
+              <a:t>Bayesian Inference</a:t>
+            </a:r>
+          </a:p>
+          <a:p>
+            <a:r>
+              <a:rPr lang="en-US" dirty="0" smtClean="0"/>
+              <a:t>Kalman Filter</a:t>
+            </a:r>
+          </a:p>
+          <a:p>
+            <a:r>
+              <a:rPr lang="en-US" dirty="0" smtClean="0"/>
+              <a:t>Variational Method</a:t>
+            </a:r>
+            <a:endParaRPr lang="en-US" dirty="0" smtClean="0"/>
+          </a:p>
+          <a:p>
+            <a:r>
+              <a:rPr lang="en-US" dirty="0" smtClean="0"/>
+              <a:t>R*</a:t>
+            </a:r>
+            <a:endParaRPr lang="en-US" dirty="0"/>
           </a:p>
         </p:txBody>
       </p:sp>
     </p:spTree>
     <p:extLst>
       <p:ext uri="{BB962C8B-B14F-4D97-AF65-F5344CB8AC3E}">
-        <p14:creationId xmlns:p14="http://schemas.microsoft.com/office/powerpoint/2010/main" val="1989626538"/>
+        <p14:creationId xmlns:p14="http://schemas.microsoft.com/office/powerpoint/2010/main" val="3314423995"/>
+      </p:ext>
+    </p:extLst>
+  </p:cSld>
+  <p:clrMapOvr>
+    <a:masterClrMapping/>
+  </p:clrMapOvr>
+</p:sld>
+</file>
+
+<file path=ppt/slides/slide9.xml><?xml version="1.0" encoding="utf-8"?>
+<p:sld xmlns:a="http://schemas.openxmlformats.org/drawingml/2006/main" xmlns:r="http://schemas.openxmlformats.org/officeDocument/2006/relationships" xmlns:p="http://schemas.openxmlformats.org/presentationml/2006/main">
+  <p:cSld>
+    <p:spTree>
+      <p:nvGrpSpPr>
+        <p:cNvPr id="1" name=""/>
+        <p:cNvGrpSpPr/>
+        <p:nvPr/>
+      </p:nvGrpSpPr>
+      <p:grpSpPr>
+        <a:xfrm>
+          <a:off x="0" y="0"/>
+          <a:ext cx="0" cy="0"/>
+          <a:chOff x="0" y="0"/>
+          <a:chExt cx="0" cy="0"/>
+        </a:xfrm>
+      </p:grpSpPr>
+      <p:sp>
+        <p:nvSpPr>
+          <p:cNvPr id="2" name="Title 1"/>
+          <p:cNvSpPr>
+            <a:spLocks noGrp="1"/>
+          </p:cNvSpPr>
+          <p:nvPr>
+            <p:ph type="title"/>
+          </p:nvPr>
+        </p:nvSpPr>
+        <p:spPr/>
+        <p:txBody>
+          <a:bodyPr/>
+          <a:lstStyle/>
+          <a:p>
+            <a:pPr algn="ctr"/>
+            <a:r>
+              <a:rPr lang="en-US" sz="4800" b="1" dirty="0" smtClean="0">
+                <a:solidFill>
+                  <a:srgbClr val="92D050"/>
+                </a:solidFill>
+                <a:latin typeface="Times New Roman" panose="02020603050405020304" pitchFamily="18" charset="0"/>
+                <a:cs typeface="Times New Roman" panose="02020603050405020304" pitchFamily="18" charset="0"/>
+              </a:rPr>
+              <a:t>References</a:t>
+            </a:r>
+            <a:endParaRPr lang="en-US" sz="4800" b="1" dirty="0">
+              <a:solidFill>
+                <a:srgbClr val="92D050"/>
+              </a:solidFill>
+              <a:latin typeface="Times New Roman" panose="02020603050405020304" pitchFamily="18" charset="0"/>
+              <a:cs typeface="Times New Roman" panose="02020603050405020304" pitchFamily="18" charset="0"/>
+            </a:endParaRPr>
+          </a:p>
+        </p:txBody>
+      </p:sp>
+      <p:sp>
+        <p:nvSpPr>
+          <p:cNvPr id="3" name="Content Placeholder 2"/>
+          <p:cNvSpPr>
+            <a:spLocks noGrp="1"/>
+          </p:cNvSpPr>
+          <p:nvPr>
+            <p:ph idx="1"/>
+          </p:nvPr>
+        </p:nvSpPr>
+        <p:spPr>
+          <a:xfrm>
+            <a:off x="680322" y="2336873"/>
+            <a:ext cx="3607900" cy="3599316"/>
+          </a:xfrm>
+        </p:spPr>
+        <p:txBody>
+          <a:bodyPr>
+            <a:normAutofit lnSpcReduction="10000"/>
+          </a:bodyPr>
+          <a:lstStyle/>
+          <a:p>
+            <a:pPr marL="457200" indent="-457200">
+              <a:buFont typeface="+mj-lt"/>
+              <a:buAutoNum type="arabicPeriod"/>
+            </a:pPr>
+            <a:r>
+              <a:rPr lang="en-US" dirty="0" smtClean="0"/>
+              <a:t>Gradient Descent</a:t>
+            </a:r>
+          </a:p>
+          <a:p>
+            <a:pPr marL="457200" indent="-457200">
+              <a:buFont typeface="+mj-lt"/>
+              <a:buAutoNum type="arabicPeriod"/>
+            </a:pPr>
+            <a:r>
+              <a:rPr lang="en-US" dirty="0" smtClean="0"/>
+              <a:t>Momentum</a:t>
+            </a:r>
+          </a:p>
+          <a:p>
+            <a:pPr marL="457200" indent="-457200">
+              <a:buFont typeface="+mj-lt"/>
+              <a:buAutoNum type="arabicPeriod"/>
+            </a:pPr>
+            <a:r>
+              <a:rPr lang="en-US" dirty="0" smtClean="0"/>
+              <a:t>Prim’s Algorithm</a:t>
+            </a:r>
+          </a:p>
+          <a:p>
+            <a:pPr marL="457200" indent="-457200">
+              <a:buFont typeface="+mj-lt"/>
+              <a:buAutoNum type="arabicPeriod"/>
+            </a:pPr>
+            <a:r>
+              <a:rPr lang="en-US" dirty="0" err="1" smtClean="0"/>
+              <a:t>Dijkstra’s</a:t>
+            </a:r>
+            <a:r>
+              <a:rPr lang="en-US" dirty="0" smtClean="0"/>
+              <a:t> Algorithm</a:t>
+            </a:r>
+          </a:p>
+          <a:p>
+            <a:pPr marL="457200" indent="-457200">
+              <a:buFont typeface="+mj-lt"/>
+              <a:buAutoNum type="arabicPeriod"/>
+            </a:pPr>
+            <a:r>
+              <a:rPr lang="en-US" dirty="0" smtClean="0"/>
+              <a:t>Bellman-Ford</a:t>
+            </a:r>
+          </a:p>
+          <a:p>
+            <a:pPr marL="457200" indent="-457200">
+              <a:buFont typeface="+mj-lt"/>
+              <a:buAutoNum type="arabicPeriod"/>
+            </a:pPr>
+            <a:r>
+              <a:rPr lang="en-US" dirty="0" smtClean="0"/>
+              <a:t>A*</a:t>
+            </a:r>
+          </a:p>
+          <a:p>
+            <a:pPr marL="457200" indent="-457200">
+              <a:buFont typeface="+mj-lt"/>
+              <a:buAutoNum type="arabicPeriod"/>
+            </a:pPr>
+            <a:r>
+              <a:rPr lang="en-US" dirty="0" smtClean="0"/>
+              <a:t>Bayesian Inference</a:t>
+            </a:r>
+          </a:p>
+          <a:p>
+            <a:pPr marL="457200" indent="-457200">
+              <a:buFont typeface="+mj-lt"/>
+              <a:buAutoNum type="arabicPeriod"/>
+            </a:pPr>
+            <a:r>
+              <a:rPr lang="en-US" dirty="0" smtClean="0"/>
+              <a:t>R*</a:t>
+            </a:r>
+            <a:endParaRPr lang="en-US" dirty="0"/>
+          </a:p>
+        </p:txBody>
+      </p:sp>
+      <p:sp>
+        <p:nvSpPr>
+          <p:cNvPr id="4" name="Content Placeholder 2"/>
+          <p:cNvSpPr txBox="1">
+            <a:spLocks/>
+          </p:cNvSpPr>
+          <p:nvPr/>
+        </p:nvSpPr>
+        <p:spPr>
+          <a:xfrm>
+            <a:off x="5804101" y="2268563"/>
+            <a:ext cx="3928478" cy="3599316"/>
+          </a:xfrm>
+          <a:prstGeom prst="rect">
+            <a:avLst/>
+          </a:prstGeom>
+        </p:spPr>
+        <p:txBody>
+          <a:bodyPr vert="horz" lIns="91440" tIns="45720" rIns="91440" bIns="45720" rtlCol="0">
+            <a:normAutofit/>
+          </a:bodyPr>
+          <a:lstStyle>
+            <a:lvl1pPr marL="228600" indent="-228600" algn="l" defTabSz="914400" rtl="0" eaLnBrk="1" latinLnBrk="0" hangingPunct="1">
+              <a:lnSpc>
+                <a:spcPct val="90000"/>
+              </a:lnSpc>
+              <a:spcBef>
+                <a:spcPts val="1000"/>
+              </a:spcBef>
+              <a:buFont typeface="Arial" panose="020B0604020202020204" pitchFamily="34" charset="0"/>
+              <a:buChar char="•"/>
+              <a:defRPr sz="2400" kern="1200">
+                <a:solidFill>
+                  <a:schemeClr val="tx1"/>
+                </a:solidFill>
+                <a:latin typeface="+mn-lt"/>
+                <a:ea typeface="+mn-ea"/>
+                <a:cs typeface="+mn-cs"/>
+              </a:defRPr>
+            </a:lvl1pPr>
+            <a:lvl2pPr marL="685800" indent="-228600" algn="l" defTabSz="914400" rtl="0" eaLnBrk="1" latinLnBrk="0" hangingPunct="1">
+              <a:lnSpc>
+                <a:spcPct val="90000"/>
+              </a:lnSpc>
+              <a:spcBef>
+                <a:spcPts val="500"/>
+              </a:spcBef>
+              <a:buFont typeface="Arial" panose="020B0604020202020204" pitchFamily="34" charset="0"/>
+              <a:buChar char="•"/>
+              <a:defRPr sz="2000" kern="1200">
+                <a:solidFill>
+                  <a:schemeClr val="tx1"/>
+                </a:solidFill>
+                <a:latin typeface="+mn-lt"/>
+                <a:ea typeface="+mn-ea"/>
+                <a:cs typeface="+mn-cs"/>
+              </a:defRPr>
+            </a:lvl2pPr>
+            <a:lvl3pPr marL="1143000" indent="-228600" algn="l" defTabSz="914400" rtl="0" eaLnBrk="1" latinLnBrk="0" hangingPunct="1">
+              <a:lnSpc>
+                <a:spcPct val="90000"/>
+              </a:lnSpc>
+              <a:spcBef>
+                <a:spcPts val="500"/>
+              </a:spcBef>
+              <a:buFont typeface="Arial" panose="020B0604020202020204" pitchFamily="34" charset="0"/>
+              <a:buChar char="•"/>
+              <a:defRPr sz="1800" kern="1200">
+                <a:solidFill>
+                  <a:schemeClr val="tx1"/>
+                </a:solidFill>
+                <a:latin typeface="+mn-lt"/>
+                <a:ea typeface="+mn-ea"/>
+                <a:cs typeface="+mn-cs"/>
+              </a:defRPr>
+            </a:lvl3pPr>
+            <a:lvl4pPr marL="1600200" indent="-228600" algn="l" defTabSz="914400" rtl="0" eaLnBrk="1" latinLnBrk="0" hangingPunct="1">
+              <a:lnSpc>
+                <a:spcPct val="90000"/>
+              </a:lnSpc>
+              <a:spcBef>
+                <a:spcPts val="500"/>
+              </a:spcBef>
+              <a:buFont typeface="Arial" panose="020B0604020202020204" pitchFamily="34" charset="0"/>
+              <a:buChar char="•"/>
+              <a:defRPr sz="1600" kern="1200">
+                <a:solidFill>
+                  <a:schemeClr val="tx1"/>
+                </a:solidFill>
+                <a:latin typeface="+mn-lt"/>
+                <a:ea typeface="+mn-ea"/>
+                <a:cs typeface="+mn-cs"/>
+              </a:defRPr>
+            </a:lvl4pPr>
+            <a:lvl5pPr marL="2057400" indent="-228600" algn="l" defTabSz="914400" rtl="0" eaLnBrk="1" latinLnBrk="0" hangingPunct="1">
+              <a:lnSpc>
+                <a:spcPct val="90000"/>
+              </a:lnSpc>
+              <a:spcBef>
+                <a:spcPts val="500"/>
+              </a:spcBef>
+              <a:buFont typeface="Arial" panose="020B0604020202020204" pitchFamily="34" charset="0"/>
+              <a:buChar char="•"/>
+              <a:defRPr sz="1600" kern="1200">
+                <a:solidFill>
+                  <a:schemeClr val="tx1"/>
+                </a:solidFill>
+                <a:latin typeface="+mn-lt"/>
+                <a:ea typeface="+mn-ea"/>
+                <a:cs typeface="+mn-cs"/>
+              </a:defRPr>
+            </a:lvl5pPr>
+            <a:lvl6pPr marL="2514600" indent="-228600" algn="l" defTabSz="914400" rtl="0" eaLnBrk="1" latinLnBrk="0" hangingPunct="1">
+              <a:lnSpc>
+                <a:spcPct val="90000"/>
+              </a:lnSpc>
+              <a:spcBef>
+                <a:spcPts val="500"/>
+              </a:spcBef>
+              <a:buFont typeface="Arial" panose="020B0604020202020204" pitchFamily="34" charset="0"/>
+              <a:buChar char="•"/>
+              <a:defRPr sz="1400" kern="1200">
+                <a:solidFill>
+                  <a:schemeClr val="tx1"/>
+                </a:solidFill>
+                <a:latin typeface="+mn-lt"/>
+                <a:ea typeface="+mn-ea"/>
+                <a:cs typeface="+mn-cs"/>
+              </a:defRPr>
+            </a:lvl6pPr>
+            <a:lvl7pPr marL="2971800" indent="-228600" algn="l" defTabSz="914400" rtl="0" eaLnBrk="1" latinLnBrk="0" hangingPunct="1">
+              <a:lnSpc>
+                <a:spcPct val="90000"/>
+              </a:lnSpc>
+              <a:spcBef>
+                <a:spcPts val="500"/>
+              </a:spcBef>
+              <a:buFont typeface="Arial" panose="020B0604020202020204" pitchFamily="34" charset="0"/>
+              <a:buChar char="•"/>
+              <a:defRPr sz="1400" kern="1200">
+                <a:solidFill>
+                  <a:schemeClr val="tx1"/>
+                </a:solidFill>
+                <a:latin typeface="+mn-lt"/>
+                <a:ea typeface="+mn-ea"/>
+                <a:cs typeface="+mn-cs"/>
+              </a:defRPr>
+            </a:lvl7pPr>
+            <a:lvl8pPr marL="3429000" indent="-228600" algn="l" defTabSz="914400" rtl="0" eaLnBrk="1" latinLnBrk="0" hangingPunct="1">
+              <a:lnSpc>
+                <a:spcPct val="90000"/>
+              </a:lnSpc>
+              <a:spcBef>
+                <a:spcPts val="500"/>
+              </a:spcBef>
+              <a:buFont typeface="Arial" panose="020B0604020202020204" pitchFamily="34" charset="0"/>
+              <a:buChar char="•"/>
+              <a:defRPr sz="1400" kern="1200">
+                <a:solidFill>
+                  <a:schemeClr val="tx1"/>
+                </a:solidFill>
+                <a:latin typeface="+mn-lt"/>
+                <a:ea typeface="+mn-ea"/>
+                <a:cs typeface="+mn-cs"/>
+              </a:defRPr>
+            </a:lvl8pPr>
+            <a:lvl9pPr marL="3886200" indent="-228600" algn="l" defTabSz="914400" rtl="0" eaLnBrk="1" latinLnBrk="0" hangingPunct="1">
+              <a:lnSpc>
+                <a:spcPct val="90000"/>
+              </a:lnSpc>
+              <a:spcBef>
+                <a:spcPts val="500"/>
+              </a:spcBef>
+              <a:buFont typeface="Arial" panose="020B0604020202020204" pitchFamily="34" charset="0"/>
+              <a:buChar char="•"/>
+              <a:defRPr sz="1400" kern="1200">
+                <a:solidFill>
+                  <a:schemeClr val="tx1"/>
+                </a:solidFill>
+                <a:latin typeface="+mn-lt"/>
+                <a:ea typeface="+mn-ea"/>
+                <a:cs typeface="+mn-cs"/>
+              </a:defRPr>
+            </a:lvl9pPr>
+          </a:lstStyle>
+          <a:p>
+            <a:pPr marL="457200" indent="-457200">
+              <a:buFont typeface="+mj-lt"/>
+              <a:buAutoNum type="arabicPeriod"/>
+            </a:pPr>
+            <a:r>
+              <a:rPr lang="en-US" dirty="0" smtClean="0"/>
+              <a:t>Simplex Algorithm</a:t>
+            </a:r>
+          </a:p>
+          <a:p>
+            <a:pPr marL="457200" indent="-457200">
+              <a:buFont typeface="+mj-lt"/>
+              <a:buAutoNum type="arabicPeriod"/>
+            </a:pPr>
+            <a:r>
+              <a:rPr lang="en-US" dirty="0" smtClean="0"/>
+              <a:t>Kalman Filter</a:t>
+            </a:r>
+          </a:p>
+          <a:p>
+            <a:pPr marL="457200" indent="-457200">
+              <a:buFont typeface="+mj-lt"/>
+              <a:buAutoNum type="arabicPeriod"/>
+            </a:pPr>
+            <a:r>
+              <a:rPr lang="en-US" dirty="0" smtClean="0"/>
+              <a:t>Variational Method</a:t>
+            </a:r>
+          </a:p>
+          <a:p>
+            <a:pPr marL="457200" indent="-457200">
+              <a:buFont typeface="+mj-lt"/>
+              <a:buAutoNum type="arabicPeriod"/>
+            </a:pPr>
+            <a:r>
+              <a:rPr lang="en-US" dirty="0" smtClean="0"/>
+              <a:t>Dynamic Programming</a:t>
+            </a:r>
+          </a:p>
+          <a:p>
+            <a:pPr marL="457200" indent="-457200">
+              <a:buFont typeface="+mj-lt"/>
+              <a:buAutoNum type="arabicPeriod"/>
+            </a:pPr>
+            <a:r>
+              <a:rPr lang="en-US" dirty="0" smtClean="0"/>
+              <a:t>Nonlinear Programming</a:t>
+            </a:r>
+          </a:p>
+          <a:p>
+            <a:pPr marL="457200" indent="-457200">
+              <a:buFont typeface="+mj-lt"/>
+              <a:buAutoNum type="arabicPeriod"/>
+            </a:pPr>
+            <a:r>
+              <a:rPr lang="en-US" dirty="0" smtClean="0"/>
+              <a:t>Map-Reduce</a:t>
+            </a:r>
+          </a:p>
+          <a:p>
+            <a:pPr marL="457200" indent="-457200">
+              <a:buFont typeface="+mj-lt"/>
+              <a:buAutoNum type="arabicPeriod"/>
+            </a:pPr>
+            <a:r>
+              <a:rPr lang="en-US" dirty="0" smtClean="0"/>
+              <a:t>Hadoop</a:t>
+            </a:r>
+            <a:endParaRPr lang="en-US" dirty="0"/>
+          </a:p>
+        </p:txBody>
+      </p:sp>
+    </p:spTree>
+    <p:extLst>
+      <p:ext uri="{BB962C8B-B14F-4D97-AF65-F5344CB8AC3E}">
+        <p14:creationId xmlns:p14="http://schemas.microsoft.com/office/powerpoint/2010/main" val="1534572829"/>
       </p:ext>
     </p:extLst>
   </p:cSld>

--- a/AI_Cheat_Sheet.pptx
+++ b/AI_Cheat_Sheet.pptx
@@ -8248,10 +8248,9 @@
           </a:p>
           <a:p>
             <a:r>
-              <a:rPr lang="en-US" smtClean="0"/>
+              <a:rPr lang="en-US" dirty="0" smtClean="0"/>
               <a:t>AVL Tree</a:t>
             </a:r>
-            <a:endParaRPr lang="en-US" dirty="0" smtClean="0"/>
           </a:p>
         </p:txBody>
       </p:sp>
@@ -9682,10 +9681,160 @@
         </p:nvSpPr>
         <p:spPr/>
         <p:txBody>
-          <a:bodyPr/>
+          <a:bodyPr>
+            <a:normAutofit/>
+          </a:bodyPr>
           <a:lstStyle/>
           <a:p>
-            <a:endParaRPr lang="en-US"/>
+            <a:pPr marL="0" indent="0">
+              <a:buNone/>
+            </a:pPr>
+            <a:r>
+              <a:rPr lang="en-US" dirty="0" smtClean="0">
+                <a:sym typeface="Wingdings" panose="05000000000000000000" pitchFamily="2" charset="2"/>
+              </a:rPr>
+              <a:t>d [ s ]  </a:t>
+            </a:r>
+            <a:r>
+              <a:rPr lang="en-US" dirty="0" smtClean="0"/>
+              <a:t>0</a:t>
+            </a:r>
+          </a:p>
+          <a:p>
+            <a:pPr marL="0" indent="0">
+              <a:buNone/>
+            </a:pPr>
+            <a:r>
+              <a:rPr lang="en-US" dirty="0" smtClean="0"/>
+              <a:t>For each v </a:t>
+            </a:r>
+            <a:r>
+              <a:rPr lang="en-US" dirty="0" smtClean="0">
+                <a:latin typeface="Lucida Sans Typewriter" panose="020B0509030504030204" pitchFamily="49" charset="0"/>
+              </a:rPr>
+              <a:t>ϵ </a:t>
+            </a:r>
+            <a:r>
+              <a:rPr lang="en-US" dirty="0" smtClean="0"/>
+              <a:t>V – { s }</a:t>
+            </a:r>
+          </a:p>
+          <a:p>
+            <a:pPr marL="0" indent="0">
+              <a:buNone/>
+            </a:pPr>
+            <a:r>
+              <a:rPr lang="en-US" dirty="0"/>
+              <a:t>	</a:t>
+            </a:r>
+            <a:r>
+              <a:rPr lang="en-US" dirty="0" smtClean="0"/>
+              <a:t>do d [ v ] </a:t>
+            </a:r>
+            <a:r>
+              <a:rPr lang="en-US" dirty="0" smtClean="0">
+                <a:sym typeface="Wingdings" panose="05000000000000000000" pitchFamily="2" charset="2"/>
+              </a:rPr>
+              <a:t> </a:t>
+            </a:r>
+            <a:r>
+              <a:rPr lang="en-US" dirty="0" smtClean="0">
+                <a:latin typeface="Lucida Sans Typewriter" panose="020B0509030504030204" pitchFamily="49" charset="0"/>
+              </a:rPr>
+              <a:t>∞</a:t>
+            </a:r>
+            <a:endParaRPr lang="en-US" dirty="0" smtClean="0"/>
+          </a:p>
+          <a:p>
+            <a:pPr marL="0" indent="0">
+              <a:buNone/>
+            </a:pPr>
+            <a:r>
+              <a:rPr lang="en-US" dirty="0" smtClean="0"/>
+              <a:t>For I </a:t>
+            </a:r>
+            <a:r>
+              <a:rPr lang="en-US" dirty="0">
+                <a:sym typeface="Wingdings" panose="05000000000000000000" pitchFamily="2" charset="2"/>
+              </a:rPr>
+              <a:t> </a:t>
+            </a:r>
+            <a:r>
+              <a:rPr lang="en-US" dirty="0" smtClean="0"/>
+              <a:t>1 to | v | - 1</a:t>
+            </a:r>
+          </a:p>
+          <a:p>
+            <a:pPr marL="0" indent="0">
+              <a:buNone/>
+            </a:pPr>
+            <a:r>
+              <a:rPr lang="en-US" dirty="0"/>
+              <a:t>	</a:t>
+            </a:r>
+            <a:r>
+              <a:rPr lang="en-US" dirty="0" smtClean="0"/>
+              <a:t>do for each Edge (u, v) </a:t>
+            </a:r>
+            <a:r>
+              <a:rPr lang="en-US" dirty="0" smtClean="0">
+                <a:latin typeface="Lucida Sans Typewriter" panose="020B0509030504030204" pitchFamily="49" charset="0"/>
+              </a:rPr>
+              <a:t>ϵ </a:t>
+            </a:r>
+            <a:r>
+              <a:rPr lang="en-US" dirty="0" smtClean="0"/>
+              <a:t>E</a:t>
+            </a:r>
+          </a:p>
+          <a:p>
+            <a:pPr marL="0" indent="0">
+              <a:buNone/>
+            </a:pPr>
+            <a:r>
+              <a:rPr lang="en-US" dirty="0" smtClean="0"/>
+              <a:t>		do if </a:t>
+            </a:r>
+            <a:r>
+              <a:rPr lang="en-US" dirty="0"/>
+              <a:t>d [ v ] </a:t>
+            </a:r>
+            <a:r>
+              <a:rPr lang="en-US" dirty="0" smtClean="0"/>
+              <a:t>&gt; </a:t>
+            </a:r>
+            <a:r>
+              <a:rPr lang="en-US" dirty="0"/>
+              <a:t>d [ u ] + w ( u, v </a:t>
+            </a:r>
+            <a:r>
+              <a:rPr lang="en-US" dirty="0" smtClean="0"/>
+              <a:t>)</a:t>
+            </a:r>
+          </a:p>
+          <a:p>
+            <a:pPr marL="0" indent="0">
+              <a:buNone/>
+            </a:pPr>
+            <a:r>
+              <a:rPr lang="en-US" dirty="0"/>
+              <a:t>	</a:t>
+            </a:r>
+            <a:r>
+              <a:rPr lang="en-US" dirty="0" smtClean="0"/>
+              <a:t>		then d [ v ] </a:t>
+            </a:r>
+            <a:r>
+              <a:rPr lang="en-US" dirty="0">
+                <a:sym typeface="Wingdings" panose="05000000000000000000" pitchFamily="2" charset="2"/>
+              </a:rPr>
+              <a:t></a:t>
+            </a:r>
+            <a:r>
+              <a:rPr lang="en-US" dirty="0" smtClean="0"/>
+              <a:t> d [ u ] + w ( u, v )</a:t>
+            </a:r>
+            <a:endParaRPr lang="en-US" dirty="0"/>
           </a:p>
         </p:txBody>
       </p:sp>

--- a/AI_Cheat_Sheet.pptx
+++ b/AI_Cheat_Sheet.pptx
@@ -12,9 +12,10 @@
     <p:sldId id="259" r:id="rId6"/>
     <p:sldId id="262" r:id="rId7"/>
     <p:sldId id="263" r:id="rId8"/>
-    <p:sldId id="261" r:id="rId9"/>
-    <p:sldId id="264" r:id="rId10"/>
-    <p:sldId id="260" r:id="rId11"/>
+    <p:sldId id="266" r:id="rId9"/>
+    <p:sldId id="261" r:id="rId10"/>
+    <p:sldId id="264" r:id="rId11"/>
+    <p:sldId id="260" r:id="rId12"/>
   </p:sldIdLst>
   <p:sldSz cx="12192000" cy="6858000"/>
   <p:notesSz cx="6858000" cy="9144000"/>
@@ -395,7 +396,7 @@
           <a:p>
             <a:fld id="{78ABE3C1-DBE1-495D-B57B-2849774B866A}" type="datetimeFigureOut">
               <a:rPr lang="en-US" dirty="0"/>
-              <a:t>4/4/2021</a:t>
+              <a:t>4/5/2021</a:t>
             </a:fld>
             <a:endParaRPr lang="en-US" dirty="0"/>
           </a:p>
@@ -804,7 +805,7 @@
           <a:p>
             <a:fld id="{446C117F-5CCF-4837-BE5F-2B92066CAFAF}" type="datetimeFigureOut">
               <a:rPr lang="en-US" dirty="0"/>
-              <a:t>4/4/2021</a:t>
+              <a:t>4/5/2021</a:t>
             </a:fld>
             <a:endParaRPr lang="en-US" dirty="0"/>
           </a:p>
@@ -1135,7 +1136,7 @@
           <a:p>
             <a:fld id="{84EB90BD-B6CE-46B7-997F-7313B992CCDC}" type="datetimeFigureOut">
               <a:rPr lang="en-US" dirty="0"/>
-              <a:t>4/4/2021</a:t>
+              <a:t>4/5/2021</a:t>
             </a:fld>
             <a:endParaRPr lang="en-US" dirty="0"/>
           </a:p>
@@ -1535,7 +1536,7 @@
           <a:p>
             <a:fld id="{CDB9D11F-B188-461D-B23F-39381795C052}" type="datetimeFigureOut">
               <a:rPr lang="en-US" dirty="0"/>
-              <a:t>4/4/2021</a:t>
+              <a:t>4/5/2021</a:t>
             </a:fld>
             <a:endParaRPr lang="en-US" dirty="0"/>
           </a:p>
@@ -2098,7 +2099,7 @@
           <a:p>
             <a:fld id="{52E6D8D9-55A2-4063-B0F3-121F44549695}" type="datetimeFigureOut">
               <a:rPr lang="en-US" dirty="0"/>
-              <a:t>4/4/2021</a:t>
+              <a:t>4/5/2021</a:t>
             </a:fld>
             <a:endParaRPr lang="en-US" dirty="0"/>
           </a:p>
@@ -2774,7 +2775,7 @@
           <a:p>
             <a:fld id="{D4B24536-994D-4021-A283-9F449C0DB509}" type="datetimeFigureOut">
               <a:rPr lang="en-US" dirty="0"/>
-              <a:t>4/4/2021</a:t>
+              <a:t>4/5/2021</a:t>
             </a:fld>
             <a:endParaRPr lang="en-US" dirty="0"/>
           </a:p>
@@ -3682,7 +3683,7 @@
           <a:p>
             <a:fld id="{3CBBBB78-C96F-47B7-AB17-D852CA960AC9}" type="datetimeFigureOut">
               <a:rPr lang="en-US" dirty="0"/>
-              <a:t>4/4/2021</a:t>
+              <a:t>4/5/2021</a:t>
             </a:fld>
             <a:endParaRPr lang="en-US" dirty="0"/>
           </a:p>
@@ -3990,7 +3991,7 @@
           <a:p>
             <a:fld id="{1FA3F48C-C7C6-4055-9F49-3777875E72AE}" type="datetimeFigureOut">
               <a:rPr lang="en-US" dirty="0"/>
-              <a:t>4/4/2021</a:t>
+              <a:t>4/5/2021</a:t>
             </a:fld>
             <a:endParaRPr lang="en-US" dirty="0"/>
           </a:p>
@@ -4249,7 +4250,7 @@
           <a:p>
             <a:fld id="{6178E61D-D431-422C-9764-11DAFE33AB63}" type="datetimeFigureOut">
               <a:rPr lang="en-US" dirty="0"/>
-              <a:t>4/4/2021</a:t>
+              <a:t>4/5/2021</a:t>
             </a:fld>
             <a:endParaRPr lang="en-US" dirty="0"/>
           </a:p>
@@ -4568,7 +4569,7 @@
           <a:p>
             <a:fld id="{12DE42F4-6EEF-4EF7-8ED4-2208F0F89A08}" type="datetimeFigureOut">
               <a:rPr lang="en-US" dirty="0"/>
-              <a:t>4/4/2021</a:t>
+              <a:t>4/5/2021</a:t>
             </a:fld>
             <a:endParaRPr lang="en-US" dirty="0"/>
           </a:p>
@@ -4952,7 +4953,7 @@
           <a:p>
             <a:fld id="{30578ACC-22D6-47C1-A373-4FD133E34F3C}" type="datetimeFigureOut">
               <a:rPr lang="en-US" dirty="0"/>
-              <a:t>4/4/2021</a:t>
+              <a:t>4/5/2021</a:t>
             </a:fld>
             <a:endParaRPr lang="en-US" dirty="0"/>
           </a:p>
@@ -5323,7 +5324,7 @@
           <a:p>
             <a:fld id="{4E5A6C69-6797-4E8A-BF37-F2C3751466E9}" type="datetimeFigureOut">
               <a:rPr lang="en-US" dirty="0"/>
-              <a:t>4/4/2021</a:t>
+              <a:t>4/5/2021</a:t>
             </a:fld>
             <a:endParaRPr lang="en-US" dirty="0"/>
           </a:p>
@@ -5824,7 +5825,7 @@
           <a:p>
             <a:fld id="{D82014A1-A632-4878-A0D3-F52BA7563730}" type="datetimeFigureOut">
               <a:rPr lang="en-US" dirty="0"/>
-              <a:t>4/4/2021</a:t>
+              <a:t>4/5/2021</a:t>
             </a:fld>
             <a:endParaRPr lang="en-US" dirty="0"/>
           </a:p>
@@ -6076,7 +6077,7 @@
           <a:p>
             <a:fld id="{CE99F462-093F-4566-844B-4C71F2739DA5}" type="datetimeFigureOut">
               <a:rPr lang="en-US" dirty="0"/>
-              <a:t>4/4/2021</a:t>
+              <a:t>4/5/2021</a:t>
             </a:fld>
             <a:endParaRPr lang="en-US" dirty="0"/>
           </a:p>
@@ -6234,7 +6235,7 @@
           <a:p>
             <a:fld id="{3D24A7AC-904D-4781-85BA-7D10C17ED021}" type="datetimeFigureOut">
               <a:rPr lang="en-US" dirty="0"/>
-              <a:t>4/4/2021</a:t>
+              <a:t>4/5/2021</a:t>
             </a:fld>
             <a:endParaRPr lang="en-US" dirty="0"/>
           </a:p>
@@ -6619,7 +6620,7 @@
           <a:p>
             <a:fld id="{E331444B-B92B-4E27-8C94-BB93EAF5CB18}" type="datetimeFigureOut">
               <a:rPr lang="en-US" dirty="0"/>
-              <a:t>4/4/2021</a:t>
+              <a:t>4/5/2021</a:t>
             </a:fld>
             <a:endParaRPr lang="en-US" dirty="0"/>
           </a:p>
@@ -7023,7 +7024,7 @@
           <a:p>
             <a:fld id="{363EFA5E-FA76-400D-B3DC-F0BA90E6D107}" type="datetimeFigureOut">
               <a:rPr lang="en-US" dirty="0"/>
-              <a:t>4/4/2021</a:t>
+              <a:t>4/5/2021</a:t>
             </a:fld>
             <a:endParaRPr lang="en-US" dirty="0"/>
           </a:p>
@@ -7262,7 +7263,7 @@
           <a:p>
             <a:fld id="{9D6E9DEC-419B-4CC5-A080-3B06BD5A8291}" type="datetimeFigureOut">
               <a:rPr lang="en-US" dirty="0"/>
-              <a:t>4/4/2021</a:t>
+              <a:t>4/5/2021</a:t>
             </a:fld>
             <a:endParaRPr lang="en-US" dirty="0"/>
           </a:p>
@@ -7796,6 +7797,438 @@
         </p:nvSpPr>
         <p:spPr/>
         <p:txBody>
+          <a:bodyPr/>
+          <a:lstStyle/>
+          <a:p>
+            <a:pPr algn="ctr"/>
+            <a:r>
+              <a:rPr lang="en-US" sz="4800" b="1" dirty="0" smtClean="0">
+                <a:solidFill>
+                  <a:srgbClr val="92D050"/>
+                </a:solidFill>
+                <a:latin typeface="Times New Roman" panose="02020603050405020304" pitchFamily="18" charset="0"/>
+                <a:cs typeface="Times New Roman" panose="02020603050405020304" pitchFamily="18" charset="0"/>
+              </a:rPr>
+              <a:t>References</a:t>
+            </a:r>
+            <a:endParaRPr lang="en-US" sz="4800" b="1" dirty="0">
+              <a:solidFill>
+                <a:srgbClr val="92D050"/>
+              </a:solidFill>
+              <a:latin typeface="Times New Roman" panose="02020603050405020304" pitchFamily="18" charset="0"/>
+              <a:cs typeface="Times New Roman" panose="02020603050405020304" pitchFamily="18" charset="0"/>
+            </a:endParaRPr>
+          </a:p>
+        </p:txBody>
+      </p:sp>
+      <p:sp>
+        <p:nvSpPr>
+          <p:cNvPr id="3" name="Content Placeholder 2"/>
+          <p:cNvSpPr>
+            <a:spLocks noGrp="1"/>
+          </p:cNvSpPr>
+          <p:nvPr>
+            <p:ph idx="1"/>
+          </p:nvPr>
+        </p:nvSpPr>
+        <p:spPr>
+          <a:xfrm>
+            <a:off x="680322" y="2336873"/>
+            <a:ext cx="3607900" cy="3599316"/>
+          </a:xfrm>
+        </p:spPr>
+        <p:txBody>
+          <a:bodyPr>
+            <a:normAutofit lnSpcReduction="10000"/>
+          </a:bodyPr>
+          <a:lstStyle/>
+          <a:p>
+            <a:pPr marL="457200" indent="-457200">
+              <a:buFont typeface="+mj-lt"/>
+              <a:buAutoNum type="arabicPeriod"/>
+            </a:pPr>
+            <a:r>
+              <a:rPr lang="en-US" dirty="0" smtClean="0"/>
+              <a:t>Gradient Descent</a:t>
+            </a:r>
+          </a:p>
+          <a:p>
+            <a:pPr marL="457200" indent="-457200">
+              <a:buFont typeface="+mj-lt"/>
+              <a:buAutoNum type="arabicPeriod"/>
+            </a:pPr>
+            <a:r>
+              <a:rPr lang="en-US" dirty="0" smtClean="0"/>
+              <a:t>Momentum</a:t>
+            </a:r>
+          </a:p>
+          <a:p>
+            <a:pPr marL="457200" indent="-457200">
+              <a:buFont typeface="+mj-lt"/>
+              <a:buAutoNum type="arabicPeriod"/>
+            </a:pPr>
+            <a:r>
+              <a:rPr lang="en-US" dirty="0" smtClean="0"/>
+              <a:t>Prim’s Algorithm</a:t>
+            </a:r>
+          </a:p>
+          <a:p>
+            <a:pPr marL="457200" indent="-457200">
+              <a:buFont typeface="+mj-lt"/>
+              <a:buAutoNum type="arabicPeriod"/>
+            </a:pPr>
+            <a:r>
+              <a:rPr lang="en-US" dirty="0" err="1" smtClean="0"/>
+              <a:t>Dijkstra’s</a:t>
+            </a:r>
+            <a:r>
+              <a:rPr lang="en-US" dirty="0" smtClean="0"/>
+              <a:t> Algorithm</a:t>
+            </a:r>
+          </a:p>
+          <a:p>
+            <a:pPr marL="457200" indent="-457200">
+              <a:buFont typeface="+mj-lt"/>
+              <a:buAutoNum type="arabicPeriod"/>
+            </a:pPr>
+            <a:r>
+              <a:rPr lang="en-US" dirty="0" smtClean="0"/>
+              <a:t>Bellman-Ford</a:t>
+            </a:r>
+          </a:p>
+          <a:p>
+            <a:pPr marL="457200" indent="-457200">
+              <a:buFont typeface="+mj-lt"/>
+              <a:buAutoNum type="arabicPeriod"/>
+            </a:pPr>
+            <a:r>
+              <a:rPr lang="en-US" dirty="0" smtClean="0"/>
+              <a:t>A*</a:t>
+            </a:r>
+          </a:p>
+          <a:p>
+            <a:pPr marL="457200" indent="-457200">
+              <a:buFont typeface="+mj-lt"/>
+              <a:buAutoNum type="arabicPeriod"/>
+            </a:pPr>
+            <a:r>
+              <a:rPr lang="en-US" dirty="0" smtClean="0"/>
+              <a:t>Bayesian Inference</a:t>
+            </a:r>
+          </a:p>
+          <a:p>
+            <a:pPr marL="457200" indent="-457200">
+              <a:buFont typeface="+mj-lt"/>
+              <a:buAutoNum type="arabicPeriod"/>
+            </a:pPr>
+            <a:r>
+              <a:rPr lang="en-US" dirty="0" smtClean="0"/>
+              <a:t>R*</a:t>
+            </a:r>
+            <a:endParaRPr lang="en-US" dirty="0"/>
+          </a:p>
+        </p:txBody>
+      </p:sp>
+      <p:sp>
+        <p:nvSpPr>
+          <p:cNvPr id="4" name="Content Placeholder 2"/>
+          <p:cNvSpPr txBox="1">
+            <a:spLocks/>
+          </p:cNvSpPr>
+          <p:nvPr/>
+        </p:nvSpPr>
+        <p:spPr>
+          <a:xfrm>
+            <a:off x="5804101" y="2268563"/>
+            <a:ext cx="3928478" cy="3599316"/>
+          </a:xfrm>
+          <a:prstGeom prst="rect">
+            <a:avLst/>
+          </a:prstGeom>
+        </p:spPr>
+        <p:txBody>
+          <a:bodyPr vert="horz" lIns="91440" tIns="45720" rIns="91440" bIns="45720" rtlCol="0">
+            <a:normAutofit/>
+          </a:bodyPr>
+          <a:lstStyle>
+            <a:lvl1pPr marL="228600" indent="-228600" algn="l" defTabSz="914400" rtl="0" eaLnBrk="1" latinLnBrk="0" hangingPunct="1">
+              <a:lnSpc>
+                <a:spcPct val="90000"/>
+              </a:lnSpc>
+              <a:spcBef>
+                <a:spcPts val="1000"/>
+              </a:spcBef>
+              <a:buFont typeface="Arial" panose="020B0604020202020204" pitchFamily="34" charset="0"/>
+              <a:buChar char="•"/>
+              <a:defRPr sz="2400" kern="1200">
+                <a:solidFill>
+                  <a:schemeClr val="tx1"/>
+                </a:solidFill>
+                <a:latin typeface="+mn-lt"/>
+                <a:ea typeface="+mn-ea"/>
+                <a:cs typeface="+mn-cs"/>
+              </a:defRPr>
+            </a:lvl1pPr>
+            <a:lvl2pPr marL="685800" indent="-228600" algn="l" defTabSz="914400" rtl="0" eaLnBrk="1" latinLnBrk="0" hangingPunct="1">
+              <a:lnSpc>
+                <a:spcPct val="90000"/>
+              </a:lnSpc>
+              <a:spcBef>
+                <a:spcPts val="500"/>
+              </a:spcBef>
+              <a:buFont typeface="Arial" panose="020B0604020202020204" pitchFamily="34" charset="0"/>
+              <a:buChar char="•"/>
+              <a:defRPr sz="2000" kern="1200">
+                <a:solidFill>
+                  <a:schemeClr val="tx1"/>
+                </a:solidFill>
+                <a:latin typeface="+mn-lt"/>
+                <a:ea typeface="+mn-ea"/>
+                <a:cs typeface="+mn-cs"/>
+              </a:defRPr>
+            </a:lvl2pPr>
+            <a:lvl3pPr marL="1143000" indent="-228600" algn="l" defTabSz="914400" rtl="0" eaLnBrk="1" latinLnBrk="0" hangingPunct="1">
+              <a:lnSpc>
+                <a:spcPct val="90000"/>
+              </a:lnSpc>
+              <a:spcBef>
+                <a:spcPts val="500"/>
+              </a:spcBef>
+              <a:buFont typeface="Arial" panose="020B0604020202020204" pitchFamily="34" charset="0"/>
+              <a:buChar char="•"/>
+              <a:defRPr sz="1800" kern="1200">
+                <a:solidFill>
+                  <a:schemeClr val="tx1"/>
+                </a:solidFill>
+                <a:latin typeface="+mn-lt"/>
+                <a:ea typeface="+mn-ea"/>
+                <a:cs typeface="+mn-cs"/>
+              </a:defRPr>
+            </a:lvl3pPr>
+            <a:lvl4pPr marL="1600200" indent="-228600" algn="l" defTabSz="914400" rtl="0" eaLnBrk="1" latinLnBrk="0" hangingPunct="1">
+              <a:lnSpc>
+                <a:spcPct val="90000"/>
+              </a:lnSpc>
+              <a:spcBef>
+                <a:spcPts val="500"/>
+              </a:spcBef>
+              <a:buFont typeface="Arial" panose="020B0604020202020204" pitchFamily="34" charset="0"/>
+              <a:buChar char="•"/>
+              <a:defRPr sz="1600" kern="1200">
+                <a:solidFill>
+                  <a:schemeClr val="tx1"/>
+                </a:solidFill>
+                <a:latin typeface="+mn-lt"/>
+                <a:ea typeface="+mn-ea"/>
+                <a:cs typeface="+mn-cs"/>
+              </a:defRPr>
+            </a:lvl4pPr>
+            <a:lvl5pPr marL="2057400" indent="-228600" algn="l" defTabSz="914400" rtl="0" eaLnBrk="1" latinLnBrk="0" hangingPunct="1">
+              <a:lnSpc>
+                <a:spcPct val="90000"/>
+              </a:lnSpc>
+              <a:spcBef>
+                <a:spcPts val="500"/>
+              </a:spcBef>
+              <a:buFont typeface="Arial" panose="020B0604020202020204" pitchFamily="34" charset="0"/>
+              <a:buChar char="•"/>
+              <a:defRPr sz="1600" kern="1200">
+                <a:solidFill>
+                  <a:schemeClr val="tx1"/>
+                </a:solidFill>
+                <a:latin typeface="+mn-lt"/>
+                <a:ea typeface="+mn-ea"/>
+                <a:cs typeface="+mn-cs"/>
+              </a:defRPr>
+            </a:lvl5pPr>
+            <a:lvl6pPr marL="2514600" indent="-228600" algn="l" defTabSz="914400" rtl="0" eaLnBrk="1" latinLnBrk="0" hangingPunct="1">
+              <a:lnSpc>
+                <a:spcPct val="90000"/>
+              </a:lnSpc>
+              <a:spcBef>
+                <a:spcPts val="500"/>
+              </a:spcBef>
+              <a:buFont typeface="Arial" panose="020B0604020202020204" pitchFamily="34" charset="0"/>
+              <a:buChar char="•"/>
+              <a:defRPr sz="1400" kern="1200">
+                <a:solidFill>
+                  <a:schemeClr val="tx1"/>
+                </a:solidFill>
+                <a:latin typeface="+mn-lt"/>
+                <a:ea typeface="+mn-ea"/>
+                <a:cs typeface="+mn-cs"/>
+              </a:defRPr>
+            </a:lvl6pPr>
+            <a:lvl7pPr marL="2971800" indent="-228600" algn="l" defTabSz="914400" rtl="0" eaLnBrk="1" latinLnBrk="0" hangingPunct="1">
+              <a:lnSpc>
+                <a:spcPct val="90000"/>
+              </a:lnSpc>
+              <a:spcBef>
+                <a:spcPts val="500"/>
+              </a:spcBef>
+              <a:buFont typeface="Arial" panose="020B0604020202020204" pitchFamily="34" charset="0"/>
+              <a:buChar char="•"/>
+              <a:defRPr sz="1400" kern="1200">
+                <a:solidFill>
+                  <a:schemeClr val="tx1"/>
+                </a:solidFill>
+                <a:latin typeface="+mn-lt"/>
+                <a:ea typeface="+mn-ea"/>
+                <a:cs typeface="+mn-cs"/>
+              </a:defRPr>
+            </a:lvl7pPr>
+            <a:lvl8pPr marL="3429000" indent="-228600" algn="l" defTabSz="914400" rtl="0" eaLnBrk="1" latinLnBrk="0" hangingPunct="1">
+              <a:lnSpc>
+                <a:spcPct val="90000"/>
+              </a:lnSpc>
+              <a:spcBef>
+                <a:spcPts val="500"/>
+              </a:spcBef>
+              <a:buFont typeface="Arial" panose="020B0604020202020204" pitchFamily="34" charset="0"/>
+              <a:buChar char="•"/>
+              <a:defRPr sz="1400" kern="1200">
+                <a:solidFill>
+                  <a:schemeClr val="tx1"/>
+                </a:solidFill>
+                <a:latin typeface="+mn-lt"/>
+                <a:ea typeface="+mn-ea"/>
+                <a:cs typeface="+mn-cs"/>
+              </a:defRPr>
+            </a:lvl8pPr>
+            <a:lvl9pPr marL="3886200" indent="-228600" algn="l" defTabSz="914400" rtl="0" eaLnBrk="1" latinLnBrk="0" hangingPunct="1">
+              <a:lnSpc>
+                <a:spcPct val="90000"/>
+              </a:lnSpc>
+              <a:spcBef>
+                <a:spcPts val="500"/>
+              </a:spcBef>
+              <a:buFont typeface="Arial" panose="020B0604020202020204" pitchFamily="34" charset="0"/>
+              <a:buChar char="•"/>
+              <a:defRPr sz="1400" kern="1200">
+                <a:solidFill>
+                  <a:schemeClr val="tx1"/>
+                </a:solidFill>
+                <a:latin typeface="+mn-lt"/>
+                <a:ea typeface="+mn-ea"/>
+                <a:cs typeface="+mn-cs"/>
+              </a:defRPr>
+            </a:lvl9pPr>
+          </a:lstStyle>
+          <a:p>
+            <a:pPr marL="457200" indent="-457200">
+              <a:buFont typeface="+mj-lt"/>
+              <a:buAutoNum type="arabicPeriod"/>
+            </a:pPr>
+            <a:r>
+              <a:rPr lang="en-US" dirty="0" smtClean="0"/>
+              <a:t>Simplex Algorithm</a:t>
+            </a:r>
+          </a:p>
+          <a:p>
+            <a:pPr marL="457200" indent="-457200">
+              <a:buFont typeface="+mj-lt"/>
+              <a:buAutoNum type="arabicPeriod"/>
+            </a:pPr>
+            <a:r>
+              <a:rPr lang="en-US" dirty="0" smtClean="0"/>
+              <a:t>Kalman Filter</a:t>
+            </a:r>
+          </a:p>
+          <a:p>
+            <a:pPr marL="457200" indent="-457200">
+              <a:buFont typeface="+mj-lt"/>
+              <a:buAutoNum type="arabicPeriod"/>
+            </a:pPr>
+            <a:r>
+              <a:rPr lang="en-US" dirty="0" smtClean="0"/>
+              <a:t>Variational Method</a:t>
+            </a:r>
+          </a:p>
+          <a:p>
+            <a:pPr marL="457200" indent="-457200">
+              <a:buFont typeface="+mj-lt"/>
+              <a:buAutoNum type="arabicPeriod"/>
+            </a:pPr>
+            <a:r>
+              <a:rPr lang="en-US" dirty="0" smtClean="0"/>
+              <a:t>Dynamic Programming</a:t>
+            </a:r>
+          </a:p>
+          <a:p>
+            <a:pPr marL="457200" indent="-457200">
+              <a:buFont typeface="+mj-lt"/>
+              <a:buAutoNum type="arabicPeriod"/>
+            </a:pPr>
+            <a:r>
+              <a:rPr lang="en-US" dirty="0" smtClean="0"/>
+              <a:t>Nonlinear Programming</a:t>
+            </a:r>
+          </a:p>
+          <a:p>
+            <a:pPr marL="457200" indent="-457200">
+              <a:buFont typeface="+mj-lt"/>
+              <a:buAutoNum type="arabicPeriod"/>
+            </a:pPr>
+            <a:r>
+              <a:rPr lang="en-US" dirty="0" smtClean="0"/>
+              <a:t>Map-Reduce</a:t>
+            </a:r>
+          </a:p>
+          <a:p>
+            <a:pPr marL="457200" indent="-457200">
+              <a:buFont typeface="+mj-lt"/>
+              <a:buAutoNum type="arabicPeriod"/>
+            </a:pPr>
+            <a:r>
+              <a:rPr lang="en-US" dirty="0" smtClean="0"/>
+              <a:t>Hadoop</a:t>
+            </a:r>
+            <a:endParaRPr lang="en-US" dirty="0"/>
+          </a:p>
+        </p:txBody>
+      </p:sp>
+    </p:spTree>
+    <p:extLst>
+      <p:ext uri="{BB962C8B-B14F-4D97-AF65-F5344CB8AC3E}">
+        <p14:creationId xmlns:p14="http://schemas.microsoft.com/office/powerpoint/2010/main" val="1534572829"/>
+      </p:ext>
+    </p:extLst>
+  </p:cSld>
+  <p:clrMapOvr>
+    <a:masterClrMapping/>
+  </p:clrMapOvr>
+</p:sld>
+</file>
+
+<file path=ppt/slides/slide11.xml><?xml version="1.0" encoding="utf-8"?>
+<p:sld xmlns:a="http://schemas.openxmlformats.org/drawingml/2006/main" xmlns:r="http://schemas.openxmlformats.org/officeDocument/2006/relationships" xmlns:p="http://schemas.openxmlformats.org/presentationml/2006/main">
+  <p:cSld>
+    <p:spTree>
+      <p:nvGrpSpPr>
+        <p:cNvPr id="1" name=""/>
+        <p:cNvGrpSpPr/>
+        <p:nvPr/>
+      </p:nvGrpSpPr>
+      <p:grpSpPr>
+        <a:xfrm>
+          <a:off x="0" y="0"/>
+          <a:ext cx="0" cy="0"/>
+          <a:chOff x="0" y="0"/>
+          <a:chExt cx="0" cy="0"/>
+        </a:xfrm>
+      </p:grpSpPr>
+      <p:sp>
+        <p:nvSpPr>
+          <p:cNvPr id="2" name="Title 1"/>
+          <p:cNvSpPr>
+            <a:spLocks noGrp="1"/>
+          </p:cNvSpPr>
+          <p:nvPr>
+            <p:ph type="title"/>
+          </p:nvPr>
+        </p:nvSpPr>
+        <p:spPr/>
+        <p:txBody>
           <a:bodyPr>
             <a:normAutofit/>
           </a:bodyPr>
@@ -7871,7 +8304,7 @@
             </a:pPr>
             <a:fld id="{6199AAC8-460C-4911-9FFB-701238C59D0B}" type="datetime4">
               <a:rPr lang="en-US" sz="4400" i="1"/>
-              <a:t>April 4, 2021</a:t>
+              <a:t>April 5, 2021</a:t>
             </a:fld>
             <a:endParaRPr lang="en-US" sz="4400" i="1" dirty="0"/>
           </a:p>
@@ -7955,13 +8388,13 @@
         </p:nvSpPr>
         <p:spPr>
           <a:xfrm>
-            <a:off x="680322" y="2336873"/>
-            <a:ext cx="3607900" cy="3599316"/>
+            <a:off x="680321" y="2336873"/>
+            <a:ext cx="4606381" cy="3599316"/>
           </a:xfrm>
         </p:spPr>
         <p:txBody>
           <a:bodyPr>
-            <a:normAutofit lnSpcReduction="10000"/>
+            <a:normAutofit fontScale="92500"/>
           </a:bodyPr>
           <a:lstStyle/>
           <a:p>
@@ -7972,14 +8405,18 @@
           </a:p>
           <a:p>
             <a:r>
+              <a:rPr lang="en-US" dirty="0"/>
+              <a:t>Gradient </a:t>
+            </a:r>
+            <a:r>
               <a:rPr lang="en-US" dirty="0" smtClean="0"/>
-              <a:t>Momentum</a:t>
+              <a:t>Descent w/ Momentum</a:t>
             </a:r>
           </a:p>
           <a:p>
             <a:r>
               <a:rPr lang="en-US" dirty="0" smtClean="0"/>
-              <a:t>Prim’s Algorithm</a:t>
+              <a:t>Greedy (Prim’s) Algorithm</a:t>
             </a:r>
           </a:p>
           <a:p>
@@ -8511,11 +8948,7 @@
             </a:r>
             <a:r>
               <a:rPr lang="en-US" sz="3600" dirty="0" smtClean="0"/>
-              <a:t>(0.01</a:t>
-            </a:r>
-            <a:r>
-              <a:rPr lang="en-US" sz="3600" dirty="0" smtClean="0"/>
-              <a:t>)</a:t>
+              <a:t>(0.01)</a:t>
             </a:r>
           </a:p>
           <a:p>
@@ -9679,7 +10112,12 @@
             <p:ph idx="1"/>
           </p:nvPr>
         </p:nvSpPr>
-        <p:spPr/>
+        <p:spPr>
+          <a:xfrm>
+            <a:off x="680321" y="1986456"/>
+            <a:ext cx="9613861" cy="4871544"/>
+          </a:xfrm>
+        </p:spPr>
         <p:txBody>
           <a:bodyPr>
             <a:normAutofit/>
@@ -9832,7 +10270,57 @@
             </a:r>
             <a:r>
               <a:rPr lang="en-US" dirty="0" smtClean="0"/>
-              <a:t> d [ u ] + w ( u, v )</a:t>
+              <a:t> d [ u ] + w ( u, v ) </a:t>
+            </a:r>
+            <a:endParaRPr lang="en-US" dirty="0" smtClean="0"/>
+          </a:p>
+          <a:p>
+            <a:pPr marL="0" indent="0">
+              <a:buNone/>
+            </a:pPr>
+            <a:r>
+              <a:rPr lang="en-US" dirty="0" smtClean="0"/>
+              <a:t>For each edge (</a:t>
+            </a:r>
+            <a:r>
+              <a:rPr lang="en-US" dirty="0" err="1" smtClean="0"/>
+              <a:t>u,v</a:t>
+            </a:r>
+            <a:r>
+              <a:rPr lang="en-US" dirty="0" smtClean="0"/>
+              <a:t>) </a:t>
+            </a:r>
+            <a:r>
+              <a:rPr lang="en-US" dirty="0">
+                <a:latin typeface="Lucida Sans Typewriter" panose="020B0509030504030204" pitchFamily="49" charset="0"/>
+              </a:rPr>
+              <a:t>ϵ </a:t>
+            </a:r>
+            <a:r>
+              <a:rPr lang="en-US" dirty="0" smtClean="0"/>
+              <a:t>E</a:t>
+            </a:r>
+          </a:p>
+          <a:p>
+            <a:pPr marL="0" indent="0">
+              <a:buNone/>
+            </a:pPr>
+            <a:r>
+              <a:rPr lang="en-US" dirty="0" smtClean="0"/>
+              <a:t>	do if d [ v ] &gt; d [ u ] + w ( d, v )</a:t>
+            </a:r>
+          </a:p>
+          <a:p>
+            <a:pPr marL="0" indent="0">
+              <a:buNone/>
+            </a:pPr>
+            <a:r>
+              <a:rPr lang="en-US" dirty="0"/>
+              <a:t>	</a:t>
+            </a:r>
+            <a:r>
+              <a:rPr lang="en-US" dirty="0" smtClean="0"/>
+              <a:t>	then fail (negative cycle exists)</a:t>
             </a:r>
             <a:endParaRPr lang="en-US" dirty="0"/>
           </a:p>
@@ -9887,16 +10375,26 @@
           <a:p>
             <a:pPr algn="ctr"/>
             <a:r>
-              <a:rPr lang="en-US" sz="7200" b="1" dirty="0" smtClean="0">
+              <a:rPr lang="en-US" sz="4800" b="1" dirty="0">
                 <a:solidFill>
                   <a:srgbClr val="92D050"/>
                 </a:solidFill>
                 <a:latin typeface="Times New Roman" panose="02020603050405020304" pitchFamily="18" charset="0"/>
                 <a:cs typeface="Times New Roman" panose="02020603050405020304" pitchFamily="18" charset="0"/>
               </a:rPr>
-              <a:t>Future Work</a:t>
-            </a:r>
-            <a:endParaRPr lang="en-US" sz="7200" b="1" dirty="0">
+              <a:t>Dynamic </a:t>
+            </a:r>
+            <a:r>
+              <a:rPr lang="en-US" sz="4800" b="1" dirty="0" smtClean="0">
+                <a:solidFill>
+                  <a:srgbClr val="92D050"/>
+                </a:solidFill>
+                <a:latin typeface="Times New Roman" panose="02020603050405020304" pitchFamily="18" charset="0"/>
+                <a:cs typeface="Times New Roman" panose="02020603050405020304" pitchFamily="18" charset="0"/>
+              </a:rPr>
+              <a:t>Programming</a:t>
+            </a:r>
+            <a:endParaRPr lang="en-US" sz="4800" b="1" dirty="0">
               <a:solidFill>
                 <a:srgbClr val="92D050"/>
               </a:solidFill>
@@ -9918,71 +10416,154 @@
         </p:nvSpPr>
         <p:spPr>
           <a:xfrm>
-            <a:off x="2827283" y="2336873"/>
-            <a:ext cx="7466899" cy="3599316"/>
+            <a:off x="2385848" y="2336873"/>
+            <a:ext cx="7908334" cy="3599316"/>
           </a:xfrm>
         </p:spPr>
         <p:txBody>
           <a:bodyPr/>
           <a:lstStyle/>
           <a:p>
+            <a:endParaRPr lang="en-US" dirty="0" smtClean="0"/>
+          </a:p>
+          <a:p>
+            <a:pPr marL="0" indent="0">
+              <a:buNone/>
+            </a:pPr>
+            <a:r>
+              <a:rPr lang="en-US" dirty="0" smtClean="0"/>
+              <a:t>LCS ( x, y, </a:t>
+            </a:r>
+            <a:r>
+              <a:rPr lang="en-US" dirty="0" err="1" smtClean="0"/>
+              <a:t>i</a:t>
+            </a:r>
+            <a:r>
+              <a:rPr lang="en-US" dirty="0" smtClean="0"/>
+              <a:t>, j )</a:t>
+            </a:r>
+          </a:p>
+          <a:p>
+            <a:pPr marL="0" indent="0">
+              <a:buNone/>
+            </a:pPr>
+            <a:r>
+              <a:rPr lang="en-US" dirty="0" smtClean="0"/>
+              <a:t>If x [ I ] = y [ j ]</a:t>
+            </a:r>
+          </a:p>
+          <a:p>
+            <a:pPr marL="457200" lvl="1" indent="0">
+              <a:buNone/>
+            </a:pPr>
+            <a:r>
+              <a:rPr lang="en-US" dirty="0" smtClean="0"/>
+              <a:t>Then c [ </a:t>
+            </a:r>
+            <a:r>
+              <a:rPr lang="en-US" dirty="0" err="1" smtClean="0"/>
+              <a:t>i</a:t>
+            </a:r>
+            <a:r>
+              <a:rPr lang="en-US" dirty="0" smtClean="0"/>
+              <a:t>, j ]</a:t>
+            </a:r>
+            <a:r>
+              <a:rPr lang="en-US" dirty="0" smtClean="0">
+                <a:sym typeface="Wingdings" panose="05000000000000000000" pitchFamily="2" charset="2"/>
+              </a:rPr>
+              <a:t> </a:t>
+            </a:r>
+            <a:r>
+              <a:rPr lang="en-US" dirty="0">
+                <a:sym typeface="Wingdings" panose="05000000000000000000" pitchFamily="2" charset="2"/>
+              </a:rPr>
+              <a:t> </a:t>
+            </a:r>
+            <a:r>
+              <a:rPr lang="en-US" dirty="0" smtClean="0"/>
+              <a:t>LCS ( x, y, i-1, j-1 ) + 1</a:t>
+            </a:r>
+          </a:p>
+          <a:p>
+            <a:pPr marL="457200" lvl="1" indent="0">
+              <a:buNone/>
+            </a:pPr>
+            <a:r>
+              <a:rPr lang="en-US" dirty="0" smtClean="0"/>
+              <a:t>Else c [ </a:t>
+            </a:r>
+            <a:r>
+              <a:rPr lang="en-US" dirty="0" err="1" smtClean="0"/>
+              <a:t>i</a:t>
+            </a:r>
+            <a:r>
+              <a:rPr lang="en-US" dirty="0" smtClean="0"/>
+              <a:t>, j ]</a:t>
+            </a:r>
+            <a:r>
+              <a:rPr lang="en-US" dirty="0" smtClean="0">
+                <a:sym typeface="Wingdings" panose="05000000000000000000" pitchFamily="2" charset="2"/>
+              </a:rPr>
+              <a:t> </a:t>
+            </a:r>
+            <a:r>
+              <a:rPr lang="en-US" dirty="0">
+                <a:sym typeface="Wingdings" panose="05000000000000000000" pitchFamily="2" charset="2"/>
+              </a:rPr>
+              <a:t> </a:t>
+            </a:r>
+            <a:r>
+              <a:rPr lang="en-US" dirty="0" smtClean="0"/>
+              <a:t>max { LCS ( x, y, i-1, j ), LCS ( x, y, </a:t>
+            </a:r>
+            <a:r>
+              <a:rPr lang="en-US" dirty="0" err="1" smtClean="0"/>
+              <a:t>i</a:t>
+            </a:r>
+            <a:r>
+              <a:rPr lang="en-US" dirty="0" smtClean="0"/>
+              <a:t>, j-1 )  }</a:t>
+            </a:r>
+          </a:p>
+          <a:p>
+            <a:pPr marL="0" indent="0">
+              <a:buNone/>
+            </a:pPr>
+            <a:r>
+              <a:rPr lang="en-US" dirty="0" smtClean="0"/>
+              <a:t>Return c [ </a:t>
+            </a:r>
+            <a:r>
+              <a:rPr lang="en-US" dirty="0" err="1" smtClean="0"/>
+              <a:t>i</a:t>
+            </a:r>
+            <a:r>
+              <a:rPr lang="en-US" dirty="0" smtClean="0"/>
+              <a:t>, j ]</a:t>
+            </a:r>
+          </a:p>
+          <a:p>
             <a:pPr marL="0" indent="0">
               <a:buNone/>
             </a:pPr>
             <a:endParaRPr lang="en-US" dirty="0"/>
           </a:p>
           <a:p>
+            <a:pPr marL="0" indent="0">
+              <a:buNone/>
+            </a:pPr>
             <a:r>
               <a:rPr lang="en-US" dirty="0" smtClean="0"/>
-              <a:t>Breadth </a:t>
-            </a:r>
-            <a:r>
-              <a:rPr lang="en-US" dirty="0"/>
-              <a:t>First Search</a:t>
-            </a:r>
-          </a:p>
-          <a:p>
-            <a:r>
-              <a:rPr lang="en-US" dirty="0" smtClean="0"/>
-              <a:t>A</a:t>
-            </a:r>
-            <a:r>
-              <a:rPr lang="en-US" dirty="0"/>
-              <a:t>*</a:t>
-            </a:r>
-          </a:p>
-          <a:p>
-            <a:r>
-              <a:rPr lang="en-US" dirty="0" smtClean="0"/>
-              <a:t>Bayesian Inference</a:t>
-            </a:r>
-          </a:p>
-          <a:p>
-            <a:r>
-              <a:rPr lang="en-US" dirty="0" smtClean="0"/>
-              <a:t>Kalman Filter</a:t>
-            </a:r>
-          </a:p>
-          <a:p>
-            <a:r>
-              <a:rPr lang="en-US" dirty="0" smtClean="0"/>
-              <a:t>Variational Method</a:t>
-            </a:r>
-            <a:endParaRPr lang="en-US" dirty="0" smtClean="0"/>
-          </a:p>
-          <a:p>
-            <a:r>
-              <a:rPr lang="en-US" dirty="0" smtClean="0"/>
-              <a:t>R*</a:t>
-            </a:r>
-            <a:endParaRPr lang="en-US" dirty="0"/>
+              <a:t>LCS – Least Common Subsequence</a:t>
+            </a:r>
           </a:p>
         </p:txBody>
       </p:sp>
     </p:spTree>
     <p:extLst>
       <p:ext uri="{BB962C8B-B14F-4D97-AF65-F5344CB8AC3E}">
-        <p14:creationId xmlns:p14="http://schemas.microsoft.com/office/powerpoint/2010/main" val="3314423995"/>
+        <p14:creationId xmlns:p14="http://schemas.microsoft.com/office/powerpoint/2010/main" val="2091861939"/>
       </p:ext>
     </p:extLst>
   </p:cSld>
@@ -10021,21 +10602,23 @@
         </p:nvSpPr>
         <p:spPr/>
         <p:txBody>
-          <a:bodyPr/>
+          <a:bodyPr>
+            <a:normAutofit/>
+          </a:bodyPr>
           <a:lstStyle/>
           <a:p>
             <a:pPr algn="ctr"/>
             <a:r>
-              <a:rPr lang="en-US" sz="4800" b="1" dirty="0" smtClean="0">
+              <a:rPr lang="en-US" sz="7200" b="1" dirty="0" smtClean="0">
                 <a:solidFill>
                   <a:srgbClr val="92D050"/>
                 </a:solidFill>
                 <a:latin typeface="Times New Roman" panose="02020603050405020304" pitchFamily="18" charset="0"/>
                 <a:cs typeface="Times New Roman" panose="02020603050405020304" pitchFamily="18" charset="0"/>
               </a:rPr>
-              <a:t>References</a:t>
-            </a:r>
-            <a:endParaRPr lang="en-US" sz="4800" b="1" dirty="0">
+              <a:t>Future Work</a:t>
+            </a:r>
+            <a:endParaRPr lang="en-US" sz="7200" b="1" dirty="0">
               <a:solidFill>
                 <a:srgbClr val="92D050"/>
               </a:solidFill>
@@ -10057,356 +10640,69 @@
         </p:nvSpPr>
         <p:spPr>
           <a:xfrm>
-            <a:off x="680322" y="2336873"/>
-            <a:ext cx="3607900" cy="3599316"/>
-          </a:xfrm>
-        </p:spPr>
-        <p:txBody>
-          <a:bodyPr>
-            <a:normAutofit lnSpcReduction="10000"/>
-          </a:bodyPr>
+            <a:off x="2827283" y="2336873"/>
+            <a:ext cx="7466899" cy="3599316"/>
+          </a:xfrm>
+        </p:spPr>
+        <p:txBody>
+          <a:bodyPr/>
           <a:lstStyle/>
           <a:p>
-            <a:pPr marL="457200" indent="-457200">
-              <a:buFont typeface="+mj-lt"/>
-              <a:buAutoNum type="arabicPeriod"/>
-            </a:pPr>
             <a:r>
               <a:rPr lang="en-US" dirty="0" smtClean="0"/>
-              <a:t>Gradient Descent</a:t>
-            </a:r>
-          </a:p>
-          <a:p>
-            <a:pPr marL="457200" indent="-457200">
-              <a:buFont typeface="+mj-lt"/>
-              <a:buAutoNum type="arabicPeriod"/>
-            </a:pPr>
+              <a:t>Fibonacci Heap</a:t>
+            </a:r>
+          </a:p>
+          <a:p>
             <a:r>
               <a:rPr lang="en-US" dirty="0" smtClean="0"/>
-              <a:t>Momentum</a:t>
-            </a:r>
-          </a:p>
-          <a:p>
-            <a:pPr marL="457200" indent="-457200">
-              <a:buFont typeface="+mj-lt"/>
-              <a:buAutoNum type="arabicPeriod"/>
-            </a:pPr>
+              <a:t>Binary Heap</a:t>
+            </a:r>
+            <a:endParaRPr lang="en-US" dirty="0" smtClean="0"/>
+          </a:p>
+          <a:p>
             <a:r>
               <a:rPr lang="en-US" dirty="0" smtClean="0"/>
-              <a:t>Prim’s Algorithm</a:t>
-            </a:r>
-          </a:p>
-          <a:p>
-            <a:pPr marL="457200" indent="-457200">
-              <a:buFont typeface="+mj-lt"/>
-              <a:buAutoNum type="arabicPeriod"/>
-            </a:pPr>
-            <a:r>
-              <a:rPr lang="en-US" dirty="0" err="1" smtClean="0"/>
-              <a:t>Dijkstra’s</a:t>
+              <a:t>Nonlinear </a:t>
+            </a:r>
+            <a:r>
+              <a:rPr lang="en-US" dirty="0"/>
+              <a:t>Programming</a:t>
+            </a:r>
+          </a:p>
+          <a:p>
+            <a:r>
+              <a:rPr lang="en-US" dirty="0"/>
+              <a:t>Simplex </a:t>
             </a:r>
             <a:r>
               <a:rPr lang="en-US" dirty="0" smtClean="0"/>
-              <a:t> Algorithm</a:t>
-            </a:r>
-          </a:p>
-          <a:p>
-            <a:pPr marL="457200" indent="-457200">
-              <a:buFont typeface="+mj-lt"/>
-              <a:buAutoNum type="arabicPeriod"/>
-            </a:pPr>
+              <a:t>Algorithm</a:t>
+            </a:r>
+          </a:p>
+          <a:p>
             <a:r>
               <a:rPr lang="en-US" dirty="0" smtClean="0"/>
-              <a:t>Bellman-Ford</a:t>
-            </a:r>
-          </a:p>
-          <a:p>
-            <a:pPr marL="457200" indent="-457200">
-              <a:buFont typeface="+mj-lt"/>
-              <a:buAutoNum type="arabicPeriod"/>
-            </a:pPr>
+              <a:t>Integer </a:t>
+            </a:r>
             <a:r>
               <a:rPr lang="en-US" dirty="0" smtClean="0"/>
-              <a:t>A*</a:t>
-            </a:r>
-          </a:p>
-          <a:p>
-            <a:pPr marL="457200" indent="-457200">
-              <a:buFont typeface="+mj-lt"/>
-              <a:buAutoNum type="arabicPeriod"/>
-            </a:pPr>
+              <a:t>Programming</a:t>
+            </a:r>
+          </a:p>
+          <a:p>
             <a:r>
               <a:rPr lang="en-US" dirty="0" smtClean="0"/>
-              <a:t>Bayesian Inference</a:t>
-            </a:r>
-          </a:p>
-          <a:p>
-            <a:pPr marL="457200" indent="-457200">
-              <a:buFont typeface="+mj-lt"/>
-              <a:buAutoNum type="arabicPeriod"/>
-            </a:pPr>
-            <a:r>
-              <a:rPr lang="en-US" dirty="0" smtClean="0"/>
-              <a:t>R*</a:t>
-            </a:r>
-            <a:endParaRPr lang="en-US" dirty="0"/>
-          </a:p>
-        </p:txBody>
-      </p:sp>
-      <p:sp>
-        <p:nvSpPr>
-          <p:cNvPr id="4" name="Content Placeholder 2"/>
-          <p:cNvSpPr txBox="1">
-            <a:spLocks/>
-          </p:cNvSpPr>
-          <p:nvPr/>
-        </p:nvSpPr>
-        <p:spPr>
-          <a:xfrm>
-            <a:off x="5804101" y="2268563"/>
-            <a:ext cx="3928478" cy="3599316"/>
-          </a:xfrm>
-          <a:prstGeom prst="rect">
-            <a:avLst/>
-          </a:prstGeom>
-        </p:spPr>
-        <p:txBody>
-          <a:bodyPr vert="horz" lIns="91440" tIns="45720" rIns="91440" bIns="45720" rtlCol="0">
-            <a:normAutofit/>
-          </a:bodyPr>
-          <a:lstStyle>
-            <a:lvl1pPr marL="228600" indent="-228600" algn="l" defTabSz="914400" rtl="0" eaLnBrk="1" latinLnBrk="0" hangingPunct="1">
-              <a:lnSpc>
-                <a:spcPct val="90000"/>
-              </a:lnSpc>
-              <a:spcBef>
-                <a:spcPts val="1000"/>
-              </a:spcBef>
-              <a:buFont typeface="Arial" panose="020B0604020202020204" pitchFamily="34" charset="0"/>
-              <a:buChar char="•"/>
-              <a:defRPr sz="2400" kern="1200">
-                <a:solidFill>
-                  <a:schemeClr val="tx1"/>
-                </a:solidFill>
-                <a:latin typeface="+mn-lt"/>
-                <a:ea typeface="+mn-ea"/>
-                <a:cs typeface="+mn-cs"/>
-              </a:defRPr>
-            </a:lvl1pPr>
-            <a:lvl2pPr marL="685800" indent="-228600" algn="l" defTabSz="914400" rtl="0" eaLnBrk="1" latinLnBrk="0" hangingPunct="1">
-              <a:lnSpc>
-                <a:spcPct val="90000"/>
-              </a:lnSpc>
-              <a:spcBef>
-                <a:spcPts val="500"/>
-              </a:spcBef>
-              <a:buFont typeface="Arial" panose="020B0604020202020204" pitchFamily="34" charset="0"/>
-              <a:buChar char="•"/>
-              <a:defRPr sz="2000" kern="1200">
-                <a:solidFill>
-                  <a:schemeClr val="tx1"/>
-                </a:solidFill>
-                <a:latin typeface="+mn-lt"/>
-                <a:ea typeface="+mn-ea"/>
-                <a:cs typeface="+mn-cs"/>
-              </a:defRPr>
-            </a:lvl2pPr>
-            <a:lvl3pPr marL="1143000" indent="-228600" algn="l" defTabSz="914400" rtl="0" eaLnBrk="1" latinLnBrk="0" hangingPunct="1">
-              <a:lnSpc>
-                <a:spcPct val="90000"/>
-              </a:lnSpc>
-              <a:spcBef>
-                <a:spcPts val="500"/>
-              </a:spcBef>
-              <a:buFont typeface="Arial" panose="020B0604020202020204" pitchFamily="34" charset="0"/>
-              <a:buChar char="•"/>
-              <a:defRPr sz="1800" kern="1200">
-                <a:solidFill>
-                  <a:schemeClr val="tx1"/>
-                </a:solidFill>
-                <a:latin typeface="+mn-lt"/>
-                <a:ea typeface="+mn-ea"/>
-                <a:cs typeface="+mn-cs"/>
-              </a:defRPr>
-            </a:lvl3pPr>
-            <a:lvl4pPr marL="1600200" indent="-228600" algn="l" defTabSz="914400" rtl="0" eaLnBrk="1" latinLnBrk="0" hangingPunct="1">
-              <a:lnSpc>
-                <a:spcPct val="90000"/>
-              </a:lnSpc>
-              <a:spcBef>
-                <a:spcPts val="500"/>
-              </a:spcBef>
-              <a:buFont typeface="Arial" panose="020B0604020202020204" pitchFamily="34" charset="0"/>
-              <a:buChar char="•"/>
-              <a:defRPr sz="1600" kern="1200">
-                <a:solidFill>
-                  <a:schemeClr val="tx1"/>
-                </a:solidFill>
-                <a:latin typeface="+mn-lt"/>
-                <a:ea typeface="+mn-ea"/>
-                <a:cs typeface="+mn-cs"/>
-              </a:defRPr>
-            </a:lvl4pPr>
-            <a:lvl5pPr marL="2057400" indent="-228600" algn="l" defTabSz="914400" rtl="0" eaLnBrk="1" latinLnBrk="0" hangingPunct="1">
-              <a:lnSpc>
-                <a:spcPct val="90000"/>
-              </a:lnSpc>
-              <a:spcBef>
-                <a:spcPts val="500"/>
-              </a:spcBef>
-              <a:buFont typeface="Arial" panose="020B0604020202020204" pitchFamily="34" charset="0"/>
-              <a:buChar char="•"/>
-              <a:defRPr sz="1600" kern="1200">
-                <a:solidFill>
-                  <a:schemeClr val="tx1"/>
-                </a:solidFill>
-                <a:latin typeface="+mn-lt"/>
-                <a:ea typeface="+mn-ea"/>
-                <a:cs typeface="+mn-cs"/>
-              </a:defRPr>
-            </a:lvl5pPr>
-            <a:lvl6pPr marL="2514600" indent="-228600" algn="l" defTabSz="914400" rtl="0" eaLnBrk="1" latinLnBrk="0" hangingPunct="1">
-              <a:lnSpc>
-                <a:spcPct val="90000"/>
-              </a:lnSpc>
-              <a:spcBef>
-                <a:spcPts val="500"/>
-              </a:spcBef>
-              <a:buFont typeface="Arial" panose="020B0604020202020204" pitchFamily="34" charset="0"/>
-              <a:buChar char="•"/>
-              <a:defRPr sz="1400" kern="1200">
-                <a:solidFill>
-                  <a:schemeClr val="tx1"/>
-                </a:solidFill>
-                <a:latin typeface="+mn-lt"/>
-                <a:ea typeface="+mn-ea"/>
-                <a:cs typeface="+mn-cs"/>
-              </a:defRPr>
-            </a:lvl6pPr>
-            <a:lvl7pPr marL="2971800" indent="-228600" algn="l" defTabSz="914400" rtl="0" eaLnBrk="1" latinLnBrk="0" hangingPunct="1">
-              <a:lnSpc>
-                <a:spcPct val="90000"/>
-              </a:lnSpc>
-              <a:spcBef>
-                <a:spcPts val="500"/>
-              </a:spcBef>
-              <a:buFont typeface="Arial" panose="020B0604020202020204" pitchFamily="34" charset="0"/>
-              <a:buChar char="•"/>
-              <a:defRPr sz="1400" kern="1200">
-                <a:solidFill>
-                  <a:schemeClr val="tx1"/>
-                </a:solidFill>
-                <a:latin typeface="+mn-lt"/>
-                <a:ea typeface="+mn-ea"/>
-                <a:cs typeface="+mn-cs"/>
-              </a:defRPr>
-            </a:lvl7pPr>
-            <a:lvl8pPr marL="3429000" indent="-228600" algn="l" defTabSz="914400" rtl="0" eaLnBrk="1" latinLnBrk="0" hangingPunct="1">
-              <a:lnSpc>
-                <a:spcPct val="90000"/>
-              </a:lnSpc>
-              <a:spcBef>
-                <a:spcPts val="500"/>
-              </a:spcBef>
-              <a:buFont typeface="Arial" panose="020B0604020202020204" pitchFamily="34" charset="0"/>
-              <a:buChar char="•"/>
-              <a:defRPr sz="1400" kern="1200">
-                <a:solidFill>
-                  <a:schemeClr val="tx1"/>
-                </a:solidFill>
-                <a:latin typeface="+mn-lt"/>
-                <a:ea typeface="+mn-ea"/>
-                <a:cs typeface="+mn-cs"/>
-              </a:defRPr>
-            </a:lvl8pPr>
-            <a:lvl9pPr marL="3886200" indent="-228600" algn="l" defTabSz="914400" rtl="0" eaLnBrk="1" latinLnBrk="0" hangingPunct="1">
-              <a:lnSpc>
-                <a:spcPct val="90000"/>
-              </a:lnSpc>
-              <a:spcBef>
-                <a:spcPts val="500"/>
-              </a:spcBef>
-              <a:buFont typeface="Arial" panose="020B0604020202020204" pitchFamily="34" charset="0"/>
-              <a:buChar char="•"/>
-              <a:defRPr sz="1400" kern="1200">
-                <a:solidFill>
-                  <a:schemeClr val="tx1"/>
-                </a:solidFill>
-                <a:latin typeface="+mn-lt"/>
-                <a:ea typeface="+mn-ea"/>
-                <a:cs typeface="+mn-cs"/>
-              </a:defRPr>
-            </a:lvl9pPr>
-          </a:lstStyle>
-          <a:p>
-            <a:pPr marL="457200" indent="-457200">
-              <a:buFont typeface="+mj-lt"/>
-              <a:buAutoNum type="arabicPeriod"/>
-            </a:pPr>
-            <a:r>
-              <a:rPr lang="en-US" dirty="0" smtClean="0"/>
-              <a:t>Simplex Algorithm</a:t>
-            </a:r>
-          </a:p>
-          <a:p>
-            <a:pPr marL="457200" indent="-457200">
-              <a:buFont typeface="+mj-lt"/>
-              <a:buAutoNum type="arabicPeriod"/>
-            </a:pPr>
-            <a:r>
-              <a:rPr lang="en-US" dirty="0" smtClean="0"/>
-              <a:t>Kalman Filter</a:t>
-            </a:r>
-          </a:p>
-          <a:p>
-            <a:pPr marL="457200" indent="-457200">
-              <a:buFont typeface="+mj-lt"/>
-              <a:buAutoNum type="arabicPeriod"/>
-            </a:pPr>
-            <a:r>
-              <a:rPr lang="en-US" dirty="0" smtClean="0"/>
-              <a:t>Variational Method</a:t>
-            </a:r>
-          </a:p>
-          <a:p>
-            <a:pPr marL="457200" indent="-457200">
-              <a:buFont typeface="+mj-lt"/>
-              <a:buAutoNum type="arabicPeriod"/>
-            </a:pPr>
-            <a:r>
-              <a:rPr lang="en-US" dirty="0" smtClean="0"/>
-              <a:t>Dynamic Programming</a:t>
-            </a:r>
-          </a:p>
-          <a:p>
-            <a:pPr marL="457200" indent="-457200">
-              <a:buFont typeface="+mj-lt"/>
-              <a:buAutoNum type="arabicPeriod"/>
-            </a:pPr>
-            <a:r>
-              <a:rPr lang="en-US" dirty="0" smtClean="0"/>
-              <a:t>Nonlinear Programming</a:t>
-            </a:r>
-          </a:p>
-          <a:p>
-            <a:pPr marL="457200" indent="-457200">
-              <a:buFont typeface="+mj-lt"/>
-              <a:buAutoNum type="arabicPeriod"/>
-            </a:pPr>
-            <a:r>
-              <a:rPr lang="en-US" dirty="0" smtClean="0"/>
-              <a:t>Map-Reduce</a:t>
-            </a:r>
-          </a:p>
-          <a:p>
-            <a:pPr marL="457200" indent="-457200">
-              <a:buFont typeface="+mj-lt"/>
-              <a:buAutoNum type="arabicPeriod"/>
-            </a:pPr>
-            <a:r>
-              <a:rPr lang="en-US" dirty="0" smtClean="0"/>
-              <a:t>Hadoop</a:t>
-            </a:r>
+              <a:t>Stochastic Gradient Descent</a:t>
+            </a:r>
+          </a:p>
+          <a:p>
+            <a:r>
+              <a:rPr lang="en-US" dirty="0"/>
+              <a:t>Simulated Annealing</a:t>
+            </a:r>
+          </a:p>
+          <a:p>
             <a:endParaRPr lang="en-US" dirty="0"/>
           </a:p>
         </p:txBody>
@@ -10414,7 +10710,7 @@
     </p:spTree>
     <p:extLst>
       <p:ext uri="{BB962C8B-B14F-4D97-AF65-F5344CB8AC3E}">
-        <p14:creationId xmlns:p14="http://schemas.microsoft.com/office/powerpoint/2010/main" val="1534572829"/>
+        <p14:creationId xmlns:p14="http://schemas.microsoft.com/office/powerpoint/2010/main" val="3314423995"/>
       </p:ext>
     </p:extLst>
   </p:cSld>

--- a/AI_Cheat_Sheet.pptx
+++ b/AI_Cheat_Sheet.pptx
@@ -13,9 +13,12 @@
     <p:sldId id="262" r:id="rId7"/>
     <p:sldId id="263" r:id="rId8"/>
     <p:sldId id="266" r:id="rId9"/>
-    <p:sldId id="261" r:id="rId10"/>
-    <p:sldId id="264" r:id="rId11"/>
-    <p:sldId id="260" r:id="rId12"/>
+    <p:sldId id="267" r:id="rId10"/>
+    <p:sldId id="268" r:id="rId11"/>
+    <p:sldId id="269" r:id="rId12"/>
+    <p:sldId id="261" r:id="rId13"/>
+    <p:sldId id="264" r:id="rId14"/>
+    <p:sldId id="260" r:id="rId15"/>
   </p:sldIdLst>
   <p:sldSz cx="12192000" cy="6858000"/>
   <p:notesSz cx="6858000" cy="9144000"/>
@@ -396,7 +399,7 @@
           <a:p>
             <a:fld id="{78ABE3C1-DBE1-495D-B57B-2849774B866A}" type="datetimeFigureOut">
               <a:rPr lang="en-US" dirty="0"/>
-              <a:t>4/5/2021</a:t>
+              <a:t>4/6/2021</a:t>
             </a:fld>
             <a:endParaRPr lang="en-US" dirty="0"/>
           </a:p>
@@ -805,7 +808,7 @@
           <a:p>
             <a:fld id="{446C117F-5CCF-4837-BE5F-2B92066CAFAF}" type="datetimeFigureOut">
               <a:rPr lang="en-US" dirty="0"/>
-              <a:t>4/5/2021</a:t>
+              <a:t>4/6/2021</a:t>
             </a:fld>
             <a:endParaRPr lang="en-US" dirty="0"/>
           </a:p>
@@ -1136,7 +1139,7 @@
           <a:p>
             <a:fld id="{84EB90BD-B6CE-46B7-997F-7313B992CCDC}" type="datetimeFigureOut">
               <a:rPr lang="en-US" dirty="0"/>
-              <a:t>4/5/2021</a:t>
+              <a:t>4/6/2021</a:t>
             </a:fld>
             <a:endParaRPr lang="en-US" dirty="0"/>
           </a:p>
@@ -1536,7 +1539,7 @@
           <a:p>
             <a:fld id="{CDB9D11F-B188-461D-B23F-39381795C052}" type="datetimeFigureOut">
               <a:rPr lang="en-US" dirty="0"/>
-              <a:t>4/5/2021</a:t>
+              <a:t>4/6/2021</a:t>
             </a:fld>
             <a:endParaRPr lang="en-US" dirty="0"/>
           </a:p>
@@ -2099,7 +2102,7 @@
           <a:p>
             <a:fld id="{52E6D8D9-55A2-4063-B0F3-121F44549695}" type="datetimeFigureOut">
               <a:rPr lang="en-US" dirty="0"/>
-              <a:t>4/5/2021</a:t>
+              <a:t>4/6/2021</a:t>
             </a:fld>
             <a:endParaRPr lang="en-US" dirty="0"/>
           </a:p>
@@ -2775,7 +2778,7 @@
           <a:p>
             <a:fld id="{D4B24536-994D-4021-A283-9F449C0DB509}" type="datetimeFigureOut">
               <a:rPr lang="en-US" dirty="0"/>
-              <a:t>4/5/2021</a:t>
+              <a:t>4/6/2021</a:t>
             </a:fld>
             <a:endParaRPr lang="en-US" dirty="0"/>
           </a:p>
@@ -3683,7 +3686,7 @@
           <a:p>
             <a:fld id="{3CBBBB78-C96F-47B7-AB17-D852CA960AC9}" type="datetimeFigureOut">
               <a:rPr lang="en-US" dirty="0"/>
-              <a:t>4/5/2021</a:t>
+              <a:t>4/6/2021</a:t>
             </a:fld>
             <a:endParaRPr lang="en-US" dirty="0"/>
           </a:p>
@@ -3991,7 +3994,7 @@
           <a:p>
             <a:fld id="{1FA3F48C-C7C6-4055-9F49-3777875E72AE}" type="datetimeFigureOut">
               <a:rPr lang="en-US" dirty="0"/>
-              <a:t>4/5/2021</a:t>
+              <a:t>4/6/2021</a:t>
             </a:fld>
             <a:endParaRPr lang="en-US" dirty="0"/>
           </a:p>
@@ -4250,7 +4253,7 @@
           <a:p>
             <a:fld id="{6178E61D-D431-422C-9764-11DAFE33AB63}" type="datetimeFigureOut">
               <a:rPr lang="en-US" dirty="0"/>
-              <a:t>4/5/2021</a:t>
+              <a:t>4/6/2021</a:t>
             </a:fld>
             <a:endParaRPr lang="en-US" dirty="0"/>
           </a:p>
@@ -4569,7 +4572,7 @@
           <a:p>
             <a:fld id="{12DE42F4-6EEF-4EF7-8ED4-2208F0F89A08}" type="datetimeFigureOut">
               <a:rPr lang="en-US" dirty="0"/>
-              <a:t>4/5/2021</a:t>
+              <a:t>4/6/2021</a:t>
             </a:fld>
             <a:endParaRPr lang="en-US" dirty="0"/>
           </a:p>
@@ -4953,7 +4956,7 @@
           <a:p>
             <a:fld id="{30578ACC-22D6-47C1-A373-4FD133E34F3C}" type="datetimeFigureOut">
               <a:rPr lang="en-US" dirty="0"/>
-              <a:t>4/5/2021</a:t>
+              <a:t>4/6/2021</a:t>
             </a:fld>
             <a:endParaRPr lang="en-US" dirty="0"/>
           </a:p>
@@ -5324,7 +5327,7 @@
           <a:p>
             <a:fld id="{4E5A6C69-6797-4E8A-BF37-F2C3751466E9}" type="datetimeFigureOut">
               <a:rPr lang="en-US" dirty="0"/>
-              <a:t>4/5/2021</a:t>
+              <a:t>4/6/2021</a:t>
             </a:fld>
             <a:endParaRPr lang="en-US" dirty="0"/>
           </a:p>
@@ -5825,7 +5828,7 @@
           <a:p>
             <a:fld id="{D82014A1-A632-4878-A0D3-F52BA7563730}" type="datetimeFigureOut">
               <a:rPr lang="en-US" dirty="0"/>
-              <a:t>4/5/2021</a:t>
+              <a:t>4/6/2021</a:t>
             </a:fld>
             <a:endParaRPr lang="en-US" dirty="0"/>
           </a:p>
@@ -6077,7 +6080,7 @@
           <a:p>
             <a:fld id="{CE99F462-093F-4566-844B-4C71F2739DA5}" type="datetimeFigureOut">
               <a:rPr lang="en-US" dirty="0"/>
-              <a:t>4/5/2021</a:t>
+              <a:t>4/6/2021</a:t>
             </a:fld>
             <a:endParaRPr lang="en-US" dirty="0"/>
           </a:p>
@@ -6235,7 +6238,7 @@
           <a:p>
             <a:fld id="{3D24A7AC-904D-4781-85BA-7D10C17ED021}" type="datetimeFigureOut">
               <a:rPr lang="en-US" dirty="0"/>
-              <a:t>4/5/2021</a:t>
+              <a:t>4/6/2021</a:t>
             </a:fld>
             <a:endParaRPr lang="en-US" dirty="0"/>
           </a:p>
@@ -6620,7 +6623,7 @@
           <a:p>
             <a:fld id="{E331444B-B92B-4E27-8C94-BB93EAF5CB18}" type="datetimeFigureOut">
               <a:rPr lang="en-US" dirty="0"/>
-              <a:t>4/5/2021</a:t>
+              <a:t>4/6/2021</a:t>
             </a:fld>
             <a:endParaRPr lang="en-US" dirty="0"/>
           </a:p>
@@ -7024,7 +7027,7 @@
           <a:p>
             <a:fld id="{363EFA5E-FA76-400D-B3DC-F0BA90E6D107}" type="datetimeFigureOut">
               <a:rPr lang="en-US" dirty="0"/>
-              <a:t>4/5/2021</a:t>
+              <a:t>4/6/2021</a:t>
             </a:fld>
             <a:endParaRPr lang="en-US" dirty="0"/>
           </a:p>
@@ -7263,7 +7266,7 @@
           <a:p>
             <a:fld id="{9D6E9DEC-419B-4CC5-A080-3B06BD5A8291}" type="datetimeFigureOut">
               <a:rPr lang="en-US" dirty="0"/>
-              <a:t>4/5/2021</a:t>
+              <a:t>4/6/2021</a:t>
             </a:fld>
             <a:endParaRPr lang="en-US" dirty="0"/>
           </a:p>
@@ -7802,6 +7805,332 @@
           <a:p>
             <a:pPr algn="ctr"/>
             <a:r>
+              <a:rPr lang="en-US" sz="7200" b="1" dirty="0" smtClean="0">
+                <a:solidFill>
+                  <a:srgbClr val="92D050"/>
+                </a:solidFill>
+                <a:latin typeface="Times New Roman" panose="02020603050405020304" pitchFamily="18" charset="0"/>
+                <a:cs typeface="Times New Roman" panose="02020603050405020304" pitchFamily="18" charset="0"/>
+              </a:rPr>
+              <a:t>IBID</a:t>
+            </a:r>
+            <a:endParaRPr lang="en-US" sz="7200" b="1" dirty="0">
+              <a:solidFill>
+                <a:srgbClr val="92D050"/>
+              </a:solidFill>
+              <a:latin typeface="Times New Roman" panose="02020603050405020304" pitchFamily="18" charset="0"/>
+              <a:cs typeface="Times New Roman" panose="02020603050405020304" pitchFamily="18" charset="0"/>
+            </a:endParaRPr>
+          </a:p>
+        </p:txBody>
+      </p:sp>
+      <p:pic>
+        <p:nvPicPr>
+          <p:cNvPr id="6" name="Content Placeholder 5"/>
+          <p:cNvPicPr>
+            <a:picLocks noGrp="1" noChangeAspect="1"/>
+          </p:cNvPicPr>
+          <p:nvPr>
+            <p:ph idx="1"/>
+          </p:nvPr>
+        </p:nvPicPr>
+        <p:blipFill>
+          <a:blip r:embed="rId2"/>
+          <a:stretch>
+            <a:fillRect/>
+          </a:stretch>
+        </p:blipFill>
+        <p:spPr>
+          <a:xfrm>
+            <a:off x="1933904" y="1975944"/>
+            <a:ext cx="7547204" cy="4874681"/>
+          </a:xfrm>
+          <a:prstGeom prst="rect">
+            <a:avLst/>
+          </a:prstGeom>
+        </p:spPr>
+      </p:pic>
+    </p:spTree>
+    <p:extLst>
+      <p:ext uri="{BB962C8B-B14F-4D97-AF65-F5344CB8AC3E}">
+        <p14:creationId xmlns:p14="http://schemas.microsoft.com/office/powerpoint/2010/main" val="3215370410"/>
+      </p:ext>
+    </p:extLst>
+  </p:cSld>
+  <p:clrMapOvr>
+    <a:masterClrMapping/>
+  </p:clrMapOvr>
+</p:sld>
+</file>
+
+<file path=ppt/slides/slide11.xml><?xml version="1.0" encoding="utf-8"?>
+<p:sld xmlns:a="http://schemas.openxmlformats.org/drawingml/2006/main" xmlns:r="http://schemas.openxmlformats.org/officeDocument/2006/relationships" xmlns:p="http://schemas.openxmlformats.org/presentationml/2006/main">
+  <p:cSld>
+    <p:spTree>
+      <p:nvGrpSpPr>
+        <p:cNvPr id="1" name=""/>
+        <p:cNvGrpSpPr/>
+        <p:nvPr/>
+      </p:nvGrpSpPr>
+      <p:grpSpPr>
+        <a:xfrm>
+          <a:off x="0" y="0"/>
+          <a:ext cx="0" cy="0"/>
+          <a:chOff x="0" y="0"/>
+          <a:chExt cx="0" cy="0"/>
+        </a:xfrm>
+      </p:grpSpPr>
+      <p:sp>
+        <p:nvSpPr>
+          <p:cNvPr id="2" name="Title 1"/>
+          <p:cNvSpPr>
+            <a:spLocks noGrp="1"/>
+          </p:cNvSpPr>
+          <p:nvPr>
+            <p:ph type="title"/>
+          </p:nvPr>
+        </p:nvSpPr>
+        <p:spPr/>
+        <p:txBody>
+          <a:bodyPr>
+            <a:noAutofit/>
+          </a:bodyPr>
+          <a:lstStyle/>
+          <a:p>
+            <a:pPr algn="ctr"/>
+            <a:r>
+              <a:rPr lang="en-US" sz="8000" b="1" dirty="0">
+                <a:solidFill>
+                  <a:srgbClr val="92D050"/>
+                </a:solidFill>
+                <a:latin typeface="Times New Roman" panose="02020603050405020304" pitchFamily="18" charset="0"/>
+                <a:cs typeface="Times New Roman" panose="02020603050405020304" pitchFamily="18" charset="0"/>
+              </a:rPr>
+              <a:t>IBID</a:t>
+            </a:r>
+            <a:endParaRPr lang="en-US" sz="8000" dirty="0"/>
+          </a:p>
+        </p:txBody>
+      </p:sp>
+      <p:pic>
+        <p:nvPicPr>
+          <p:cNvPr id="4" name="Content Placeholder 3"/>
+          <p:cNvPicPr>
+            <a:picLocks noGrp="1" noChangeAspect="1"/>
+          </p:cNvPicPr>
+          <p:nvPr>
+            <p:ph idx="1"/>
+          </p:nvPr>
+        </p:nvPicPr>
+        <p:blipFill>
+          <a:blip r:embed="rId2"/>
+          <a:stretch>
+            <a:fillRect/>
+          </a:stretch>
+        </p:blipFill>
+        <p:spPr>
+          <a:xfrm>
+            <a:off x="147149" y="1996966"/>
+            <a:ext cx="11836426" cy="4861034"/>
+          </a:xfrm>
+          <a:prstGeom prst="rect">
+            <a:avLst/>
+          </a:prstGeom>
+        </p:spPr>
+      </p:pic>
+    </p:spTree>
+    <p:extLst>
+      <p:ext uri="{BB962C8B-B14F-4D97-AF65-F5344CB8AC3E}">
+        <p14:creationId xmlns:p14="http://schemas.microsoft.com/office/powerpoint/2010/main" val="3378706443"/>
+      </p:ext>
+    </p:extLst>
+  </p:cSld>
+  <p:clrMapOvr>
+    <a:masterClrMapping/>
+  </p:clrMapOvr>
+</p:sld>
+</file>
+
+<file path=ppt/slides/slide12.xml><?xml version="1.0" encoding="utf-8"?>
+<p:sld xmlns:a="http://schemas.openxmlformats.org/drawingml/2006/main" xmlns:r="http://schemas.openxmlformats.org/officeDocument/2006/relationships" xmlns:p="http://schemas.openxmlformats.org/presentationml/2006/main">
+  <p:cSld>
+    <p:spTree>
+      <p:nvGrpSpPr>
+        <p:cNvPr id="1" name=""/>
+        <p:cNvGrpSpPr/>
+        <p:nvPr/>
+      </p:nvGrpSpPr>
+      <p:grpSpPr>
+        <a:xfrm>
+          <a:off x="0" y="0"/>
+          <a:ext cx="0" cy="0"/>
+          <a:chOff x="0" y="0"/>
+          <a:chExt cx="0" cy="0"/>
+        </a:xfrm>
+      </p:grpSpPr>
+      <p:sp>
+        <p:nvSpPr>
+          <p:cNvPr id="2" name="Title 1"/>
+          <p:cNvSpPr>
+            <a:spLocks noGrp="1"/>
+          </p:cNvSpPr>
+          <p:nvPr>
+            <p:ph type="title"/>
+          </p:nvPr>
+        </p:nvSpPr>
+        <p:spPr/>
+        <p:txBody>
+          <a:bodyPr>
+            <a:normAutofit/>
+          </a:bodyPr>
+          <a:lstStyle/>
+          <a:p>
+            <a:pPr algn="ctr"/>
+            <a:r>
+              <a:rPr lang="en-US" sz="7200" b="1" dirty="0" smtClean="0">
+                <a:solidFill>
+                  <a:srgbClr val="92D050"/>
+                </a:solidFill>
+                <a:latin typeface="Times New Roman" panose="02020603050405020304" pitchFamily="18" charset="0"/>
+                <a:cs typeface="Times New Roman" panose="02020603050405020304" pitchFamily="18" charset="0"/>
+              </a:rPr>
+              <a:t>Future Work</a:t>
+            </a:r>
+            <a:endParaRPr lang="en-US" sz="7200" b="1" dirty="0">
+              <a:solidFill>
+                <a:srgbClr val="92D050"/>
+              </a:solidFill>
+              <a:latin typeface="Times New Roman" panose="02020603050405020304" pitchFamily="18" charset="0"/>
+              <a:cs typeface="Times New Roman" panose="02020603050405020304" pitchFamily="18" charset="0"/>
+            </a:endParaRPr>
+          </a:p>
+        </p:txBody>
+      </p:sp>
+      <p:sp>
+        <p:nvSpPr>
+          <p:cNvPr id="3" name="Content Placeholder 2"/>
+          <p:cNvSpPr>
+            <a:spLocks noGrp="1"/>
+          </p:cNvSpPr>
+          <p:nvPr>
+            <p:ph idx="1"/>
+          </p:nvPr>
+        </p:nvSpPr>
+        <p:spPr>
+          <a:xfrm>
+            <a:off x="2827283" y="2336873"/>
+            <a:ext cx="7466899" cy="3599316"/>
+          </a:xfrm>
+        </p:spPr>
+        <p:txBody>
+          <a:bodyPr/>
+          <a:lstStyle/>
+          <a:p>
+            <a:r>
+              <a:rPr lang="en-US" dirty="0" smtClean="0"/>
+              <a:t>Fibonacci Heap</a:t>
+            </a:r>
+          </a:p>
+          <a:p>
+            <a:r>
+              <a:rPr lang="en-US" dirty="0" smtClean="0"/>
+              <a:t>Binary Heap</a:t>
+            </a:r>
+          </a:p>
+          <a:p>
+            <a:r>
+              <a:rPr lang="en-US" dirty="0"/>
+              <a:t>Simplex Algorithm</a:t>
+            </a:r>
+          </a:p>
+          <a:p>
+            <a:r>
+              <a:rPr lang="en-US" dirty="0" smtClean="0"/>
+              <a:t>Nonlinear </a:t>
+            </a:r>
+            <a:r>
+              <a:rPr lang="en-US" dirty="0"/>
+              <a:t>Programming</a:t>
+            </a:r>
+          </a:p>
+          <a:p>
+            <a:r>
+              <a:rPr lang="en-US" dirty="0"/>
+              <a:t>Stochastic Gradient Descent</a:t>
+            </a:r>
+          </a:p>
+          <a:p>
+            <a:r>
+              <a:rPr lang="en-US" dirty="0" smtClean="0"/>
+              <a:t>Integer </a:t>
+            </a:r>
+            <a:r>
+              <a:rPr lang="en-US" dirty="0" smtClean="0"/>
+              <a:t>Programming</a:t>
+            </a:r>
+          </a:p>
+          <a:p>
+            <a:r>
+              <a:rPr lang="en-US" dirty="0" smtClean="0"/>
+              <a:t>Simulated </a:t>
+            </a:r>
+            <a:r>
+              <a:rPr lang="en-US" dirty="0"/>
+              <a:t>Annealing</a:t>
+            </a:r>
+          </a:p>
+          <a:p>
+            <a:endParaRPr lang="en-US" dirty="0"/>
+          </a:p>
+        </p:txBody>
+      </p:sp>
+    </p:spTree>
+    <p:extLst>
+      <p:ext uri="{BB962C8B-B14F-4D97-AF65-F5344CB8AC3E}">
+        <p14:creationId xmlns:p14="http://schemas.microsoft.com/office/powerpoint/2010/main" val="3314423995"/>
+      </p:ext>
+    </p:extLst>
+  </p:cSld>
+  <p:clrMapOvr>
+    <a:masterClrMapping/>
+  </p:clrMapOvr>
+</p:sld>
+</file>
+
+<file path=ppt/slides/slide13.xml><?xml version="1.0" encoding="utf-8"?>
+<p:sld xmlns:a="http://schemas.openxmlformats.org/drawingml/2006/main" xmlns:r="http://schemas.openxmlformats.org/officeDocument/2006/relationships" xmlns:p="http://schemas.openxmlformats.org/presentationml/2006/main">
+  <p:cSld>
+    <p:spTree>
+      <p:nvGrpSpPr>
+        <p:cNvPr id="1" name=""/>
+        <p:cNvGrpSpPr/>
+        <p:nvPr/>
+      </p:nvGrpSpPr>
+      <p:grpSpPr>
+        <a:xfrm>
+          <a:off x="0" y="0"/>
+          <a:ext cx="0" cy="0"/>
+          <a:chOff x="0" y="0"/>
+          <a:chExt cx="0" cy="0"/>
+        </a:xfrm>
+      </p:grpSpPr>
+      <p:sp>
+        <p:nvSpPr>
+          <p:cNvPr id="2" name="Title 1"/>
+          <p:cNvSpPr>
+            <a:spLocks noGrp="1"/>
+          </p:cNvSpPr>
+          <p:nvPr>
+            <p:ph type="title"/>
+          </p:nvPr>
+        </p:nvSpPr>
+        <p:spPr/>
+        <p:txBody>
+          <a:bodyPr/>
+          <a:lstStyle/>
+          <a:p>
+            <a:pPr algn="ctr"/>
+            <a:r>
               <a:rPr lang="en-US" sz="4800" b="1" dirty="0" smtClean="0">
                 <a:solidFill>
                   <a:srgbClr val="92D050"/>
@@ -8200,7 +8529,7 @@
 </p:sld>
 </file>
 
-<file path=ppt/slides/slide11.xml><?xml version="1.0" encoding="utf-8"?>
+<file path=ppt/slides/slide14.xml><?xml version="1.0" encoding="utf-8"?>
 <p:sld xmlns:a="http://schemas.openxmlformats.org/drawingml/2006/main" xmlns:r="http://schemas.openxmlformats.org/officeDocument/2006/relationships" xmlns:p="http://schemas.openxmlformats.org/presentationml/2006/main">
   <p:cSld>
     <p:spTree>
@@ -8304,7 +8633,7 @@
             </a:pPr>
             <a:fld id="{6199AAC8-460C-4911-9FFB-701238C59D0B}" type="datetime4">
               <a:rPr lang="en-US" sz="4400" i="1"/>
-              <a:t>April 5, 2021</a:t>
+              <a:t>April 6, 2021</a:t>
             </a:fld>
             <a:endParaRPr lang="en-US" sz="4400" i="1" dirty="0"/>
           </a:p>
@@ -10272,7 +10601,6 @@
               <a:rPr lang="en-US" dirty="0" smtClean="0"/>
               <a:t> d [ u ] + w ( u, v ) </a:t>
             </a:r>
-            <a:endParaRPr lang="en-US" dirty="0" smtClean="0"/>
           </a:p>
           <a:p>
             <a:pPr marL="0" indent="0">
@@ -10555,7 +10883,15 @@
             </a:pPr>
             <a:r>
               <a:rPr lang="en-US" dirty="0" smtClean="0"/>
-              <a:t>LCS – Least Common Subsequence</a:t>
+              <a:t>LCS </a:t>
+            </a:r>
+            <a:r>
+              <a:rPr lang="en-US" smtClean="0"/>
+              <a:t>– Largest </a:t>
+            </a:r>
+            <a:r>
+              <a:rPr lang="en-US" dirty="0" smtClean="0"/>
+              <a:t>Common Subsequence</a:t>
             </a:r>
           </a:p>
         </p:txBody>
@@ -10609,108 +10945,86 @@
           <a:p>
             <a:pPr algn="ctr"/>
             <a:r>
-              <a:rPr lang="en-US" sz="7200" b="1" dirty="0" smtClean="0">
+              <a:rPr lang="en-US" sz="4400" b="1" dirty="0" smtClean="0">
                 <a:solidFill>
                   <a:srgbClr val="92D050"/>
                 </a:solidFill>
                 <a:latin typeface="Times New Roman" panose="02020603050405020304" pitchFamily="18" charset="0"/>
                 <a:cs typeface="Times New Roman" panose="02020603050405020304" pitchFamily="18" charset="0"/>
               </a:rPr>
-              <a:t>Future Work</a:t>
-            </a:r>
-            <a:endParaRPr lang="en-US" sz="7200" b="1" dirty="0">
+              <a:t>Stanford CS 221 (Fall 2019)</a:t>
+            </a:r>
+            <a:br>
+              <a:rPr lang="en-US" sz="4400" b="1" dirty="0" smtClean="0">
+                <a:solidFill>
+                  <a:srgbClr val="92D050"/>
+                </a:solidFill>
+                <a:latin typeface="Times New Roman" panose="02020603050405020304" pitchFamily="18" charset="0"/>
+                <a:cs typeface="Times New Roman" panose="02020603050405020304" pitchFamily="18" charset="0"/>
+              </a:rPr>
+            </a:br>
+            <a:r>
+              <a:rPr lang="en-US" sz="2400" dirty="0" smtClean="0">
+                <a:solidFill>
+                  <a:srgbClr val="FFC000"/>
+                </a:solidFill>
+              </a:rPr>
+              <a:t>(https</a:t>
+            </a:r>
+            <a:r>
+              <a:rPr lang="en-US" sz="2400" dirty="0">
+                <a:solidFill>
+                  <a:srgbClr val="FFC000"/>
+                </a:solidFill>
+              </a:rPr>
+              <a:t>://</a:t>
+            </a:r>
+            <a:r>
+              <a:rPr lang="en-US" sz="2400" dirty="0" smtClean="0">
+                <a:solidFill>
+                  <a:srgbClr val="FFC000"/>
+                </a:solidFill>
+              </a:rPr>
+              <a:t>www.youtube.com/watch?v=HEs1ZCvLH2s)</a:t>
+            </a:r>
+            <a:endParaRPr lang="en-US" sz="2400" dirty="0">
               <a:solidFill>
-                <a:srgbClr val="92D050"/>
+                <a:srgbClr val="FFC000"/>
               </a:solidFill>
-              <a:latin typeface="Times New Roman" panose="02020603050405020304" pitchFamily="18" charset="0"/>
-              <a:cs typeface="Times New Roman" panose="02020603050405020304" pitchFamily="18" charset="0"/>
             </a:endParaRPr>
           </a:p>
         </p:txBody>
       </p:sp>
-      <p:sp>
-        <p:nvSpPr>
-          <p:cNvPr id="3" name="Content Placeholder 2"/>
-          <p:cNvSpPr>
-            <a:spLocks noGrp="1"/>
-          </p:cNvSpPr>
+      <p:pic>
+        <p:nvPicPr>
+          <p:cNvPr id="4" name="Content Placeholder 3"/>
+          <p:cNvPicPr>
+            <a:picLocks noGrp="1" noChangeAspect="1"/>
+          </p:cNvPicPr>
           <p:nvPr>
             <p:ph idx="1"/>
           </p:nvPr>
-        </p:nvSpPr>
-        <p:spPr>
-          <a:xfrm>
-            <a:off x="2827283" y="2336873"/>
-            <a:ext cx="7466899" cy="3599316"/>
-          </a:xfrm>
-        </p:spPr>
-        <p:txBody>
-          <a:bodyPr/>
-          <a:lstStyle/>
-          <a:p>
-            <a:r>
-              <a:rPr lang="en-US" dirty="0" smtClean="0"/>
-              <a:t>Fibonacci Heap</a:t>
-            </a:r>
-          </a:p>
-          <a:p>
-            <a:r>
-              <a:rPr lang="en-US" dirty="0" smtClean="0"/>
-              <a:t>Binary Heap</a:t>
-            </a:r>
-            <a:endParaRPr lang="en-US" dirty="0" smtClean="0"/>
-          </a:p>
-          <a:p>
-            <a:r>
-              <a:rPr lang="en-US" dirty="0" smtClean="0"/>
-              <a:t>Nonlinear </a:t>
-            </a:r>
-            <a:r>
-              <a:rPr lang="en-US" dirty="0"/>
-              <a:t>Programming</a:t>
-            </a:r>
-          </a:p>
-          <a:p>
-            <a:r>
-              <a:rPr lang="en-US" dirty="0"/>
-              <a:t>Simplex </a:t>
-            </a:r>
-            <a:r>
-              <a:rPr lang="en-US" dirty="0" smtClean="0"/>
-              <a:t>Algorithm</a:t>
-            </a:r>
-          </a:p>
-          <a:p>
-            <a:r>
-              <a:rPr lang="en-US" dirty="0" smtClean="0"/>
-              <a:t>Integer </a:t>
-            </a:r>
-            <a:r>
-              <a:rPr lang="en-US" dirty="0" smtClean="0"/>
-              <a:t>Programming</a:t>
-            </a:r>
-          </a:p>
-          <a:p>
-            <a:r>
-              <a:rPr lang="en-US" dirty="0" smtClean="0"/>
-              <a:t>Stochastic Gradient Descent</a:t>
-            </a:r>
-          </a:p>
-          <a:p>
-            <a:r>
-              <a:rPr lang="en-US" dirty="0"/>
-              <a:t>Simulated Annealing</a:t>
-            </a:r>
-          </a:p>
-          <a:p>
-            <a:endParaRPr lang="en-US" dirty="0"/>
-          </a:p>
-        </p:txBody>
-      </p:sp>
+        </p:nvPicPr>
+        <p:blipFill>
+          <a:blip r:embed="rId2"/>
+          <a:stretch>
+            <a:fillRect/>
+          </a:stretch>
+        </p:blipFill>
+        <p:spPr>
+          <a:xfrm>
+            <a:off x="2228201" y="2336800"/>
+            <a:ext cx="6894176" cy="4248960"/>
+          </a:xfrm>
+          <a:prstGeom prst="rect">
+            <a:avLst/>
+          </a:prstGeom>
+        </p:spPr>
+      </p:pic>
     </p:spTree>
     <p:extLst>
       <p:ext uri="{BB962C8B-B14F-4D97-AF65-F5344CB8AC3E}">
-        <p14:creationId xmlns:p14="http://schemas.microsoft.com/office/powerpoint/2010/main" val="3314423995"/>
+        <p14:creationId xmlns:p14="http://schemas.microsoft.com/office/powerpoint/2010/main" val="1597351434"/>
       </p:ext>
     </p:extLst>
   </p:cSld>

--- a/AI_Cheat_Sheet.pptx
+++ b/AI_Cheat_Sheet.pptx
@@ -16,9 +16,10 @@
     <p:sldId id="267" r:id="rId10"/>
     <p:sldId id="268" r:id="rId11"/>
     <p:sldId id="269" r:id="rId12"/>
-    <p:sldId id="261" r:id="rId13"/>
-    <p:sldId id="264" r:id="rId14"/>
-    <p:sldId id="260" r:id="rId15"/>
+    <p:sldId id="270" r:id="rId13"/>
+    <p:sldId id="261" r:id="rId14"/>
+    <p:sldId id="264" r:id="rId15"/>
+    <p:sldId id="260" r:id="rId16"/>
   </p:sldIdLst>
   <p:sldSz cx="12192000" cy="6858000"/>
   <p:notesSz cx="6858000" cy="9144000"/>
@@ -7987,6 +7988,89 @@
           <a:p>
             <a:pPr algn="ctr"/>
             <a:r>
+              <a:rPr lang="en-US" sz="5400" b="1" dirty="0">
+                <a:solidFill>
+                  <a:srgbClr val="92D050"/>
+                </a:solidFill>
+                <a:latin typeface="Times New Roman" panose="02020603050405020304" pitchFamily="18" charset="0"/>
+                <a:cs typeface="Times New Roman" panose="02020603050405020304" pitchFamily="18" charset="0"/>
+              </a:rPr>
+              <a:t>Simplex Algorithm</a:t>
+            </a:r>
+          </a:p>
+        </p:txBody>
+      </p:sp>
+      <p:sp>
+        <p:nvSpPr>
+          <p:cNvPr id="3" name="Content Placeholder 2"/>
+          <p:cNvSpPr>
+            <a:spLocks noGrp="1"/>
+          </p:cNvSpPr>
+          <p:nvPr>
+            <p:ph idx="1"/>
+          </p:nvPr>
+        </p:nvSpPr>
+        <p:spPr/>
+        <p:txBody>
+          <a:bodyPr/>
+          <a:lstStyle/>
+          <a:p>
+            <a:pPr marL="0" indent="0">
+              <a:buNone/>
+            </a:pPr>
+            <a:endParaRPr lang="en-US" dirty="0"/>
+          </a:p>
+        </p:txBody>
+      </p:sp>
+    </p:spTree>
+    <p:extLst>
+      <p:ext uri="{BB962C8B-B14F-4D97-AF65-F5344CB8AC3E}">
+        <p14:creationId xmlns:p14="http://schemas.microsoft.com/office/powerpoint/2010/main" val="1381891920"/>
+      </p:ext>
+    </p:extLst>
+  </p:cSld>
+  <p:clrMapOvr>
+    <a:masterClrMapping/>
+  </p:clrMapOvr>
+</p:sld>
+</file>
+
+<file path=ppt/slides/slide13.xml><?xml version="1.0" encoding="utf-8"?>
+<p:sld xmlns:a="http://schemas.openxmlformats.org/drawingml/2006/main" xmlns:r="http://schemas.openxmlformats.org/officeDocument/2006/relationships" xmlns:p="http://schemas.openxmlformats.org/presentationml/2006/main">
+  <p:cSld>
+    <p:spTree>
+      <p:nvGrpSpPr>
+        <p:cNvPr id="1" name=""/>
+        <p:cNvGrpSpPr/>
+        <p:nvPr/>
+      </p:nvGrpSpPr>
+      <p:grpSpPr>
+        <a:xfrm>
+          <a:off x="0" y="0"/>
+          <a:ext cx="0" cy="0"/>
+          <a:chOff x="0" y="0"/>
+          <a:chExt cx="0" cy="0"/>
+        </a:xfrm>
+      </p:grpSpPr>
+      <p:sp>
+        <p:nvSpPr>
+          <p:cNvPr id="2" name="Title 1"/>
+          <p:cNvSpPr>
+            <a:spLocks noGrp="1"/>
+          </p:cNvSpPr>
+          <p:nvPr>
+            <p:ph type="title"/>
+          </p:nvPr>
+        </p:nvSpPr>
+        <p:spPr/>
+        <p:txBody>
+          <a:bodyPr>
+            <a:normAutofit/>
+          </a:bodyPr>
+          <a:lstStyle/>
+          <a:p>
+            <a:pPr algn="ctr"/>
+            <a:r>
               <a:rPr lang="en-US" sz="7200" b="1" dirty="0" smtClean="0">
                 <a:solidFill>
                   <a:srgbClr val="92D050"/>
@@ -8034,7 +8118,11 @@
           <a:p>
             <a:r>
               <a:rPr lang="en-US" dirty="0" smtClean="0"/>
-              <a:t>Binary Heap</a:t>
+              <a:t>Binomial </a:t>
+            </a:r>
+            <a:r>
+              <a:rPr lang="en-US" dirty="0" smtClean="0"/>
+              <a:t>Heap</a:t>
             </a:r>
           </a:p>
           <a:p>
@@ -8097,7 +8185,7 @@
 </p:sld>
 </file>
 
-<file path=ppt/slides/slide13.xml><?xml version="1.0" encoding="utf-8"?>
+<file path=ppt/slides/slide14.xml><?xml version="1.0" encoding="utf-8"?>
 <p:sld xmlns:a="http://schemas.openxmlformats.org/drawingml/2006/main" xmlns:r="http://schemas.openxmlformats.org/officeDocument/2006/relationships" xmlns:p="http://schemas.openxmlformats.org/presentationml/2006/main">
   <p:cSld>
     <p:spTree>
@@ -8529,7 +8617,7 @@
 </p:sld>
 </file>
 
-<file path=ppt/slides/slide14.xml><?xml version="1.0" encoding="utf-8"?>
+<file path=ppt/slides/slide15.xml><?xml version="1.0" encoding="utf-8"?>
 <p:sld xmlns:a="http://schemas.openxmlformats.org/drawingml/2006/main" xmlns:r="http://schemas.openxmlformats.org/officeDocument/2006/relationships" xmlns:p="http://schemas.openxmlformats.org/presentationml/2006/main">
   <p:cSld>
     <p:spTree>
@@ -11013,8 +11101,8 @@
         </p:blipFill>
         <p:spPr>
           <a:xfrm>
-            <a:off x="2228201" y="2336800"/>
-            <a:ext cx="6894176" cy="4248960"/>
+            <a:off x="1659746" y="1986455"/>
+            <a:ext cx="7904355" cy="4871545"/>
           </a:xfrm>
           <a:prstGeom prst="rect">
             <a:avLst/>

--- a/AI_Cheat_Sheet.pptx
+++ b/AI_Cheat_Sheet.pptx
@@ -17,9 +17,11 @@
     <p:sldId id="268" r:id="rId11"/>
     <p:sldId id="269" r:id="rId12"/>
     <p:sldId id="270" r:id="rId13"/>
-    <p:sldId id="261" r:id="rId14"/>
-    <p:sldId id="264" r:id="rId15"/>
-    <p:sldId id="260" r:id="rId16"/>
+    <p:sldId id="271" r:id="rId14"/>
+    <p:sldId id="272" r:id="rId15"/>
+    <p:sldId id="261" r:id="rId16"/>
+    <p:sldId id="264" r:id="rId17"/>
+    <p:sldId id="260" r:id="rId18"/>
   </p:sldIdLst>
   <p:sldSz cx="12192000" cy="6858000"/>
   <p:notesSz cx="6858000" cy="9144000"/>
@@ -400,7 +402,7 @@
           <a:p>
             <a:fld id="{78ABE3C1-DBE1-495D-B57B-2849774B866A}" type="datetimeFigureOut">
               <a:rPr lang="en-US" dirty="0"/>
-              <a:t>4/6/2021</a:t>
+              <a:t>4/22/2021</a:t>
             </a:fld>
             <a:endParaRPr lang="en-US" dirty="0"/>
           </a:p>
@@ -809,7 +811,7 @@
           <a:p>
             <a:fld id="{446C117F-5CCF-4837-BE5F-2B92066CAFAF}" type="datetimeFigureOut">
               <a:rPr lang="en-US" dirty="0"/>
-              <a:t>4/6/2021</a:t>
+              <a:t>4/22/2021</a:t>
             </a:fld>
             <a:endParaRPr lang="en-US" dirty="0"/>
           </a:p>
@@ -1140,7 +1142,7 @@
           <a:p>
             <a:fld id="{84EB90BD-B6CE-46B7-997F-7313B992CCDC}" type="datetimeFigureOut">
               <a:rPr lang="en-US" dirty="0"/>
-              <a:t>4/6/2021</a:t>
+              <a:t>4/22/2021</a:t>
             </a:fld>
             <a:endParaRPr lang="en-US" dirty="0"/>
           </a:p>
@@ -1540,7 +1542,7 @@
           <a:p>
             <a:fld id="{CDB9D11F-B188-461D-B23F-39381795C052}" type="datetimeFigureOut">
               <a:rPr lang="en-US" dirty="0"/>
-              <a:t>4/6/2021</a:t>
+              <a:t>4/22/2021</a:t>
             </a:fld>
             <a:endParaRPr lang="en-US" dirty="0"/>
           </a:p>
@@ -2103,7 +2105,7 @@
           <a:p>
             <a:fld id="{52E6D8D9-55A2-4063-B0F3-121F44549695}" type="datetimeFigureOut">
               <a:rPr lang="en-US" dirty="0"/>
-              <a:t>4/6/2021</a:t>
+              <a:t>4/22/2021</a:t>
             </a:fld>
             <a:endParaRPr lang="en-US" dirty="0"/>
           </a:p>
@@ -2779,7 +2781,7 @@
           <a:p>
             <a:fld id="{D4B24536-994D-4021-A283-9F449C0DB509}" type="datetimeFigureOut">
               <a:rPr lang="en-US" dirty="0"/>
-              <a:t>4/6/2021</a:t>
+              <a:t>4/22/2021</a:t>
             </a:fld>
             <a:endParaRPr lang="en-US" dirty="0"/>
           </a:p>
@@ -3687,7 +3689,7 @@
           <a:p>
             <a:fld id="{3CBBBB78-C96F-47B7-AB17-D852CA960AC9}" type="datetimeFigureOut">
               <a:rPr lang="en-US" dirty="0"/>
-              <a:t>4/6/2021</a:t>
+              <a:t>4/22/2021</a:t>
             </a:fld>
             <a:endParaRPr lang="en-US" dirty="0"/>
           </a:p>
@@ -3995,7 +3997,7 @@
           <a:p>
             <a:fld id="{1FA3F48C-C7C6-4055-9F49-3777875E72AE}" type="datetimeFigureOut">
               <a:rPr lang="en-US" dirty="0"/>
-              <a:t>4/6/2021</a:t>
+              <a:t>4/22/2021</a:t>
             </a:fld>
             <a:endParaRPr lang="en-US" dirty="0"/>
           </a:p>
@@ -4254,7 +4256,7 @@
           <a:p>
             <a:fld id="{6178E61D-D431-422C-9764-11DAFE33AB63}" type="datetimeFigureOut">
               <a:rPr lang="en-US" dirty="0"/>
-              <a:t>4/6/2021</a:t>
+              <a:t>4/22/2021</a:t>
             </a:fld>
             <a:endParaRPr lang="en-US" dirty="0"/>
           </a:p>
@@ -4573,7 +4575,7 @@
           <a:p>
             <a:fld id="{12DE42F4-6EEF-4EF7-8ED4-2208F0F89A08}" type="datetimeFigureOut">
               <a:rPr lang="en-US" dirty="0"/>
-              <a:t>4/6/2021</a:t>
+              <a:t>4/22/2021</a:t>
             </a:fld>
             <a:endParaRPr lang="en-US" dirty="0"/>
           </a:p>
@@ -4957,7 +4959,7 @@
           <a:p>
             <a:fld id="{30578ACC-22D6-47C1-A373-4FD133E34F3C}" type="datetimeFigureOut">
               <a:rPr lang="en-US" dirty="0"/>
-              <a:t>4/6/2021</a:t>
+              <a:t>4/22/2021</a:t>
             </a:fld>
             <a:endParaRPr lang="en-US" dirty="0"/>
           </a:p>
@@ -5328,7 +5330,7 @@
           <a:p>
             <a:fld id="{4E5A6C69-6797-4E8A-BF37-F2C3751466E9}" type="datetimeFigureOut">
               <a:rPr lang="en-US" dirty="0"/>
-              <a:t>4/6/2021</a:t>
+              <a:t>4/22/2021</a:t>
             </a:fld>
             <a:endParaRPr lang="en-US" dirty="0"/>
           </a:p>
@@ -5829,7 +5831,7 @@
           <a:p>
             <a:fld id="{D82014A1-A632-4878-A0D3-F52BA7563730}" type="datetimeFigureOut">
               <a:rPr lang="en-US" dirty="0"/>
-              <a:t>4/6/2021</a:t>
+              <a:t>4/22/2021</a:t>
             </a:fld>
             <a:endParaRPr lang="en-US" dirty="0"/>
           </a:p>
@@ -6081,7 +6083,7 @@
           <a:p>
             <a:fld id="{CE99F462-093F-4566-844B-4C71F2739DA5}" type="datetimeFigureOut">
               <a:rPr lang="en-US" dirty="0"/>
-              <a:t>4/6/2021</a:t>
+              <a:t>4/22/2021</a:t>
             </a:fld>
             <a:endParaRPr lang="en-US" dirty="0"/>
           </a:p>
@@ -6239,7 +6241,7 @@
           <a:p>
             <a:fld id="{3D24A7AC-904D-4781-85BA-7D10C17ED021}" type="datetimeFigureOut">
               <a:rPr lang="en-US" dirty="0"/>
-              <a:t>4/6/2021</a:t>
+              <a:t>4/22/2021</a:t>
             </a:fld>
             <a:endParaRPr lang="en-US" dirty="0"/>
           </a:p>
@@ -6624,7 +6626,7 @@
           <a:p>
             <a:fld id="{E331444B-B92B-4E27-8C94-BB93EAF5CB18}" type="datetimeFigureOut">
               <a:rPr lang="en-US" dirty="0"/>
-              <a:t>4/6/2021</a:t>
+              <a:t>4/22/2021</a:t>
             </a:fld>
             <a:endParaRPr lang="en-US" dirty="0"/>
           </a:p>
@@ -7028,7 +7030,7 @@
           <a:p>
             <a:fld id="{363EFA5E-FA76-400D-B3DC-F0BA90E6D107}" type="datetimeFigureOut">
               <a:rPr lang="en-US" dirty="0"/>
-              <a:t>4/6/2021</a:t>
+              <a:t>4/22/2021</a:t>
             </a:fld>
             <a:endParaRPr lang="en-US" dirty="0"/>
           </a:p>
@@ -7267,7 +7269,7 @@
           <a:p>
             <a:fld id="{9D6E9DEC-419B-4CC5-A080-3B06BD5A8291}" type="datetimeFigureOut">
               <a:rPr lang="en-US" dirty="0"/>
-              <a:t>4/6/2021</a:t>
+              <a:t>4/22/2021</a:t>
             </a:fld>
             <a:endParaRPr lang="en-US" dirty="0"/>
           </a:p>
@@ -7982,46 +7984,699 @@
         <p:spPr/>
         <p:txBody>
           <a:bodyPr>
-            <a:normAutofit/>
+            <a:normAutofit fontScale="90000"/>
           </a:bodyPr>
           <a:lstStyle/>
           <a:p>
             <a:pPr algn="ctr"/>
             <a:r>
-              <a:rPr lang="en-US" sz="5400" b="1" dirty="0">
+              <a:rPr lang="en-US" sz="5400" b="1" dirty="0" smtClean="0">
                 <a:solidFill>
                   <a:srgbClr val="92D050"/>
                 </a:solidFill>
                 <a:latin typeface="Times New Roman" panose="02020603050405020304" pitchFamily="18" charset="0"/>
                 <a:cs typeface="Times New Roman" panose="02020603050405020304" pitchFamily="18" charset="0"/>
               </a:rPr>
-              <a:t>Simplex Algorithm</a:t>
-            </a:r>
-          </a:p>
-        </p:txBody>
-      </p:sp>
-      <p:sp>
-        <p:nvSpPr>
-          <p:cNvPr id="3" name="Content Placeholder 2"/>
-          <p:cNvSpPr>
-            <a:spLocks noGrp="1"/>
-          </p:cNvSpPr>
-          <p:nvPr>
-            <p:ph idx="1"/>
-          </p:nvPr>
-        </p:nvSpPr>
-        <p:spPr/>
-        <p:txBody>
-          <a:bodyPr/>
-          <a:lstStyle/>
-          <a:p>
-            <a:pPr marL="0" indent="0">
-              <a:buNone/>
-            </a:pPr>
-            <a:endParaRPr lang="en-US" dirty="0"/>
-          </a:p>
-        </p:txBody>
-      </p:sp>
+              <a:t>Linear Quadratic Regulator (LQR)</a:t>
+            </a:r>
+            <a:br>
+              <a:rPr lang="en-US" sz="5400" b="1" dirty="0" smtClean="0">
+                <a:solidFill>
+                  <a:srgbClr val="92D050"/>
+                </a:solidFill>
+                <a:latin typeface="Times New Roman" panose="02020603050405020304" pitchFamily="18" charset="0"/>
+                <a:cs typeface="Times New Roman" panose="02020603050405020304" pitchFamily="18" charset="0"/>
+              </a:rPr>
+            </a:br>
+            <a:r>
+              <a:rPr lang="en-US" sz="3100" b="1" dirty="0" smtClean="0">
+                <a:solidFill>
+                  <a:srgbClr val="92D050"/>
+                </a:solidFill>
+                <a:latin typeface="Times New Roman" panose="02020603050405020304" pitchFamily="18" charset="0"/>
+                <a:cs typeface="Times New Roman" panose="02020603050405020304" pitchFamily="18" charset="0"/>
+              </a:rPr>
+              <a:t>(Andrew Ng, Stanford CS 229, Lecture 18)</a:t>
+            </a:r>
+            <a:endParaRPr lang="en-US" sz="3100" b="1" dirty="0">
+              <a:solidFill>
+                <a:srgbClr val="92D050"/>
+              </a:solidFill>
+              <a:latin typeface="Times New Roman" panose="02020603050405020304" pitchFamily="18" charset="0"/>
+              <a:cs typeface="Times New Roman" panose="02020603050405020304" pitchFamily="18" charset="0"/>
+            </a:endParaRPr>
+          </a:p>
+        </p:txBody>
+      </p:sp>
+      <mc:AlternateContent xmlns:mc="http://schemas.openxmlformats.org/markup-compatibility/2006" xmlns:a14="http://schemas.microsoft.com/office/drawing/2010/main">
+        <mc:Choice Requires="a14">
+          <p:sp>
+            <p:nvSpPr>
+              <p:cNvPr id="3" name="Content Placeholder 2"/>
+              <p:cNvSpPr>
+                <a:spLocks noGrp="1"/>
+              </p:cNvSpPr>
+              <p:nvPr>
+                <p:ph idx="1"/>
+              </p:nvPr>
+            </p:nvSpPr>
+            <p:spPr>
+              <a:xfrm>
+                <a:off x="680321" y="2848303"/>
+                <a:ext cx="9613861" cy="3087886"/>
+              </a:xfrm>
+            </p:spPr>
+            <p:txBody>
+              <a:bodyPr/>
+              <a:lstStyle/>
+              <a:p>
+                <a:pPr marL="0" indent="0" algn="ctr">
+                  <a:lnSpc>
+                    <a:spcPct val="150000"/>
+                  </a:lnSpc>
+                  <a:buNone/>
+                </a:pPr>
+                <a:r>
+                  <a:rPr lang="en-US" dirty="0" smtClean="0"/>
+                  <a:t>R ( </a:t>
+                </a:r>
+                <a:r>
+                  <a:rPr lang="en-US" dirty="0" err="1" smtClean="0"/>
+                  <a:t>s</a:t>
+                </a:r>
+                <a:r>
+                  <a:rPr lang="en-US" baseline="-25000" dirty="0" err="1" smtClean="0"/>
+                  <a:t>t</a:t>
+                </a:r>
+                <a:r>
+                  <a:rPr lang="en-US" dirty="0" smtClean="0"/>
+                  <a:t>, a</a:t>
+                </a:r>
+                <a:r>
+                  <a:rPr lang="en-US" baseline="-25000" dirty="0" smtClean="0"/>
+                  <a:t>t </a:t>
+                </a:r>
+                <a:r>
+                  <a:rPr lang="en-US" dirty="0" smtClean="0"/>
+                  <a:t>) </a:t>
+                </a:r>
+                <a:r>
+                  <a:rPr lang="en-US" dirty="0"/>
+                  <a:t>= ||</a:t>
+                </a:r>
+                <a:r>
+                  <a:rPr lang="en-US" dirty="0" err="1"/>
+                  <a:t>s</a:t>
+                </a:r>
+                <a:r>
+                  <a:rPr lang="en-US" baseline="-25000" dirty="0" err="1"/>
+                  <a:t>t</a:t>
+                </a:r>
+                <a:r>
+                  <a:rPr lang="en-US" dirty="0"/>
+                  <a:t>||</a:t>
+                </a:r>
+                <a:r>
+                  <a:rPr lang="en-US" baseline="30000" dirty="0" smtClean="0"/>
+                  <a:t>2 </a:t>
+                </a:r>
+                <a:r>
+                  <a:rPr lang="en-US" dirty="0" smtClean="0"/>
+                  <a:t>- ||</a:t>
+                </a:r>
+                <a:r>
+                  <a:rPr lang="en-US" dirty="0"/>
+                  <a:t>a</a:t>
+                </a:r>
+                <a:r>
+                  <a:rPr lang="en-US" baseline="-25000" dirty="0"/>
+                  <a:t>t</a:t>
+                </a:r>
+                <a:r>
+                  <a:rPr lang="en-US" dirty="0"/>
+                  <a:t>||</a:t>
+                </a:r>
+                <a:r>
+                  <a:rPr lang="en-US" baseline="30000" dirty="0"/>
+                  <a:t>2</a:t>
+                </a:r>
+                <a:endParaRPr lang="en-US" dirty="0"/>
+              </a:p>
+              <a:p>
+                <a:pPr marL="0" indent="0" algn="ctr">
+                  <a:lnSpc>
+                    <a:spcPct val="150000"/>
+                  </a:lnSpc>
+                  <a:buNone/>
+                </a:pPr>
+                <a:r>
+                  <a:rPr lang="en-US" sz="2000" dirty="0" smtClean="0"/>
+                  <a:t>S</a:t>
+                </a:r>
+                <a:r>
+                  <a:rPr lang="en-US" baseline="-25000" dirty="0" smtClean="0"/>
+                  <a:t>t+1 </a:t>
+                </a:r>
+                <a:r>
+                  <a:rPr lang="en-US" dirty="0" smtClean="0"/>
+                  <a:t>= A </a:t>
+                </a:r>
+                <a:r>
+                  <a:rPr lang="en-US" dirty="0" err="1" smtClean="0"/>
+                  <a:t>s</a:t>
+                </a:r>
+                <a:r>
+                  <a:rPr lang="en-US" baseline="-25000" dirty="0" err="1" smtClean="0"/>
+                  <a:t>t</a:t>
+                </a:r>
+                <a:r>
+                  <a:rPr lang="en-US" dirty="0" smtClean="0"/>
+                  <a:t> + B a</a:t>
+                </a:r>
+                <a:r>
+                  <a:rPr lang="en-US" baseline="-25000" dirty="0" smtClean="0"/>
+                  <a:t>t</a:t>
+                </a:r>
+                <a:endParaRPr lang="en-US" dirty="0" smtClean="0"/>
+              </a:p>
+              <a:p>
+                <a:pPr marL="0" indent="0" algn="ctr">
+                  <a:lnSpc>
+                    <a:spcPct val="150000"/>
+                  </a:lnSpc>
+                  <a:buNone/>
+                </a:pPr>
+                <a:r>
+                  <a:rPr lang="en-US" dirty="0" smtClean="0"/>
+                  <a:t>argmi</a:t>
+                </a:r>
+                <a14:m>
+                  <m:oMath xmlns:m="http://schemas.openxmlformats.org/officeDocument/2006/math">
+                    <m:r>
+                      <m:rPr>
+                        <m:nor/>
+                      </m:rPr>
+                      <a:rPr lang="en-US" dirty="0" smtClean="0">
+                        <a:latin typeface="Cambria Math" panose="02040503050406030204" pitchFamily="18" charset="0"/>
+                      </a:rPr>
+                      <m:t>n</m:t>
+                    </m:r>
+                    <m:r>
+                      <m:rPr>
+                        <m:nor/>
+                      </m:rPr>
+                      <a:rPr lang="en-US" b="0" i="0" baseline="-25000" dirty="0" smtClean="0"/>
+                      <m:t>(</m:t>
+                    </m:r>
+                    <m:r>
+                      <m:rPr>
+                        <m:nor/>
+                      </m:rPr>
+                      <a:rPr lang="en-US" b="0" i="0" baseline="-25000" dirty="0" smtClean="0"/>
+                      <m:t>A</m:t>
+                    </m:r>
+                    <m:r>
+                      <m:rPr>
+                        <m:nor/>
+                      </m:rPr>
+                      <a:rPr lang="en-US" b="0" i="0" baseline="-25000" dirty="0" smtClean="0"/>
+                      <m:t>,</m:t>
+                    </m:r>
+                    <m:r>
+                      <m:rPr>
+                        <m:nor/>
+                      </m:rPr>
+                      <a:rPr lang="en-US" b="0" i="0" baseline="-25000" dirty="0" smtClean="0"/>
+                      <m:t>B</m:t>
+                    </m:r>
+                    <m:r>
+                      <m:rPr>
+                        <m:nor/>
+                      </m:rPr>
+                      <a:rPr lang="en-US" b="0" i="0" baseline="-25000" dirty="0" smtClean="0"/>
+                      <m:t>)</m:t>
+                    </m:r>
+                  </m:oMath>
+                </a14:m>
+                <a:r>
+                  <a:rPr lang="en-US" dirty="0" smtClean="0"/>
+                  <a:t> (1/2) </a:t>
+                </a:r>
+                <a14:m>
+                  <m:oMath xmlns:m="http://schemas.openxmlformats.org/officeDocument/2006/math">
+                    <m:nary>
+                      <m:naryPr>
+                        <m:chr m:val="∑"/>
+                        <m:ctrlPr>
+                          <a:rPr lang="en-US" i="1" dirty="0" smtClean="0">
+                            <a:latin typeface="Cambria Math" panose="02040503050406030204" pitchFamily="18" charset="0"/>
+                          </a:rPr>
+                        </m:ctrlPr>
+                      </m:naryPr>
+                      <m:sub>
+                        <m:r>
+                          <m:rPr>
+                            <m:brk m:alnAt="23"/>
+                          </m:rPr>
+                          <a:rPr lang="en-US" b="0" i="1" dirty="0" smtClean="0">
+                            <a:latin typeface="Cambria Math" panose="02040503050406030204" pitchFamily="18" charset="0"/>
+                          </a:rPr>
+                          <m:t>𝑖</m:t>
+                        </m:r>
+                        <m:r>
+                          <a:rPr lang="en-US" b="0" i="1" dirty="0" smtClean="0">
+                            <a:latin typeface="Cambria Math" panose="02040503050406030204" pitchFamily="18" charset="0"/>
+                          </a:rPr>
+                          <m:t>=1</m:t>
+                        </m:r>
+                      </m:sub>
+                      <m:sup>
+                        <m:r>
+                          <a:rPr lang="en-US" b="0" i="1" dirty="0" smtClean="0">
+                            <a:latin typeface="Cambria Math" panose="02040503050406030204" pitchFamily="18" charset="0"/>
+                          </a:rPr>
+                          <m:t>𝑚</m:t>
+                        </m:r>
+                      </m:sup>
+                      <m:e>
+                        <m:r>
+                          <a:rPr lang="en-US" b="0" i="1" dirty="0" smtClean="0">
+                            <a:latin typeface="Cambria Math" panose="02040503050406030204" pitchFamily="18" charset="0"/>
+                          </a:rPr>
+                          <m:t> </m:t>
+                        </m:r>
+                        <m:nary>
+                          <m:naryPr>
+                            <m:chr m:val="∑"/>
+                            <m:ctrlPr>
+                              <a:rPr lang="en-US" i="1" dirty="0">
+                                <a:latin typeface="Cambria Math" panose="02040503050406030204" pitchFamily="18" charset="0"/>
+                              </a:rPr>
+                            </m:ctrlPr>
+                          </m:naryPr>
+                          <m:sub>
+                            <m:r>
+                              <m:rPr>
+                                <m:brk m:alnAt="23"/>
+                              </m:rPr>
+                              <a:rPr lang="en-US" b="0" i="1" dirty="0" smtClean="0">
+                                <a:latin typeface="Cambria Math" panose="02040503050406030204" pitchFamily="18" charset="0"/>
+                              </a:rPr>
+                              <m:t>𝑡</m:t>
+                            </m:r>
+                            <m:r>
+                              <a:rPr lang="en-US" b="0" i="1" dirty="0" smtClean="0">
+                                <a:latin typeface="Cambria Math" panose="02040503050406030204" pitchFamily="18" charset="0"/>
+                              </a:rPr>
+                              <m:t>=1</m:t>
+                            </m:r>
+                          </m:sub>
+                          <m:sup>
+                            <m:r>
+                              <a:rPr lang="en-US" b="0" i="1" dirty="0" smtClean="0">
+                                <a:latin typeface="Cambria Math" panose="02040503050406030204" pitchFamily="18" charset="0"/>
+                              </a:rPr>
+                              <m:t>𝑇</m:t>
+                            </m:r>
+                            <m:r>
+                              <a:rPr lang="en-US" b="0" i="1" dirty="0" smtClean="0">
+                                <a:latin typeface="Cambria Math" panose="02040503050406030204" pitchFamily="18" charset="0"/>
+                              </a:rPr>
+                              <m:t>−1</m:t>
+                            </m:r>
+                          </m:sup>
+                          <m:e>
+                            <m:r>
+                              <m:rPr>
+                                <m:nor/>
+                              </m:rPr>
+                              <a:rPr lang="en-US" b="0" i="0" dirty="0" smtClean="0">
+                                <a:latin typeface="Cambria Math" panose="02040503050406030204" pitchFamily="18" charset="0"/>
+                              </a:rPr>
+                              <m:t> </m:t>
+                            </m:r>
+                            <m:r>
+                              <m:rPr>
+                                <m:nor/>
+                              </m:rPr>
+                              <a:rPr lang="en-US" dirty="0"/>
+                              <m:t>||</m:t>
+                            </m:r>
+                            <m:r>
+                              <m:rPr>
+                                <m:nor/>
+                              </m:rPr>
+                              <a:rPr lang="en-US" b="0" i="0" dirty="0" smtClean="0"/>
+                              <m:t> </m:t>
+                            </m:r>
+                            <m:r>
+                              <m:rPr>
+                                <m:nor/>
+                              </m:rPr>
+                              <a:rPr lang="en-US" dirty="0"/>
+                              <m:t>s</m:t>
+                            </m:r>
+                            <m:r>
+                              <m:rPr>
+                                <m:nor/>
+                              </m:rPr>
+                              <a:rPr lang="en-US" baseline="-25000" dirty="0"/>
+                              <m:t>t</m:t>
+                            </m:r>
+                            <m:r>
+                              <m:rPr>
+                                <m:nor/>
+                              </m:rPr>
+                              <a:rPr lang="en-US" b="0" i="0" baseline="-25000" dirty="0" smtClean="0"/>
+                              <m:t>+1 </m:t>
+                            </m:r>
+                            <m:r>
+                              <m:rPr>
+                                <m:nor/>
+                              </m:rPr>
+                              <a:rPr lang="en-US" dirty="0"/>
+                              <m:t>−</m:t>
+                            </m:r>
+                            <m:r>
+                              <m:rPr>
+                                <m:nor/>
+                              </m:rPr>
+                              <a:rPr lang="en-US" b="0" i="0" dirty="0" smtClean="0"/>
+                              <m:t> </m:t>
+                            </m:r>
+                            <m:r>
+                              <m:rPr>
+                                <m:nor/>
+                              </m:rPr>
+                              <a:rPr lang="en-US" dirty="0"/>
+                              <m:t>(</m:t>
+                            </m:r>
+                            <m:r>
+                              <m:rPr>
+                                <m:nor/>
+                              </m:rPr>
+                              <a:rPr lang="en-US" dirty="0"/>
+                              <m:t>Ast</m:t>
+                            </m:r>
+                            <m:r>
+                              <m:rPr>
+                                <m:nor/>
+                              </m:rPr>
+                              <a:rPr lang="en-US" dirty="0"/>
+                              <m:t>+</m:t>
+                            </m:r>
+                            <m:r>
+                              <m:rPr>
+                                <m:nor/>
+                              </m:rPr>
+                              <a:rPr lang="en-US" dirty="0"/>
+                              <m:t>Bat</m:t>
+                            </m:r>
+                            <m:r>
+                              <m:rPr>
+                                <m:nor/>
+                              </m:rPr>
+                              <a:rPr lang="en-US" dirty="0"/>
+                              <m:t>) ||2</m:t>
+                            </m:r>
+                          </m:e>
+                        </m:nary>
+                        <m:r>
+                          <m:rPr>
+                            <m:nor/>
+                          </m:rPr>
+                          <a:rPr lang="en-US" dirty="0"/>
+                          <m:t> </m:t>
+                        </m:r>
+                      </m:e>
+                    </m:nary>
+                  </m:oMath>
+                </a14:m>
+                <a:endParaRPr lang="en-US" dirty="0" smtClean="0"/>
+              </a:p>
+              <a:p>
+                <a:pPr marL="0" indent="0" algn="ctr">
+                  <a:lnSpc>
+                    <a:spcPct val="150000"/>
+                  </a:lnSpc>
+                  <a:buNone/>
+                </a:pPr>
+                <a:r>
+                  <a:rPr lang="en-US" sz="2000" dirty="0" smtClean="0"/>
+                  <a:t>S</a:t>
+                </a:r>
+                <a:r>
+                  <a:rPr lang="en-US" baseline="-25000" dirty="0" smtClean="0"/>
+                  <a:t>t+1</a:t>
+                </a:r>
+                <a:r>
+                  <a:rPr lang="en-US" dirty="0" smtClean="0"/>
+                  <a:t> </a:t>
+                </a:r>
+                <a:r>
+                  <a:rPr lang="en-US" sz="3600" dirty="0" smtClean="0"/>
+                  <a:t>≈</a:t>
+                </a:r>
+                <a:r>
+                  <a:rPr lang="en-US" dirty="0" smtClean="0"/>
+                  <a:t> f(</a:t>
+                </a:r>
+                <a:r>
+                  <a:rPr lang="en-US" dirty="0" err="1" smtClean="0"/>
+                  <a:t>s</a:t>
+                </a:r>
+                <a:r>
+                  <a:rPr lang="en-US" baseline="-25000" dirty="0" err="1"/>
+                  <a:t>t</a:t>
+                </a:r>
+                <a:r>
+                  <a:rPr lang="en-US" dirty="0" err="1" smtClean="0"/>
+                  <a:t>,a</a:t>
+                </a:r>
+                <a:r>
+                  <a:rPr lang="en-US" baseline="-25000" dirty="0" err="1" smtClean="0"/>
+                  <a:t>t</a:t>
+                </a:r>
+                <a:r>
+                  <a:rPr lang="en-US" dirty="0" smtClean="0"/>
+                  <a:t>) + (</a:t>
+                </a:r>
+                <a14:m>
+                  <m:oMath xmlns:m="http://schemas.openxmlformats.org/officeDocument/2006/math">
+                    <m:r>
+                      <a:rPr lang="en-US" i="1" smtClean="0">
+                        <a:latin typeface="Cambria Math" panose="02040503050406030204" pitchFamily="18" charset="0"/>
+                        <a:ea typeface="Cambria Math" panose="02040503050406030204" pitchFamily="18" charset="0"/>
+                      </a:rPr>
+                      <m:t>𝛻</m:t>
+                    </m:r>
+                    <m:r>
+                      <m:rPr>
+                        <m:nor/>
+                      </m:rPr>
+                      <a:rPr lang="en-US" b="0" i="0" baseline="-25000" dirty="0" smtClean="0"/>
+                      <m:t>s</m:t>
+                    </m:r>
+                  </m:oMath>
+                </a14:m>
+                <a:r>
+                  <a:rPr lang="en-US" dirty="0" smtClean="0">
+                    <a:ea typeface="Cambria Math" panose="02040503050406030204" pitchFamily="18" charset="0"/>
+                  </a:rPr>
+                  <a:t>f</a:t>
+                </a:r>
+                <a:r>
+                  <a:rPr lang="en-US" dirty="0" smtClean="0"/>
+                  <a:t>(</a:t>
+                </a:r>
+                <a:r>
+                  <a:rPr lang="en-US" dirty="0" err="1" smtClean="0"/>
+                  <a:t>s</a:t>
+                </a:r>
+                <a:r>
+                  <a:rPr lang="en-US" baseline="-25000" dirty="0" err="1"/>
+                  <a:t>t</a:t>
+                </a:r>
+                <a:r>
+                  <a:rPr lang="en-US" dirty="0" smtClean="0"/>
+                  <a:t>, a</a:t>
+                </a:r>
+                <a:r>
+                  <a:rPr lang="en-US" baseline="-25000" dirty="0" smtClean="0"/>
+                  <a:t>t</a:t>
+                </a:r>
+                <a:r>
+                  <a:rPr lang="en-US" dirty="0" smtClean="0"/>
+                  <a:t>))</a:t>
+                </a:r>
+                <a:r>
+                  <a:rPr lang="en-US" baseline="30000" dirty="0" smtClean="0"/>
+                  <a:t> </a:t>
+                </a:r>
+                <a:r>
+                  <a:rPr lang="en-US" baseline="30000" dirty="0"/>
+                  <a:t>T</a:t>
+                </a:r>
+                <a:r>
+                  <a:rPr lang="en-US" dirty="0" smtClean="0"/>
+                  <a:t> · (</a:t>
+                </a:r>
+                <a:r>
+                  <a:rPr lang="en-US" dirty="0" err="1" smtClean="0"/>
+                  <a:t>s</a:t>
+                </a:r>
+                <a:r>
+                  <a:rPr lang="en-US" baseline="-25000" dirty="0" err="1"/>
+                  <a:t>t</a:t>
+                </a:r>
+                <a:r>
+                  <a:rPr lang="en-US" dirty="0" smtClean="0"/>
+                  <a:t> - </a:t>
+                </a:r>
+                <a:r>
+                  <a:rPr lang="en-US" u="sng" dirty="0" err="1" smtClean="0"/>
+                  <a:t>s</a:t>
+                </a:r>
+                <a:r>
+                  <a:rPr lang="en-US" baseline="-25000" dirty="0" err="1"/>
+                  <a:t>t</a:t>
+                </a:r>
+                <a:r>
+                  <a:rPr lang="en-US" dirty="0" smtClean="0"/>
+                  <a:t>) </a:t>
+                </a:r>
+                <a:r>
+                  <a:rPr lang="en-US" dirty="0" smtClean="0">
+                    <a:ea typeface="Cambria Math" panose="02040503050406030204" pitchFamily="18" charset="0"/>
+                  </a:rPr>
+                  <a:t>+ (</a:t>
+                </a:r>
+                <a14:m>
+                  <m:oMath xmlns:m="http://schemas.openxmlformats.org/officeDocument/2006/math">
+                    <m:r>
+                      <a:rPr lang="en-US" i="1" smtClean="0">
+                        <a:latin typeface="Cambria Math" panose="02040503050406030204" pitchFamily="18" charset="0"/>
+                        <a:ea typeface="Cambria Math" panose="02040503050406030204" pitchFamily="18" charset="0"/>
+                      </a:rPr>
+                      <m:t>𝛻</m:t>
+                    </m:r>
+                    <m:r>
+                      <m:rPr>
+                        <m:nor/>
+                      </m:rPr>
+                      <a:rPr lang="en-US" b="0" i="0" baseline="-25000" dirty="0" smtClean="0"/>
+                      <m:t>a</m:t>
+                    </m:r>
+                    <m:r>
+                      <m:rPr>
+                        <m:nor/>
+                      </m:rPr>
+                      <a:rPr lang="en-US" dirty="0">
+                        <a:ea typeface="Cambria Math" panose="02040503050406030204" pitchFamily="18" charset="0"/>
+                      </a:rPr>
+                      <m:t>f</m:t>
+                    </m:r>
+                  </m:oMath>
+                </a14:m>
+                <a:r>
+                  <a:rPr lang="en-US" dirty="0" smtClean="0"/>
+                  <a:t>(</a:t>
+                </a:r>
+                <a:r>
+                  <a:rPr lang="en-US" dirty="0" err="1"/>
+                  <a:t>s</a:t>
+                </a:r>
+                <a:r>
+                  <a:rPr lang="en-US" baseline="-25000" dirty="0" err="1"/>
+                  <a:t>t</a:t>
+                </a:r>
+                <a:r>
+                  <a:rPr lang="en-US" dirty="0" smtClean="0"/>
+                  <a:t>, a</a:t>
+                </a:r>
+                <a:r>
+                  <a:rPr lang="en-US" baseline="-25000" dirty="0" smtClean="0"/>
+                  <a:t>t</a:t>
+                </a:r>
+                <a:r>
+                  <a:rPr lang="en-US" dirty="0" smtClean="0"/>
+                  <a:t>))</a:t>
+                </a:r>
+                <a:r>
+                  <a:rPr lang="en-US" baseline="30000" dirty="0"/>
+                  <a:t> </a:t>
+                </a:r>
+                <a:r>
+                  <a:rPr lang="en-US" baseline="30000" dirty="0" smtClean="0"/>
+                  <a:t>T </a:t>
+                </a:r>
+                <a:r>
+                  <a:rPr lang="en-US" dirty="0" smtClean="0"/>
+                  <a:t> · (a</a:t>
+                </a:r>
+                <a:r>
+                  <a:rPr lang="en-US" baseline="-25000" dirty="0"/>
+                  <a:t>t</a:t>
+                </a:r>
+                <a:r>
+                  <a:rPr lang="en-US" dirty="0" smtClean="0"/>
+                  <a:t> - </a:t>
+                </a:r>
+                <a:r>
+                  <a:rPr lang="en-US" u="sng" dirty="0" smtClean="0"/>
+                  <a:t>a</a:t>
+                </a:r>
+                <a:r>
+                  <a:rPr lang="en-US" baseline="-25000" dirty="0" smtClean="0"/>
+                  <a:t>t</a:t>
+                </a:r>
+                <a:r>
+                  <a:rPr lang="en-US" dirty="0" smtClean="0"/>
+                  <a:t>)</a:t>
+                </a:r>
+                <a:endParaRPr lang="en-US" dirty="0"/>
+              </a:p>
+            </p:txBody>
+          </p:sp>
+        </mc:Choice>
+        <mc:Fallback xmlns="">
+          <p:sp>
+            <p:nvSpPr>
+              <p:cNvPr id="3" name="Content Placeholder 2"/>
+              <p:cNvSpPr>
+                <a:spLocks noGrp="1" noRot="1" noChangeAspect="1" noMove="1" noResize="1" noEditPoints="1" noAdjustHandles="1" noChangeArrowheads="1" noChangeShapeType="1" noTextEdit="1"/>
+              </p:cNvSpPr>
+              <p:nvPr>
+                <p:ph idx="1"/>
+              </p:nvPr>
+            </p:nvSpPr>
+            <p:spPr>
+              <a:xfrm>
+                <a:off x="680321" y="2848303"/>
+                <a:ext cx="9613861" cy="3087886"/>
+              </a:xfrm>
+              <a:blipFill>
+                <a:blip r:embed="rId2"/>
+                <a:stretch>
+                  <a:fillRect b="-197"/>
+                </a:stretch>
+              </a:blipFill>
+            </p:spPr>
+            <p:txBody>
+              <a:bodyPr/>
+              <a:lstStyle/>
+              <a:p>
+                <a:r>
+                  <a:rPr lang="en-US">
+                    <a:noFill/>
+                  </a:rPr>
+                  <a:t> </a:t>
+                </a:r>
+              </a:p>
+            </p:txBody>
+          </p:sp>
+        </mc:Fallback>
+      </mc:AlternateContent>
     </p:spTree>
     <p:extLst>
       <p:ext uri="{BB962C8B-B14F-4D97-AF65-F5344CB8AC3E}">
@@ -8071,6 +8726,632 @@
           <a:p>
             <a:pPr algn="ctr"/>
             <a:r>
+              <a:rPr lang="en-US" sz="6000" b="1" dirty="0" smtClean="0">
+                <a:solidFill>
+                  <a:srgbClr val="92D050"/>
+                </a:solidFill>
+                <a:latin typeface="Times New Roman" panose="02020603050405020304" pitchFamily="18" charset="0"/>
+                <a:cs typeface="Times New Roman" panose="02020603050405020304" pitchFamily="18" charset="0"/>
+              </a:rPr>
+              <a:t>Kalman Filter</a:t>
+            </a:r>
+            <a:endParaRPr lang="en-US" sz="6000" b="1" dirty="0">
+              <a:solidFill>
+                <a:srgbClr val="92D050"/>
+              </a:solidFill>
+              <a:latin typeface="Times New Roman" panose="02020603050405020304" pitchFamily="18" charset="0"/>
+              <a:cs typeface="Times New Roman" panose="02020603050405020304" pitchFamily="18" charset="0"/>
+            </a:endParaRPr>
+          </a:p>
+        </p:txBody>
+      </p:sp>
+      <p:sp>
+        <p:nvSpPr>
+          <p:cNvPr id="3" name="Content Placeholder 2"/>
+          <p:cNvSpPr>
+            <a:spLocks noGrp="1"/>
+          </p:cNvSpPr>
+          <p:nvPr>
+            <p:ph idx="1"/>
+          </p:nvPr>
+        </p:nvSpPr>
+        <p:spPr>
+          <a:xfrm>
+            <a:off x="680321" y="1975946"/>
+            <a:ext cx="9613861" cy="4882054"/>
+          </a:xfrm>
+        </p:spPr>
+        <p:txBody>
+          <a:bodyPr/>
+          <a:lstStyle/>
+          <a:p>
+            <a:pPr marL="0" indent="0">
+              <a:buNone/>
+            </a:pPr>
+            <a:r>
+              <a:rPr lang="en-US" dirty="0" smtClean="0">
+                <a:latin typeface="Times New Roman" panose="02020603050405020304" pitchFamily="18" charset="0"/>
+                <a:cs typeface="Times New Roman" panose="02020603050405020304" pitchFamily="18" charset="0"/>
+              </a:rPr>
+              <a:t>Predict</a:t>
+            </a:r>
+          </a:p>
+          <a:p>
+            <a:pPr marL="0" indent="0">
+              <a:buNone/>
+            </a:pPr>
+            <a:r>
+              <a:rPr lang="en-US" i="1" dirty="0" smtClean="0"/>
+              <a:t>	s</a:t>
+            </a:r>
+            <a:r>
+              <a:rPr lang="en-US" i="1" baseline="-25000" dirty="0" smtClean="0"/>
+              <a:t>t</a:t>
+            </a:r>
+            <a:r>
+              <a:rPr lang="en-US" i="1" dirty="0" smtClean="0"/>
+              <a:t>|y</a:t>
+            </a:r>
+            <a:r>
+              <a:rPr lang="en-US" i="1" baseline="-25000" dirty="0" smtClean="0"/>
+              <a:t>1</a:t>
+            </a:r>
+            <a:r>
+              <a:rPr lang="en-US" i="1" dirty="0" smtClean="0"/>
+              <a:t>,…,</a:t>
+            </a:r>
+            <a:r>
+              <a:rPr lang="en-US" i="1" dirty="0" err="1" smtClean="0"/>
+              <a:t>y</a:t>
+            </a:r>
+            <a:r>
+              <a:rPr lang="en-US" i="1" baseline="-25000" dirty="0" err="1" smtClean="0"/>
+              <a:t>t</a:t>
+            </a:r>
+            <a:r>
+              <a:rPr lang="en-US" i="1" dirty="0" smtClean="0"/>
+              <a:t>  ~ N ( </a:t>
+            </a:r>
+            <a:r>
+              <a:rPr lang="en-US" i="1" dirty="0" err="1" smtClean="0"/>
+              <a:t>s</a:t>
+            </a:r>
+            <a:r>
+              <a:rPr lang="en-US" i="1" baseline="-25000" dirty="0" err="1" smtClean="0"/>
+              <a:t>t|t</a:t>
+            </a:r>
+            <a:r>
+              <a:rPr lang="en-US" i="1" baseline="-25000" dirty="0" smtClean="0"/>
+              <a:t> </a:t>
+            </a:r>
+            <a:r>
+              <a:rPr lang="en-US" i="1" dirty="0" smtClean="0"/>
+              <a:t>, </a:t>
+            </a:r>
+            <a:r>
+              <a:rPr lang="el-GR" i="1" dirty="0" smtClean="0"/>
+              <a:t>Σ</a:t>
+            </a:r>
+            <a:r>
+              <a:rPr lang="en-US" i="1" baseline="-25000" dirty="0" err="1" smtClean="0"/>
+              <a:t>t|t</a:t>
+            </a:r>
+            <a:r>
+              <a:rPr lang="en-US" i="1" dirty="0" smtClean="0"/>
+              <a:t> )</a:t>
+            </a:r>
+            <a:endParaRPr lang="en-US" i="1" dirty="0" smtClean="0"/>
+          </a:p>
+          <a:p>
+            <a:pPr marL="0" indent="0">
+              <a:buNone/>
+            </a:pPr>
+            <a:r>
+              <a:rPr lang="en-US" i="1" dirty="0" smtClean="0"/>
+              <a:t>	s</a:t>
+            </a:r>
+            <a:r>
+              <a:rPr lang="en-US" i="1" baseline="-25000" dirty="0" smtClean="0"/>
+              <a:t>t+1|t </a:t>
+            </a:r>
+            <a:r>
+              <a:rPr lang="en-US" i="1" dirty="0" smtClean="0"/>
+              <a:t>= A </a:t>
+            </a:r>
+            <a:r>
+              <a:rPr lang="en-US" i="1" dirty="0" err="1" smtClean="0"/>
+              <a:t>s</a:t>
+            </a:r>
+            <a:r>
+              <a:rPr lang="en-US" i="1" baseline="-25000" dirty="0" err="1" smtClean="0"/>
+              <a:t>t|t</a:t>
+            </a:r>
+            <a:endParaRPr lang="en-US" i="1" dirty="0" smtClean="0"/>
+          </a:p>
+          <a:p>
+            <a:pPr marL="0" indent="0">
+              <a:buNone/>
+            </a:pPr>
+            <a:r>
+              <a:rPr lang="en-US" i="1" dirty="0" smtClean="0"/>
+              <a:t>	</a:t>
+            </a:r>
+            <a:r>
+              <a:rPr lang="el-GR" i="1" dirty="0" smtClean="0"/>
+              <a:t>Σ</a:t>
+            </a:r>
+            <a:r>
+              <a:rPr lang="en-US" i="1" baseline="-25000" dirty="0" smtClean="0"/>
+              <a:t>t+1|t </a:t>
+            </a:r>
+            <a:r>
+              <a:rPr lang="en-US" i="1" dirty="0" smtClean="0"/>
+              <a:t>= A</a:t>
+            </a:r>
+            <a:r>
+              <a:rPr lang="el-GR" i="1" dirty="0" smtClean="0"/>
+              <a:t> Σ</a:t>
+            </a:r>
+            <a:r>
+              <a:rPr lang="en-US" i="1" baseline="-25000" dirty="0" err="1" smtClean="0"/>
+              <a:t>t|t</a:t>
+            </a:r>
+            <a:r>
+              <a:rPr lang="en-US" i="1" dirty="0" smtClean="0"/>
+              <a:t> A</a:t>
+            </a:r>
+            <a:r>
+              <a:rPr lang="en-US" i="1" baseline="30000" dirty="0" smtClean="0"/>
+              <a:t>T</a:t>
+            </a:r>
+            <a:r>
+              <a:rPr lang="en-US" i="1" dirty="0" smtClean="0"/>
+              <a:t> +</a:t>
+            </a:r>
+            <a:r>
+              <a:rPr lang="el-GR" i="1" dirty="0" smtClean="0"/>
+              <a:t> Σ</a:t>
+            </a:r>
+            <a:r>
+              <a:rPr lang="en-US" i="1" baseline="-25000" dirty="0" smtClean="0"/>
+              <a:t>0</a:t>
+            </a:r>
+            <a:endParaRPr lang="en-US" i="1" dirty="0" smtClean="0"/>
+          </a:p>
+          <a:p>
+            <a:pPr marL="0" indent="0">
+              <a:buNone/>
+            </a:pPr>
+            <a:r>
+              <a:rPr lang="en-US" dirty="0" smtClean="0">
+                <a:latin typeface="Times New Roman" panose="02020603050405020304" pitchFamily="18" charset="0"/>
+                <a:cs typeface="Times New Roman" panose="02020603050405020304" pitchFamily="18" charset="0"/>
+              </a:rPr>
+              <a:t>Update</a:t>
+            </a:r>
+          </a:p>
+          <a:p>
+            <a:pPr marL="0" indent="0">
+              <a:buNone/>
+            </a:pPr>
+            <a:r>
+              <a:rPr lang="en-US" i="1" smtClean="0"/>
+              <a:t>	s</a:t>
+            </a:r>
+            <a:r>
+              <a:rPr lang="en-US" i="1" baseline="-25000" smtClean="0"/>
+              <a:t>t+1</a:t>
+            </a:r>
+            <a:r>
+              <a:rPr lang="en-US" i="1" smtClean="0"/>
+              <a:t>|y</a:t>
+            </a:r>
+            <a:r>
+              <a:rPr lang="en-US" i="1" baseline="-25000" smtClean="0"/>
+              <a:t>1</a:t>
+            </a:r>
+            <a:r>
+              <a:rPr lang="en-US" i="1" dirty="0"/>
+              <a:t>,…,</a:t>
+            </a:r>
+            <a:r>
+              <a:rPr lang="en-US" i="1" dirty="0" smtClean="0"/>
+              <a:t>y</a:t>
+            </a:r>
+            <a:r>
+              <a:rPr lang="en-US" i="1" baseline="-25000" dirty="0" smtClean="0"/>
+              <a:t>t+1</a:t>
+            </a:r>
+            <a:r>
+              <a:rPr lang="en-US" i="1" dirty="0" smtClean="0"/>
+              <a:t> ~ N ( s</a:t>
+            </a:r>
+            <a:r>
+              <a:rPr lang="en-US" i="1" baseline="-25000" dirty="0"/>
+              <a:t>t+1|t+1</a:t>
+            </a:r>
+            <a:r>
+              <a:rPr lang="en-US" i="1" dirty="0" smtClean="0"/>
+              <a:t> , </a:t>
+            </a:r>
+            <a:r>
+              <a:rPr lang="el-GR" i="1" dirty="0" smtClean="0"/>
+              <a:t>Σ</a:t>
+            </a:r>
+            <a:r>
+              <a:rPr lang="en-US" i="1" baseline="-25000" dirty="0"/>
+              <a:t>t+1|t+1</a:t>
+            </a:r>
+            <a:r>
+              <a:rPr lang="en-US" i="1" dirty="0" smtClean="0"/>
+              <a:t> )</a:t>
+            </a:r>
+            <a:endParaRPr lang="en-US" i="1" dirty="0"/>
+          </a:p>
+          <a:p>
+            <a:pPr marL="0" indent="0">
+              <a:buNone/>
+            </a:pPr>
+            <a:r>
+              <a:rPr lang="en-US" i="1" dirty="0" smtClean="0"/>
+              <a:t>	s</a:t>
+            </a:r>
+            <a:r>
+              <a:rPr lang="en-US" i="1" baseline="-25000" dirty="0" smtClean="0"/>
+              <a:t>t+1|t+1 </a:t>
+            </a:r>
+            <a:r>
+              <a:rPr lang="en-US" i="1" dirty="0" smtClean="0"/>
+              <a:t>= s</a:t>
+            </a:r>
+            <a:r>
+              <a:rPr lang="en-US" i="1" baseline="-25000" dirty="0" smtClean="0"/>
+              <a:t>t+1|t </a:t>
+            </a:r>
+            <a:r>
+              <a:rPr lang="en-US" i="1" dirty="0" smtClean="0"/>
+              <a:t>+ K</a:t>
+            </a:r>
+            <a:r>
+              <a:rPr lang="en-US" i="1" baseline="-25000" dirty="0" smtClean="0"/>
+              <a:t>t+1 </a:t>
+            </a:r>
+            <a:r>
+              <a:rPr lang="en-US" i="1" dirty="0" smtClean="0"/>
+              <a:t>( y</a:t>
+            </a:r>
+            <a:r>
+              <a:rPr lang="en-US" i="1" baseline="-25000" dirty="0" smtClean="0"/>
+              <a:t>t+1 </a:t>
+            </a:r>
+            <a:r>
+              <a:rPr lang="en-US" i="1" dirty="0" smtClean="0"/>
+              <a:t>– C s</a:t>
+            </a:r>
+            <a:r>
+              <a:rPr lang="en-US" i="1" baseline="-25000" dirty="0" smtClean="0"/>
+              <a:t>t+1|t </a:t>
+            </a:r>
+            <a:r>
+              <a:rPr lang="en-US" i="1" dirty="0" smtClean="0"/>
+              <a:t>)</a:t>
+            </a:r>
+            <a:endParaRPr lang="en-US" i="1" dirty="0" smtClean="0"/>
+          </a:p>
+          <a:p>
+            <a:pPr marL="0" indent="0">
+              <a:buNone/>
+            </a:pPr>
+            <a:r>
+              <a:rPr lang="en-US" i="1" dirty="0" smtClean="0"/>
+              <a:t>	K</a:t>
+            </a:r>
+            <a:r>
+              <a:rPr lang="en-US" i="1" baseline="-25000" dirty="0" smtClean="0"/>
+              <a:t>t+1 </a:t>
+            </a:r>
+            <a:r>
+              <a:rPr lang="en-US" i="1" dirty="0" smtClean="0"/>
+              <a:t>=</a:t>
+            </a:r>
+            <a:r>
+              <a:rPr lang="el-GR" i="1" dirty="0" smtClean="0"/>
+              <a:t> Σ</a:t>
+            </a:r>
+            <a:r>
+              <a:rPr lang="en-US" i="1" baseline="-25000" dirty="0" smtClean="0"/>
+              <a:t>t+1|t </a:t>
+            </a:r>
+            <a:r>
+              <a:rPr lang="en-US" i="1" dirty="0" smtClean="0"/>
+              <a:t>C</a:t>
+            </a:r>
+            <a:r>
+              <a:rPr lang="en-US" i="1" baseline="30000" dirty="0" smtClean="0"/>
+              <a:t>T </a:t>
+            </a:r>
+            <a:r>
+              <a:rPr lang="en-US" i="1" dirty="0" smtClean="0"/>
+              <a:t>( C </a:t>
+            </a:r>
+            <a:r>
+              <a:rPr lang="el-GR" i="1" dirty="0" smtClean="0"/>
+              <a:t>Σ</a:t>
+            </a:r>
+            <a:r>
+              <a:rPr lang="en-US" i="1" baseline="-25000" dirty="0" smtClean="0"/>
+              <a:t>t+1|t </a:t>
+            </a:r>
+            <a:r>
+              <a:rPr lang="en-US" i="1" dirty="0" smtClean="0"/>
+              <a:t>C</a:t>
+            </a:r>
+            <a:r>
+              <a:rPr lang="en-US" i="1" baseline="30000" dirty="0" smtClean="0"/>
+              <a:t>T </a:t>
+            </a:r>
+            <a:r>
+              <a:rPr lang="en-US" i="1" dirty="0" smtClean="0"/>
+              <a:t>+</a:t>
+            </a:r>
+            <a:r>
+              <a:rPr lang="el-GR" i="1" dirty="0" smtClean="0"/>
+              <a:t> Σ</a:t>
+            </a:r>
+            <a:r>
+              <a:rPr lang="en-US" i="1" baseline="-25000" dirty="0"/>
+              <a:t> </a:t>
+            </a:r>
+            <a:r>
+              <a:rPr lang="en-US" i="1" baseline="-25000" dirty="0" smtClean="0"/>
+              <a:t>0 </a:t>
+            </a:r>
+            <a:r>
+              <a:rPr lang="en-US" i="1" dirty="0" smtClean="0"/>
+              <a:t>)</a:t>
+            </a:r>
+            <a:r>
+              <a:rPr lang="en-US" i="1" baseline="30000" dirty="0" smtClean="0"/>
+              <a:t> -1</a:t>
+            </a:r>
+            <a:endParaRPr lang="en-US" i="1" dirty="0" smtClean="0"/>
+          </a:p>
+          <a:p>
+            <a:pPr marL="0" indent="0">
+              <a:buNone/>
+            </a:pPr>
+            <a:r>
+              <a:rPr lang="en-US" i="1" dirty="0" smtClean="0"/>
+              <a:t>	</a:t>
+            </a:r>
+            <a:r>
+              <a:rPr lang="el-GR" i="1" dirty="0" smtClean="0"/>
+              <a:t>Σ</a:t>
+            </a:r>
+            <a:r>
+              <a:rPr lang="en-US" i="1" baseline="-25000" dirty="0" smtClean="0"/>
+              <a:t>t+1|t+1 </a:t>
+            </a:r>
+            <a:r>
+              <a:rPr lang="en-US" i="1" dirty="0" smtClean="0"/>
+              <a:t>=</a:t>
+            </a:r>
+            <a:r>
+              <a:rPr lang="el-GR" i="1" dirty="0" smtClean="0"/>
+              <a:t> Σ</a:t>
+            </a:r>
+            <a:r>
+              <a:rPr lang="en-US" i="1" baseline="-25000" dirty="0"/>
+              <a:t>t+1|t</a:t>
+            </a:r>
+            <a:r>
+              <a:rPr lang="en-US" i="1" dirty="0" smtClean="0"/>
+              <a:t>-</a:t>
+            </a:r>
+            <a:r>
+              <a:rPr lang="el-GR" i="1" dirty="0" smtClean="0"/>
+              <a:t> Σ</a:t>
+            </a:r>
+            <a:r>
+              <a:rPr lang="en-US" i="1" baseline="-25000" dirty="0" smtClean="0"/>
+              <a:t>t+1|t</a:t>
+            </a:r>
+            <a:r>
+              <a:rPr lang="en-US" i="1" dirty="0" smtClean="0"/>
+              <a:t>C</a:t>
+            </a:r>
+            <a:r>
+              <a:rPr lang="en-US" i="1" baseline="30000" dirty="0"/>
+              <a:t>T </a:t>
+            </a:r>
+            <a:r>
+              <a:rPr lang="en-US" i="1" dirty="0" smtClean="0"/>
+              <a:t>( C</a:t>
+            </a:r>
+            <a:r>
+              <a:rPr lang="el-GR" i="1" dirty="0" smtClean="0"/>
+              <a:t> Σ</a:t>
+            </a:r>
+            <a:r>
+              <a:rPr lang="en-US" i="1" baseline="-25000" dirty="0" smtClean="0"/>
+              <a:t>t+1|t </a:t>
+            </a:r>
+            <a:r>
+              <a:rPr lang="en-US" i="1" dirty="0" smtClean="0"/>
+              <a:t>C</a:t>
+            </a:r>
+            <a:r>
+              <a:rPr lang="en-US" i="1" baseline="30000" dirty="0" smtClean="0"/>
+              <a:t>T </a:t>
+            </a:r>
+            <a:r>
+              <a:rPr lang="en-US" i="1" dirty="0" smtClean="0"/>
+              <a:t>+</a:t>
+            </a:r>
+            <a:r>
+              <a:rPr lang="el-GR" i="1" dirty="0" smtClean="0"/>
+              <a:t> Σ</a:t>
+            </a:r>
+            <a:r>
+              <a:rPr lang="en-US" i="1" baseline="-25000" dirty="0"/>
+              <a:t> </a:t>
+            </a:r>
+            <a:r>
+              <a:rPr lang="en-US" i="1" baseline="-25000" dirty="0" smtClean="0"/>
+              <a:t>0 </a:t>
+            </a:r>
+            <a:r>
+              <a:rPr lang="en-US" i="1" dirty="0" smtClean="0"/>
+              <a:t>) C</a:t>
+            </a:r>
+            <a:r>
+              <a:rPr lang="el-GR" i="1" dirty="0" smtClean="0"/>
+              <a:t> Σ</a:t>
+            </a:r>
+            <a:r>
+              <a:rPr lang="en-US" i="1" baseline="-25000" dirty="0"/>
+              <a:t>t+1|t</a:t>
+            </a:r>
+            <a:endParaRPr lang="en-US" i="1" dirty="0"/>
+          </a:p>
+        </p:txBody>
+      </p:sp>
+    </p:spTree>
+    <p:extLst>
+      <p:ext uri="{BB962C8B-B14F-4D97-AF65-F5344CB8AC3E}">
+        <p14:creationId xmlns:p14="http://schemas.microsoft.com/office/powerpoint/2010/main" val="3212167903"/>
+      </p:ext>
+    </p:extLst>
+  </p:cSld>
+  <p:clrMapOvr>
+    <a:masterClrMapping/>
+  </p:clrMapOvr>
+</p:sld>
+</file>
+
+<file path=ppt/slides/slide14.xml><?xml version="1.0" encoding="utf-8"?>
+<p:sld xmlns:a="http://schemas.openxmlformats.org/drawingml/2006/main" xmlns:r="http://schemas.openxmlformats.org/officeDocument/2006/relationships" xmlns:p="http://schemas.openxmlformats.org/presentationml/2006/main">
+  <p:cSld>
+    <p:spTree>
+      <p:nvGrpSpPr>
+        <p:cNvPr id="1" name=""/>
+        <p:cNvGrpSpPr/>
+        <p:nvPr/>
+      </p:nvGrpSpPr>
+      <p:grpSpPr>
+        <a:xfrm>
+          <a:off x="0" y="0"/>
+          <a:ext cx="0" cy="0"/>
+          <a:chOff x="0" y="0"/>
+          <a:chExt cx="0" cy="0"/>
+        </a:xfrm>
+      </p:grpSpPr>
+      <p:sp>
+        <p:nvSpPr>
+          <p:cNvPr id="2" name="Title 1"/>
+          <p:cNvSpPr>
+            <a:spLocks noGrp="1"/>
+          </p:cNvSpPr>
+          <p:nvPr>
+            <p:ph type="title"/>
+          </p:nvPr>
+        </p:nvSpPr>
+        <p:spPr/>
+        <p:txBody>
+          <a:bodyPr>
+            <a:normAutofit/>
+          </a:bodyPr>
+          <a:lstStyle/>
+          <a:p>
+            <a:pPr algn="ctr"/>
+            <a:r>
+              <a:rPr lang="en-US" sz="5000" b="1" dirty="0" smtClean="0">
+                <a:solidFill>
+                  <a:srgbClr val="92D050"/>
+                </a:solidFill>
+                <a:latin typeface="Times New Roman" panose="02020603050405020304" pitchFamily="18" charset="0"/>
+                <a:cs typeface="Times New Roman" panose="02020603050405020304" pitchFamily="18" charset="0"/>
+              </a:rPr>
+              <a:t>Linear Quadratic Gaussian (LQG)</a:t>
+            </a:r>
+            <a:endParaRPr lang="en-US" sz="5000" b="1" dirty="0">
+              <a:solidFill>
+                <a:srgbClr val="92D050"/>
+              </a:solidFill>
+              <a:latin typeface="Times New Roman" panose="02020603050405020304" pitchFamily="18" charset="0"/>
+              <a:cs typeface="Times New Roman" panose="02020603050405020304" pitchFamily="18" charset="0"/>
+            </a:endParaRPr>
+          </a:p>
+        </p:txBody>
+      </p:sp>
+      <p:sp>
+        <p:nvSpPr>
+          <p:cNvPr id="3" name="Content Placeholder 2"/>
+          <p:cNvSpPr>
+            <a:spLocks noGrp="1"/>
+          </p:cNvSpPr>
+          <p:nvPr>
+            <p:ph idx="1"/>
+          </p:nvPr>
+        </p:nvSpPr>
+        <p:spPr/>
+        <p:txBody>
+          <a:bodyPr/>
+          <a:lstStyle/>
+          <a:p>
+            <a:endParaRPr lang="en-US" dirty="0"/>
+          </a:p>
+        </p:txBody>
+      </p:sp>
+    </p:spTree>
+    <p:extLst>
+      <p:ext uri="{BB962C8B-B14F-4D97-AF65-F5344CB8AC3E}">
+        <p14:creationId xmlns:p14="http://schemas.microsoft.com/office/powerpoint/2010/main" val="2316329935"/>
+      </p:ext>
+    </p:extLst>
+  </p:cSld>
+  <p:clrMapOvr>
+    <a:masterClrMapping/>
+  </p:clrMapOvr>
+</p:sld>
+</file>
+
+<file path=ppt/slides/slide15.xml><?xml version="1.0" encoding="utf-8"?>
+<p:sld xmlns:a="http://schemas.openxmlformats.org/drawingml/2006/main" xmlns:r="http://schemas.openxmlformats.org/officeDocument/2006/relationships" xmlns:p="http://schemas.openxmlformats.org/presentationml/2006/main">
+  <p:cSld>
+    <p:spTree>
+      <p:nvGrpSpPr>
+        <p:cNvPr id="1" name=""/>
+        <p:cNvGrpSpPr/>
+        <p:nvPr/>
+      </p:nvGrpSpPr>
+      <p:grpSpPr>
+        <a:xfrm>
+          <a:off x="0" y="0"/>
+          <a:ext cx="0" cy="0"/>
+          <a:chOff x="0" y="0"/>
+          <a:chExt cx="0" cy="0"/>
+        </a:xfrm>
+      </p:grpSpPr>
+      <p:sp>
+        <p:nvSpPr>
+          <p:cNvPr id="2" name="Title 1"/>
+          <p:cNvSpPr>
+            <a:spLocks noGrp="1"/>
+          </p:cNvSpPr>
+          <p:nvPr>
+            <p:ph type="title"/>
+          </p:nvPr>
+        </p:nvSpPr>
+        <p:spPr/>
+        <p:txBody>
+          <a:bodyPr>
+            <a:normAutofit/>
+          </a:bodyPr>
+          <a:lstStyle/>
+          <a:p>
+            <a:pPr algn="ctr"/>
+            <a:r>
               <a:rPr lang="en-US" sz="7200" b="1" dirty="0" smtClean="0">
                 <a:solidFill>
                   <a:srgbClr val="92D050"/>
@@ -8107,8 +9388,23 @@
           </a:xfrm>
         </p:spPr>
         <p:txBody>
-          <a:bodyPr/>
+          <a:bodyPr>
+            <a:normAutofit lnSpcReduction="10000"/>
+          </a:bodyPr>
           <a:lstStyle/>
+          <a:p>
+            <a:r>
+              <a:rPr lang="en-US" dirty="0" err="1" smtClean="0"/>
+              <a:t>Quiksort</a:t>
+            </a:r>
+            <a:endParaRPr lang="en-US" dirty="0" smtClean="0"/>
+          </a:p>
+          <a:p>
+            <a:r>
+              <a:rPr lang="en-US" dirty="0" smtClean="0"/>
+              <a:t>Simplex Algorithm</a:t>
+            </a:r>
+          </a:p>
           <a:p>
             <a:r>
               <a:rPr lang="en-US" dirty="0" smtClean="0"/>
@@ -8118,17 +9414,7 @@
           <a:p>
             <a:r>
               <a:rPr lang="en-US" dirty="0" smtClean="0"/>
-              <a:t>Binomial </a:t>
-            </a:r>
-            <a:r>
-              <a:rPr lang="en-US" dirty="0" smtClean="0"/>
-              <a:t>Heap</a:t>
-            </a:r>
-          </a:p>
-          <a:p>
-            <a:r>
-              <a:rPr lang="en-US" dirty="0"/>
-              <a:t>Simplex Algorithm</a:t>
+              <a:t>Binomial Heap</a:t>
             </a:r>
           </a:p>
           <a:p>
@@ -8150,11 +9436,7 @@
           <a:p>
             <a:r>
               <a:rPr lang="en-US" dirty="0" smtClean="0"/>
-              <a:t>Integer </a:t>
-            </a:r>
-            <a:r>
-              <a:rPr lang="en-US" dirty="0" smtClean="0"/>
-              <a:t>Programming</a:t>
+              <a:t>Integer Programming</a:t>
             </a:r>
           </a:p>
           <a:p>
@@ -8185,7 +9467,7 @@
 </p:sld>
 </file>
 
-<file path=ppt/slides/slide14.xml><?xml version="1.0" encoding="utf-8"?>
+<file path=ppt/slides/slide16.xml><?xml version="1.0" encoding="utf-8"?>
 <p:sld xmlns:a="http://schemas.openxmlformats.org/drawingml/2006/main" xmlns:r="http://schemas.openxmlformats.org/officeDocument/2006/relationships" xmlns:p="http://schemas.openxmlformats.org/presentationml/2006/main">
   <p:cSld>
     <p:spTree>
@@ -8617,7 +9899,7 @@
 </p:sld>
 </file>
 
-<file path=ppt/slides/slide15.xml><?xml version="1.0" encoding="utf-8"?>
+<file path=ppt/slides/slide17.xml><?xml version="1.0" encoding="utf-8"?>
 <p:sld xmlns:a="http://schemas.openxmlformats.org/drawingml/2006/main" xmlns:r="http://schemas.openxmlformats.org/officeDocument/2006/relationships" xmlns:p="http://schemas.openxmlformats.org/presentationml/2006/main">
   <p:cSld>
     <p:spTree>
@@ -8721,7 +10003,7 @@
             </a:pPr>
             <a:fld id="{6199AAC8-460C-4911-9FFB-701238C59D0B}" type="datetime4">
               <a:rPr lang="en-US" sz="4400" i="1"/>
-              <a:t>April 6, 2021</a:t>
+              <a:t>April 22, 2021</a:t>
             </a:fld>
             <a:endParaRPr lang="en-US" sz="4400" i="1" dirty="0"/>
           </a:p>

--- a/AI_Cheat_Sheet.pptx
+++ b/AI_Cheat_Sheet.pptx
@@ -402,7 +402,7 @@
           <a:p>
             <a:fld id="{78ABE3C1-DBE1-495D-B57B-2849774B866A}" type="datetimeFigureOut">
               <a:rPr lang="en-US" dirty="0"/>
-              <a:t>4/22/2021</a:t>
+              <a:t>4/30/2021</a:t>
             </a:fld>
             <a:endParaRPr lang="en-US" dirty="0"/>
           </a:p>
@@ -811,7 +811,7 @@
           <a:p>
             <a:fld id="{446C117F-5CCF-4837-BE5F-2B92066CAFAF}" type="datetimeFigureOut">
               <a:rPr lang="en-US" dirty="0"/>
-              <a:t>4/22/2021</a:t>
+              <a:t>4/30/2021</a:t>
             </a:fld>
             <a:endParaRPr lang="en-US" dirty="0"/>
           </a:p>
@@ -1142,7 +1142,7 @@
           <a:p>
             <a:fld id="{84EB90BD-B6CE-46B7-997F-7313B992CCDC}" type="datetimeFigureOut">
               <a:rPr lang="en-US" dirty="0"/>
-              <a:t>4/22/2021</a:t>
+              <a:t>4/30/2021</a:t>
             </a:fld>
             <a:endParaRPr lang="en-US" dirty="0"/>
           </a:p>
@@ -1542,7 +1542,7 @@
           <a:p>
             <a:fld id="{CDB9D11F-B188-461D-B23F-39381795C052}" type="datetimeFigureOut">
               <a:rPr lang="en-US" dirty="0"/>
-              <a:t>4/22/2021</a:t>
+              <a:t>4/30/2021</a:t>
             </a:fld>
             <a:endParaRPr lang="en-US" dirty="0"/>
           </a:p>
@@ -2105,7 +2105,7 @@
           <a:p>
             <a:fld id="{52E6D8D9-55A2-4063-B0F3-121F44549695}" type="datetimeFigureOut">
               <a:rPr lang="en-US" dirty="0"/>
-              <a:t>4/22/2021</a:t>
+              <a:t>4/30/2021</a:t>
             </a:fld>
             <a:endParaRPr lang="en-US" dirty="0"/>
           </a:p>
@@ -2781,7 +2781,7 @@
           <a:p>
             <a:fld id="{D4B24536-994D-4021-A283-9F449C0DB509}" type="datetimeFigureOut">
               <a:rPr lang="en-US" dirty="0"/>
-              <a:t>4/22/2021</a:t>
+              <a:t>4/30/2021</a:t>
             </a:fld>
             <a:endParaRPr lang="en-US" dirty="0"/>
           </a:p>
@@ -3689,7 +3689,7 @@
           <a:p>
             <a:fld id="{3CBBBB78-C96F-47B7-AB17-D852CA960AC9}" type="datetimeFigureOut">
               <a:rPr lang="en-US" dirty="0"/>
-              <a:t>4/22/2021</a:t>
+              <a:t>4/30/2021</a:t>
             </a:fld>
             <a:endParaRPr lang="en-US" dirty="0"/>
           </a:p>
@@ -3997,7 +3997,7 @@
           <a:p>
             <a:fld id="{1FA3F48C-C7C6-4055-9F49-3777875E72AE}" type="datetimeFigureOut">
               <a:rPr lang="en-US" dirty="0"/>
-              <a:t>4/22/2021</a:t>
+              <a:t>4/30/2021</a:t>
             </a:fld>
             <a:endParaRPr lang="en-US" dirty="0"/>
           </a:p>
@@ -4256,7 +4256,7 @@
           <a:p>
             <a:fld id="{6178E61D-D431-422C-9764-11DAFE33AB63}" type="datetimeFigureOut">
               <a:rPr lang="en-US" dirty="0"/>
-              <a:t>4/22/2021</a:t>
+              <a:t>4/30/2021</a:t>
             </a:fld>
             <a:endParaRPr lang="en-US" dirty="0"/>
           </a:p>
@@ -4575,7 +4575,7 @@
           <a:p>
             <a:fld id="{12DE42F4-6EEF-4EF7-8ED4-2208F0F89A08}" type="datetimeFigureOut">
               <a:rPr lang="en-US" dirty="0"/>
-              <a:t>4/22/2021</a:t>
+              <a:t>4/30/2021</a:t>
             </a:fld>
             <a:endParaRPr lang="en-US" dirty="0"/>
           </a:p>
@@ -4959,7 +4959,7 @@
           <a:p>
             <a:fld id="{30578ACC-22D6-47C1-A373-4FD133E34F3C}" type="datetimeFigureOut">
               <a:rPr lang="en-US" dirty="0"/>
-              <a:t>4/22/2021</a:t>
+              <a:t>4/30/2021</a:t>
             </a:fld>
             <a:endParaRPr lang="en-US" dirty="0"/>
           </a:p>
@@ -5330,7 +5330,7 @@
           <a:p>
             <a:fld id="{4E5A6C69-6797-4E8A-BF37-F2C3751466E9}" type="datetimeFigureOut">
               <a:rPr lang="en-US" dirty="0"/>
-              <a:t>4/22/2021</a:t>
+              <a:t>4/30/2021</a:t>
             </a:fld>
             <a:endParaRPr lang="en-US" dirty="0"/>
           </a:p>
@@ -5831,7 +5831,7 @@
           <a:p>
             <a:fld id="{D82014A1-A632-4878-A0D3-F52BA7563730}" type="datetimeFigureOut">
               <a:rPr lang="en-US" dirty="0"/>
-              <a:t>4/22/2021</a:t>
+              <a:t>4/30/2021</a:t>
             </a:fld>
             <a:endParaRPr lang="en-US" dirty="0"/>
           </a:p>
@@ -6083,7 +6083,7 @@
           <a:p>
             <a:fld id="{CE99F462-093F-4566-844B-4C71F2739DA5}" type="datetimeFigureOut">
               <a:rPr lang="en-US" dirty="0"/>
-              <a:t>4/22/2021</a:t>
+              <a:t>4/30/2021</a:t>
             </a:fld>
             <a:endParaRPr lang="en-US" dirty="0"/>
           </a:p>
@@ -6241,7 +6241,7 @@
           <a:p>
             <a:fld id="{3D24A7AC-904D-4781-85BA-7D10C17ED021}" type="datetimeFigureOut">
               <a:rPr lang="en-US" dirty="0"/>
-              <a:t>4/22/2021</a:t>
+              <a:t>4/30/2021</a:t>
             </a:fld>
             <a:endParaRPr lang="en-US" dirty="0"/>
           </a:p>
@@ -6626,7 +6626,7 @@
           <a:p>
             <a:fld id="{E331444B-B92B-4E27-8C94-BB93EAF5CB18}" type="datetimeFigureOut">
               <a:rPr lang="en-US" dirty="0"/>
-              <a:t>4/22/2021</a:t>
+              <a:t>4/30/2021</a:t>
             </a:fld>
             <a:endParaRPr lang="en-US" dirty="0"/>
           </a:p>
@@ -7030,7 +7030,7 @@
           <a:p>
             <a:fld id="{363EFA5E-FA76-400D-B3DC-F0BA90E6D107}" type="datetimeFigureOut">
               <a:rPr lang="en-US" dirty="0"/>
-              <a:t>4/22/2021</a:t>
+              <a:t>4/30/2021</a:t>
             </a:fld>
             <a:endParaRPr lang="en-US" dirty="0"/>
           </a:p>
@@ -7269,7 +7269,7 @@
           <a:p>
             <a:fld id="{9D6E9DEC-419B-4CC5-A080-3B06BD5A8291}" type="datetimeFigureOut">
               <a:rPr lang="en-US" dirty="0"/>
-              <a:t>4/22/2021</a:t>
+              <a:t>4/30/2021</a:t>
             </a:fld>
             <a:endParaRPr lang="en-US" dirty="0"/>
           </a:p>
@@ -8840,7 +8840,6 @@
               <a:rPr lang="en-US" i="1" dirty="0" smtClean="0"/>
               <a:t> )</a:t>
             </a:r>
-            <a:endParaRPr lang="en-US" i="1" dirty="0" smtClean="0"/>
           </a:p>
           <a:p>
             <a:pPr marL="0" indent="0">
@@ -8935,19 +8934,19 @@
               <a:buNone/>
             </a:pPr>
             <a:r>
-              <a:rPr lang="en-US" i="1" smtClean="0"/>
+              <a:rPr lang="en-US" i="1" dirty="0" smtClean="0"/>
               <a:t>	s</a:t>
             </a:r>
             <a:r>
-              <a:rPr lang="en-US" i="1" baseline="-25000" smtClean="0"/>
+              <a:rPr lang="en-US" i="1" baseline="-25000" dirty="0" smtClean="0"/>
               <a:t>t+1</a:t>
             </a:r>
             <a:r>
-              <a:rPr lang="en-US" i="1" smtClean="0"/>
+              <a:rPr lang="en-US" i="1" dirty="0" smtClean="0"/>
               <a:t>|y</a:t>
             </a:r>
             <a:r>
-              <a:rPr lang="en-US" i="1" baseline="-25000" smtClean="0"/>
+              <a:rPr lang="en-US" i="1" baseline="-25000" dirty="0" smtClean="0"/>
               <a:t>1</a:t>
             </a:r>
             <a:r>
@@ -9036,7 +9035,6 @@
               <a:rPr lang="en-US" i="1" dirty="0" smtClean="0"/>
               <a:t>)</a:t>
             </a:r>
-            <a:endParaRPr lang="en-US" i="1" dirty="0" smtClean="0"/>
           </a:p>
           <a:p>
             <a:pPr marL="0" indent="0">
@@ -9296,10 +9294,404 @@
         </p:nvSpPr>
         <p:spPr/>
         <p:txBody>
-          <a:bodyPr/>
+          <a:bodyPr>
+            <a:normAutofit fontScale="77500" lnSpcReduction="20000"/>
+          </a:bodyPr>
           <a:lstStyle/>
           <a:p>
-            <a:endParaRPr lang="en-US" dirty="0"/>
+            <a:pPr marL="0" indent="0">
+              <a:buNone/>
+            </a:pPr>
+            <a:r>
+              <a:rPr lang="en-US" i="1" dirty="0" err="1" smtClean="0"/>
+              <a:t>w</a:t>
+            </a:r>
+            <a:r>
+              <a:rPr lang="en-US" i="1" baseline="-25000" dirty="0" err="1" smtClean="0"/>
+              <a:t>t</a:t>
+            </a:r>
+            <a:r>
+              <a:rPr lang="en-US" i="1" baseline="-25000" dirty="0" smtClean="0"/>
+              <a:t> </a:t>
+            </a:r>
+            <a:r>
+              <a:rPr lang="en-US" i="1" dirty="0" smtClean="0"/>
+              <a:t>~ N ( 0,</a:t>
+            </a:r>
+            <a:r>
+              <a:rPr lang="el-GR" i="1" dirty="0"/>
+              <a:t> </a:t>
+            </a:r>
+            <a:r>
+              <a:rPr lang="el-GR" i="1" dirty="0" smtClean="0"/>
+              <a:t>Σ</a:t>
+            </a:r>
+            <a:r>
+              <a:rPr lang="en-US" i="1" baseline="-25000" dirty="0" smtClean="0"/>
+              <a:t>w </a:t>
+            </a:r>
+            <a:r>
+              <a:rPr lang="en-US" i="1" dirty="0" smtClean="0"/>
+              <a:t>)</a:t>
+            </a:r>
+          </a:p>
+          <a:p>
+            <a:pPr marL="0" indent="0">
+              <a:buNone/>
+            </a:pPr>
+            <a:r>
+              <a:rPr lang="en-US" i="1" dirty="0" err="1" smtClean="0"/>
+              <a:t>v</a:t>
+            </a:r>
+            <a:r>
+              <a:rPr lang="en-US" i="1" baseline="-25000" dirty="0" err="1" smtClean="0"/>
+              <a:t>t</a:t>
+            </a:r>
+            <a:r>
+              <a:rPr lang="en-US" i="1" baseline="-25000" dirty="0" smtClean="0"/>
+              <a:t> </a:t>
+            </a:r>
+            <a:r>
+              <a:rPr lang="en-US" i="1" dirty="0" smtClean="0"/>
+              <a:t>~ N ( 0</a:t>
+            </a:r>
+            <a:r>
+              <a:rPr lang="en-US" i="1" dirty="0"/>
+              <a:t>,</a:t>
+            </a:r>
+            <a:r>
+              <a:rPr lang="el-GR" i="1" dirty="0"/>
+              <a:t> </a:t>
+            </a:r>
+            <a:r>
+              <a:rPr lang="el-GR" i="1" dirty="0" smtClean="0"/>
+              <a:t>Σ</a:t>
+            </a:r>
+            <a:r>
+              <a:rPr lang="en-US" i="1" baseline="-25000" dirty="0" smtClean="0"/>
+              <a:t>v </a:t>
+            </a:r>
+            <a:r>
+              <a:rPr lang="en-US" i="1" dirty="0" smtClean="0"/>
+              <a:t>)</a:t>
+            </a:r>
+            <a:endParaRPr lang="en-US" i="1" dirty="0"/>
+          </a:p>
+          <a:p>
+            <a:pPr marL="0" indent="0">
+              <a:buNone/>
+            </a:pPr>
+            <a:r>
+              <a:rPr lang="en-US" i="1" dirty="0"/>
+              <a:t>s</a:t>
+            </a:r>
+            <a:r>
+              <a:rPr lang="en-US" i="1" baseline="-25000" dirty="0" smtClean="0"/>
+              <a:t>t+1 </a:t>
+            </a:r>
+            <a:r>
+              <a:rPr lang="en-US" i="1" dirty="0" smtClean="0"/>
+              <a:t>= A </a:t>
+            </a:r>
+            <a:r>
+              <a:rPr lang="en-US" i="1" dirty="0" err="1" smtClean="0"/>
+              <a:t>s</a:t>
+            </a:r>
+            <a:r>
+              <a:rPr lang="en-US" i="1" baseline="-25000" dirty="0" err="1" smtClean="0"/>
+              <a:t>t</a:t>
+            </a:r>
+            <a:r>
+              <a:rPr lang="en-US" i="1" baseline="-25000" dirty="0" smtClean="0"/>
+              <a:t> </a:t>
+            </a:r>
+            <a:r>
+              <a:rPr lang="en-US" i="1" dirty="0" smtClean="0"/>
+              <a:t>+ B a</a:t>
+            </a:r>
+            <a:r>
+              <a:rPr lang="en-US" i="1" baseline="-25000" dirty="0" smtClean="0"/>
+              <a:t>t </a:t>
+            </a:r>
+            <a:r>
+              <a:rPr lang="en-US" i="1" dirty="0" smtClean="0"/>
+              <a:t>+ </a:t>
+            </a:r>
+            <a:r>
+              <a:rPr lang="en-US" i="1" dirty="0" err="1" smtClean="0"/>
+              <a:t>w</a:t>
+            </a:r>
+            <a:r>
+              <a:rPr lang="en-US" i="1" baseline="-25000" dirty="0" err="1" smtClean="0"/>
+              <a:t>t</a:t>
+            </a:r>
+            <a:endParaRPr lang="en-US" i="1" dirty="0" smtClean="0"/>
+          </a:p>
+          <a:p>
+            <a:pPr marL="0" indent="0">
+              <a:buNone/>
+            </a:pPr>
+            <a:r>
+              <a:rPr lang="en-US" i="1" dirty="0"/>
+              <a:t>y</a:t>
+            </a:r>
+            <a:r>
+              <a:rPr lang="en-US" i="1" baseline="-25000" dirty="0"/>
+              <a:t>t+1 </a:t>
+            </a:r>
+            <a:r>
+              <a:rPr lang="en-US" i="1" dirty="0"/>
+              <a:t>= C </a:t>
+            </a:r>
+            <a:r>
+              <a:rPr lang="en-US" i="1" dirty="0" err="1"/>
+              <a:t>s</a:t>
+            </a:r>
+            <a:r>
+              <a:rPr lang="en-US" i="1" baseline="-25000" dirty="0" err="1"/>
+              <a:t>t</a:t>
+            </a:r>
+            <a:r>
+              <a:rPr lang="en-US" i="1" baseline="-25000" dirty="0"/>
+              <a:t> </a:t>
+            </a:r>
+            <a:r>
+              <a:rPr lang="en-US" i="1" dirty="0"/>
+              <a:t>+ </a:t>
+            </a:r>
+            <a:r>
+              <a:rPr lang="en-US" i="1" dirty="0" err="1"/>
+              <a:t>v</a:t>
+            </a:r>
+            <a:r>
+              <a:rPr lang="en-US" i="1" baseline="-25000" dirty="0" err="1"/>
+              <a:t>t</a:t>
+            </a:r>
+            <a:endParaRPr lang="en-US" i="1" baseline="-25000" dirty="0"/>
+          </a:p>
+          <a:p>
+            <a:pPr marL="0" indent="0">
+              <a:buNone/>
+            </a:pPr>
+            <a:r>
+              <a:rPr lang="en-US" i="1" dirty="0" smtClean="0"/>
+              <a:t>Use Kalman Filter to estimate state</a:t>
+            </a:r>
+          </a:p>
+          <a:p>
+            <a:pPr marL="0" indent="0">
+              <a:buNone/>
+            </a:pPr>
+            <a:r>
+              <a:rPr lang="en-US" i="1" dirty="0" smtClean="0"/>
+              <a:t>s</a:t>
+            </a:r>
+            <a:r>
+              <a:rPr lang="en-US" i="1" baseline="-25000" dirty="0"/>
+              <a:t> </a:t>
+            </a:r>
+            <a:r>
+              <a:rPr lang="en-US" i="1" baseline="-25000" dirty="0" smtClean="0"/>
+              <a:t>0|0</a:t>
+            </a:r>
+            <a:r>
+              <a:rPr lang="en-US" i="1" dirty="0" smtClean="0"/>
+              <a:t> = s</a:t>
+            </a:r>
+            <a:r>
+              <a:rPr lang="en-US" i="1" baseline="-25000" dirty="0"/>
+              <a:t> 0</a:t>
+            </a:r>
+            <a:r>
+              <a:rPr lang="en-US" i="1" dirty="0" smtClean="0"/>
+              <a:t>, </a:t>
+            </a:r>
+            <a:r>
+              <a:rPr lang="el-GR" i="1" dirty="0" smtClean="0"/>
+              <a:t>Σ</a:t>
+            </a:r>
+            <a:r>
+              <a:rPr lang="en-US" i="1" baseline="-25000" dirty="0" smtClean="0"/>
+              <a:t>0|0</a:t>
+            </a:r>
+            <a:r>
+              <a:rPr lang="en-US" i="1" dirty="0" smtClean="0"/>
+              <a:t> = 0 (for s</a:t>
+            </a:r>
+            <a:r>
+              <a:rPr lang="en-US" i="1" baseline="-25000" dirty="0"/>
+              <a:t> 0 </a:t>
+            </a:r>
+            <a:r>
+              <a:rPr lang="en-US" i="1" dirty="0" smtClean="0"/>
+              <a:t>~N(s</a:t>
+            </a:r>
+            <a:r>
+              <a:rPr lang="en-US" i="1" baseline="-25000" dirty="0"/>
+              <a:t> 0|0</a:t>
+            </a:r>
+            <a:r>
+              <a:rPr lang="en-US" i="1" dirty="0" smtClean="0"/>
+              <a:t>, </a:t>
+            </a:r>
+            <a:r>
+              <a:rPr lang="el-GR" i="1" dirty="0" smtClean="0"/>
+              <a:t>Σ</a:t>
+            </a:r>
+            <a:r>
+              <a:rPr lang="en-US" i="1" baseline="-25000" dirty="0"/>
+              <a:t> 0|0</a:t>
+            </a:r>
+            <a:r>
+              <a:rPr lang="en-US" i="1" dirty="0" smtClean="0"/>
+              <a:t>) )</a:t>
+            </a:r>
+          </a:p>
+          <a:p>
+            <a:pPr marL="0" indent="0">
+              <a:buNone/>
+            </a:pPr>
+            <a:r>
+              <a:rPr lang="en-US" i="1" dirty="0" smtClean="0"/>
+              <a:t>Predict</a:t>
+            </a:r>
+          </a:p>
+          <a:p>
+            <a:pPr marL="0" indent="0">
+              <a:buNone/>
+            </a:pPr>
+            <a:r>
+              <a:rPr lang="en-US" i="1" dirty="0" smtClean="0"/>
+              <a:t>S</a:t>
+            </a:r>
+            <a:r>
+              <a:rPr lang="en-US" i="1" baseline="-25000" dirty="0" smtClean="0"/>
+              <a:t>t+1|t</a:t>
+            </a:r>
+            <a:r>
+              <a:rPr lang="en-US" i="1" dirty="0" smtClean="0"/>
+              <a:t> = A </a:t>
+            </a:r>
+            <a:r>
+              <a:rPr lang="en-US" i="1" dirty="0" err="1" smtClean="0"/>
+              <a:t>s</a:t>
+            </a:r>
+            <a:r>
+              <a:rPr lang="en-US" i="1" baseline="-25000" dirty="0" err="1" smtClean="0"/>
+              <a:t>t|t</a:t>
+            </a:r>
+            <a:r>
+              <a:rPr lang="en-US" i="1" dirty="0" smtClean="0"/>
+              <a:t> + B a</a:t>
+            </a:r>
+            <a:r>
+              <a:rPr lang="en-US" i="1" baseline="-25000" dirty="0"/>
+              <a:t>t</a:t>
+            </a:r>
+            <a:endParaRPr lang="en-US" i="1" dirty="0" smtClean="0"/>
+          </a:p>
+          <a:p>
+            <a:pPr marL="0" indent="0">
+              <a:buNone/>
+            </a:pPr>
+            <a:r>
+              <a:rPr lang="el-GR" i="1" dirty="0" smtClean="0"/>
+              <a:t>Σ</a:t>
+            </a:r>
+            <a:r>
+              <a:rPr lang="en-US" i="1" baseline="-25000" dirty="0" smtClean="0"/>
+              <a:t>t+1|t</a:t>
+            </a:r>
+            <a:r>
+              <a:rPr lang="en-US" i="1" dirty="0" smtClean="0"/>
+              <a:t> = A</a:t>
+            </a:r>
+            <a:r>
+              <a:rPr lang="el-GR" i="1" dirty="0" smtClean="0"/>
+              <a:t> Σ</a:t>
+            </a:r>
+            <a:r>
+              <a:rPr lang="en-US" i="1" baseline="-25000" dirty="0" err="1" smtClean="0"/>
+              <a:t>t|t</a:t>
+            </a:r>
+            <a:r>
+              <a:rPr lang="en-US" i="1" dirty="0" smtClean="0"/>
+              <a:t> A</a:t>
+            </a:r>
+            <a:r>
+              <a:rPr lang="en-US" i="1" baseline="30000" dirty="0"/>
+              <a:t>T</a:t>
+            </a:r>
+            <a:r>
+              <a:rPr lang="en-US" i="1" dirty="0" smtClean="0"/>
+              <a:t> +</a:t>
+            </a:r>
+            <a:r>
+              <a:rPr lang="el-GR" i="1" dirty="0" smtClean="0"/>
+              <a:t> Σ</a:t>
+            </a:r>
+            <a:r>
+              <a:rPr lang="en-US" i="1" baseline="-25000" dirty="0" smtClean="0"/>
+              <a:t>v</a:t>
+            </a:r>
+            <a:endParaRPr lang="en-US" i="1" dirty="0" smtClean="0"/>
+          </a:p>
+          <a:p>
+            <a:pPr marL="0" indent="0">
+              <a:buNone/>
+            </a:pPr>
+            <a:r>
+              <a:rPr lang="en-US" i="1" dirty="0" smtClean="0"/>
+              <a:t>Compute L</a:t>
+            </a:r>
+            <a:r>
+              <a:rPr lang="en-US" i="1" baseline="-25000" dirty="0"/>
+              <a:t>t</a:t>
+            </a:r>
+            <a:r>
+              <a:rPr lang="en-US" i="1" dirty="0" smtClean="0"/>
+              <a:t>’s using LQR (Assuming observed states)</a:t>
+            </a:r>
+          </a:p>
+          <a:p>
+            <a:pPr marL="0" indent="0">
+              <a:buNone/>
+            </a:pPr>
+            <a:r>
+              <a:rPr lang="en-US" i="1" dirty="0" smtClean="0"/>
+              <a:t>a</a:t>
+            </a:r>
+            <a:r>
+              <a:rPr lang="en-US" i="1" baseline="-25000" dirty="0"/>
+              <a:t>t</a:t>
+            </a:r>
+            <a:r>
+              <a:rPr lang="en-US" i="1" dirty="0" smtClean="0"/>
+              <a:t> = L</a:t>
+            </a:r>
+            <a:r>
+              <a:rPr lang="en-US" i="1" baseline="-25000" dirty="0"/>
+              <a:t>t</a:t>
+            </a:r>
+            <a:r>
+              <a:rPr lang="en-US" i="1" dirty="0" smtClean="0"/>
+              <a:t> </a:t>
+            </a:r>
+            <a:r>
+              <a:rPr lang="en-US" i="1" dirty="0" err="1" smtClean="0"/>
+              <a:t>s</a:t>
+            </a:r>
+            <a:r>
+              <a:rPr lang="en-US" i="1" baseline="-25000" dirty="0" err="1"/>
+              <a:t>t</a:t>
+            </a:r>
+            <a:endParaRPr lang="en-US" i="1" dirty="0"/>
+          </a:p>
+          <a:p>
+            <a:pPr marL="0" indent="0">
+              <a:buNone/>
+            </a:pPr>
+            <a:endParaRPr lang="en-US" i="1" dirty="0" smtClean="0"/>
           </a:p>
         </p:txBody>
       </p:sp>
@@ -9994,7 +10386,15 @@
             </a:pPr>
             <a:r>
               <a:rPr lang="en-US" sz="4400" i="1" dirty="0" smtClean="0"/>
-              <a:t>Royal Oak, MI, 48073</a:t>
+              <a:t>Royal </a:t>
+            </a:r>
+            <a:r>
+              <a:rPr lang="en-US" sz="4400" i="1" dirty="0" smtClean="0"/>
+              <a:t>Oak </a:t>
+            </a:r>
+            <a:r>
+              <a:rPr lang="en-US" sz="4400" i="1" dirty="0" smtClean="0"/>
+              <a:t>MI, 48073</a:t>
             </a:r>
           </a:p>
           <a:p>
@@ -10003,7 +10403,7 @@
             </a:pPr>
             <a:fld id="{6199AAC8-460C-4911-9FFB-701238C59D0B}" type="datetime4">
               <a:rPr lang="en-US" sz="4400" i="1"/>
-              <a:t>April 22, 2021</a:t>
+              <a:t>April 30, 2021</a:t>
             </a:fld>
             <a:endParaRPr lang="en-US" sz="4400" i="1" dirty="0"/>
           </a:p>
